--- a/Git.pptx
+++ b/Git.pptx
@@ -5,7 +5,7 @@
     <p:sldMasterId id="2147483648" r:id="rId1"/>
   </p:sldMasterIdLst>
   <p:notesMasterIdLst>
-    <p:notesMasterId r:id="rId24"/>
+    <p:notesMasterId r:id="rId25"/>
   </p:notesMasterIdLst>
   <p:sldIdLst>
     <p:sldId id="256" r:id="rId2"/>
@@ -29,7 +29,8 @@
     <p:sldId id="276" r:id="rId20"/>
     <p:sldId id="277" r:id="rId21"/>
     <p:sldId id="273" r:id="rId22"/>
-    <p:sldId id="278" r:id="rId23"/>
+    <p:sldId id="279" r:id="rId23"/>
+    <p:sldId id="278" r:id="rId24"/>
   </p:sldIdLst>
   <p:sldSz cx="12192000" cy="6858000"/>
   <p:notesSz cx="6858000" cy="9144000"/>
@@ -218,7 +219,7 @@
           <a:p>
             <a:fld id="{F00E96CF-5E5F-4545-AE1A-32C9A7455CC5}" type="datetimeFigureOut">
               <a:rPr lang="en-US" smtClean="0"/>
-              <a:t>1/22/2019</a:t>
+              <a:t>1/24/2019</a:t>
             </a:fld>
             <a:endParaRPr lang="en-US"/>
           </a:p>
@@ -800,7 +801,7 @@
           <a:p>
             <a:fld id="{3D33439A-7259-49D7-8C7D-37CDE9E6969A}" type="datetimeFigureOut">
               <a:rPr lang="en-US" smtClean="0"/>
-              <a:t>1/22/2019</a:t>
+              <a:t>1/24/2019</a:t>
             </a:fld>
             <a:endParaRPr lang="en-US"/>
           </a:p>
@@ -998,7 +999,7 @@
           <a:p>
             <a:fld id="{3D33439A-7259-49D7-8C7D-37CDE9E6969A}" type="datetimeFigureOut">
               <a:rPr lang="en-US" smtClean="0"/>
-              <a:t>1/22/2019</a:t>
+              <a:t>1/24/2019</a:t>
             </a:fld>
             <a:endParaRPr lang="en-US"/>
           </a:p>
@@ -1206,7 +1207,7 @@
           <a:p>
             <a:fld id="{3D33439A-7259-49D7-8C7D-37CDE9E6969A}" type="datetimeFigureOut">
               <a:rPr lang="en-US" smtClean="0"/>
-              <a:t>1/22/2019</a:t>
+              <a:t>1/24/2019</a:t>
             </a:fld>
             <a:endParaRPr lang="en-US"/>
           </a:p>
@@ -1404,7 +1405,7 @@
           <a:p>
             <a:fld id="{3D33439A-7259-49D7-8C7D-37CDE9E6969A}" type="datetimeFigureOut">
               <a:rPr lang="en-US" smtClean="0"/>
-              <a:t>1/22/2019</a:t>
+              <a:t>1/24/2019</a:t>
             </a:fld>
             <a:endParaRPr lang="en-US"/>
           </a:p>
@@ -1679,7 +1680,7 @@
           <a:p>
             <a:fld id="{3D33439A-7259-49D7-8C7D-37CDE9E6969A}" type="datetimeFigureOut">
               <a:rPr lang="en-US" smtClean="0"/>
-              <a:t>1/22/2019</a:t>
+              <a:t>1/24/2019</a:t>
             </a:fld>
             <a:endParaRPr lang="en-US"/>
           </a:p>
@@ -1944,7 +1945,7 @@
           <a:p>
             <a:fld id="{3D33439A-7259-49D7-8C7D-37CDE9E6969A}" type="datetimeFigureOut">
               <a:rPr lang="en-US" smtClean="0"/>
-              <a:t>1/22/2019</a:t>
+              <a:t>1/24/2019</a:t>
             </a:fld>
             <a:endParaRPr lang="en-US"/>
           </a:p>
@@ -2356,7 +2357,7 @@
           <a:p>
             <a:fld id="{3D33439A-7259-49D7-8C7D-37CDE9E6969A}" type="datetimeFigureOut">
               <a:rPr lang="en-US" smtClean="0"/>
-              <a:t>1/22/2019</a:t>
+              <a:t>1/24/2019</a:t>
             </a:fld>
             <a:endParaRPr lang="en-US"/>
           </a:p>
@@ -2497,7 +2498,7 @@
           <a:p>
             <a:fld id="{3D33439A-7259-49D7-8C7D-37CDE9E6969A}" type="datetimeFigureOut">
               <a:rPr lang="en-US" smtClean="0"/>
-              <a:t>1/22/2019</a:t>
+              <a:t>1/24/2019</a:t>
             </a:fld>
             <a:endParaRPr lang="en-US"/>
           </a:p>
@@ -2610,7 +2611,7 @@
           <a:p>
             <a:fld id="{3D33439A-7259-49D7-8C7D-37CDE9E6969A}" type="datetimeFigureOut">
               <a:rPr lang="en-US" smtClean="0"/>
-              <a:t>1/22/2019</a:t>
+              <a:t>1/24/2019</a:t>
             </a:fld>
             <a:endParaRPr lang="en-US"/>
           </a:p>
@@ -2921,7 +2922,7 @@
           <a:p>
             <a:fld id="{3D33439A-7259-49D7-8C7D-37CDE9E6969A}" type="datetimeFigureOut">
               <a:rPr lang="en-US" smtClean="0"/>
-              <a:t>1/22/2019</a:t>
+              <a:t>1/24/2019</a:t>
             </a:fld>
             <a:endParaRPr lang="en-US"/>
           </a:p>
@@ -3209,7 +3210,7 @@
           <a:p>
             <a:fld id="{3D33439A-7259-49D7-8C7D-37CDE9E6969A}" type="datetimeFigureOut">
               <a:rPr lang="en-US" smtClean="0"/>
-              <a:t>1/22/2019</a:t>
+              <a:t>1/24/2019</a:t>
             </a:fld>
             <a:endParaRPr lang="en-US"/>
           </a:p>
@@ -3450,7 +3451,7 @@
           <a:p>
             <a:fld id="{3D33439A-7259-49D7-8C7D-37CDE9E6969A}" type="datetimeFigureOut">
               <a:rPr lang="en-US" smtClean="0"/>
-              <a:t>1/22/2019</a:t>
+              <a:t>1/24/2019</a:t>
             </a:fld>
             <a:endParaRPr lang="en-US"/>
           </a:p>
@@ -5207,22 +5208,14 @@
             <a:pPr lvl="1"/>
             <a:r>
               <a:rPr lang="en-US" dirty="0"/>
-              <a:t>Create a local branch with the same commit history as the remote branch</a:t>
+              <a:t>Checkout the remote branch as a local branch with the same name</a:t>
             </a:r>
           </a:p>
           <a:p>
             <a:pPr lvl="2"/>
             <a:r>
               <a:rPr lang="en-US" dirty="0"/>
-              <a:t>git checkout –b &lt;</a:t>
-            </a:r>
-            <a:r>
-              <a:rPr lang="en-US" dirty="0" err="1"/>
-              <a:t>local_branch</a:t>
-            </a:r>
-            <a:r>
-              <a:rPr lang="en-US" dirty="0"/>
-              <a:t>&gt; &lt;remote&gt;/&lt;</a:t>
+              <a:t>git checkout --track &lt;remote&gt;/&lt;</a:t>
             </a:r>
             <a:r>
               <a:rPr lang="en-US" dirty="0" err="1"/>
@@ -5497,14 +5490,14 @@
           <a:p>
             <a:r>
               <a:rPr lang="en-US" dirty="0"/>
-              <a:t>A tracking branch is connected to a remote branch. When using a tracking branch, the remote branch does not need to be specified for remote commands.</a:t>
-            </a:r>
-          </a:p>
-          <a:p>
-            <a:pPr lvl="1"/>
-            <a:r>
-              <a:rPr lang="en-US" dirty="0"/>
-              <a:t>Differences in commit history are also shown in git status.</a:t>
+              <a:t>A tracking branch is a local branch connected to a remote branch. When using a tracking branch, git can infer the remote branch you want to use.</a:t>
+            </a:r>
+          </a:p>
+          <a:p>
+            <a:pPr lvl="1"/>
+            <a:r>
+              <a:rPr lang="en-US" dirty="0"/>
+              <a:t>Differences in commit history are also shown in git status and when the branch is checked out.</a:t>
             </a:r>
           </a:p>
           <a:p>
@@ -5670,15 +5663,34 @@
           <a:p>
             <a:r>
               <a:rPr lang="en-US" dirty="0"/>
-              <a:t>Pushing to a remote branch is only allowed when your branch is ahead of the remote branch.</a:t>
-            </a:r>
-          </a:p>
-          <a:p>
-            <a:pPr lvl="1"/>
-            <a:r>
-              <a:rPr lang="en-US" dirty="0"/>
-              <a:t>If remote branch is ahead, add remote branches commits to local branch first.</a:t>
-            </a:r>
+              <a:t>To create a new branch on the remote repository, push with no branch name.</a:t>
+            </a:r>
+          </a:p>
+          <a:p>
+            <a:pPr lvl="1"/>
+            <a:r>
+              <a:rPr lang="en-US" dirty="0"/>
+              <a:t>git push -u &lt;</a:t>
+            </a:r>
+            <a:r>
+              <a:rPr lang="en-US" dirty="0" err="1"/>
+              <a:t>remote_name</a:t>
+            </a:r>
+            <a:r>
+              <a:rPr lang="en-US" dirty="0"/>
+              <a:t>&gt;</a:t>
+            </a:r>
+          </a:p>
+          <a:p>
+            <a:pPr lvl="1"/>
+            <a:r>
+              <a:rPr lang="en-US" dirty="0"/>
+              <a:t>-u sets the local branch as a tracking branch </a:t>
+            </a:r>
+          </a:p>
+          <a:p>
+            <a:pPr lvl="1"/>
+            <a:endParaRPr lang="en-US" dirty="0"/>
           </a:p>
           <a:p>
             <a:pPr lvl="1"/>
@@ -5706,6 +5718,126 @@
 </file>
 
 <file path=ppt/slides/slide22.xml><?xml version="1.0" encoding="utf-8"?>
+<p:sld xmlns:a="http://schemas.openxmlformats.org/drawingml/2006/main" xmlns:r="http://schemas.openxmlformats.org/officeDocument/2006/relationships" xmlns:p="http://schemas.openxmlformats.org/presentationml/2006/main">
+  <p:cSld>
+    <p:spTree>
+      <p:nvGrpSpPr>
+        <p:cNvPr id="1" name=""/>
+        <p:cNvGrpSpPr/>
+        <p:nvPr/>
+      </p:nvGrpSpPr>
+      <p:grpSpPr>
+        <a:xfrm>
+          <a:off x="0" y="0"/>
+          <a:ext cx="0" cy="0"/>
+          <a:chOff x="0" y="0"/>
+          <a:chExt cx="0" cy="0"/>
+        </a:xfrm>
+      </p:grpSpPr>
+      <p:sp>
+        <p:nvSpPr>
+          <p:cNvPr id="2" name="Title 1">
+            <a:extLst>
+              <a:ext uri="{FF2B5EF4-FFF2-40B4-BE49-F238E27FC236}">
+                <a16:creationId xmlns:a16="http://schemas.microsoft.com/office/drawing/2014/main" id="{CF9D7726-63C6-4371-93C3-EBB8F76A0807}"/>
+              </a:ext>
+            </a:extLst>
+          </p:cNvPr>
+          <p:cNvSpPr>
+            <a:spLocks noGrp="1"/>
+          </p:cNvSpPr>
+          <p:nvPr>
+            <p:ph type="title"/>
+          </p:nvPr>
+        </p:nvSpPr>
+        <p:spPr/>
+        <p:txBody>
+          <a:bodyPr/>
+          <a:lstStyle/>
+          <a:p>
+            <a:r>
+              <a:rPr lang="en-US" dirty="0"/>
+              <a:t>Pushing Branches</a:t>
+            </a:r>
+          </a:p>
+        </p:txBody>
+      </p:sp>
+      <p:sp>
+        <p:nvSpPr>
+          <p:cNvPr id="3" name="Content Placeholder 2">
+            <a:extLst>
+              <a:ext uri="{FF2B5EF4-FFF2-40B4-BE49-F238E27FC236}">
+                <a16:creationId xmlns:a16="http://schemas.microsoft.com/office/drawing/2014/main" id="{C8F6ECAB-8EDE-48E4-B5E1-C9CF403B1253}"/>
+              </a:ext>
+            </a:extLst>
+          </p:cNvPr>
+          <p:cNvSpPr>
+            <a:spLocks noGrp="1"/>
+          </p:cNvSpPr>
+          <p:nvPr>
+            <p:ph idx="1"/>
+          </p:nvPr>
+        </p:nvSpPr>
+        <p:spPr/>
+        <p:txBody>
+          <a:bodyPr/>
+          <a:lstStyle/>
+          <a:p>
+            <a:r>
+              <a:rPr lang="en-US" dirty="0"/>
+              <a:t>Push all local branches to a remote branch</a:t>
+            </a:r>
+          </a:p>
+          <a:p>
+            <a:pPr lvl="1"/>
+            <a:r>
+              <a:rPr lang="en-US" dirty="0"/>
+              <a:t>git push -u &lt;</a:t>
+            </a:r>
+            <a:r>
+              <a:rPr lang="en-US" dirty="0" err="1"/>
+              <a:t>remote_name</a:t>
+            </a:r>
+            <a:r>
+              <a:rPr lang="en-US" dirty="0"/>
+              <a:t>&gt; --all</a:t>
+            </a:r>
+          </a:p>
+          <a:p>
+            <a:endParaRPr lang="en-US" dirty="0"/>
+          </a:p>
+          <a:p>
+            <a:r>
+              <a:rPr lang="en-US" dirty="0"/>
+              <a:t>Pushing to a remote branch is only allowed when your branch is ahead of the remote branch.</a:t>
+            </a:r>
+          </a:p>
+          <a:p>
+            <a:pPr lvl="1"/>
+            <a:r>
+              <a:rPr lang="en-US" dirty="0"/>
+              <a:t>If remote branch is ahead, merge remote branches commits to local branch first.</a:t>
+            </a:r>
+          </a:p>
+          <a:p>
+            <a:endParaRPr lang="en-US" dirty="0"/>
+          </a:p>
+        </p:txBody>
+      </p:sp>
+    </p:spTree>
+    <p:extLst>
+      <p:ext uri="{BB962C8B-B14F-4D97-AF65-F5344CB8AC3E}">
+        <p14:creationId xmlns:p14="http://schemas.microsoft.com/office/powerpoint/2010/main" val="1287790070"/>
+      </p:ext>
+    </p:extLst>
+  </p:cSld>
+  <p:clrMapOvr>
+    <a:masterClrMapping/>
+  </p:clrMapOvr>
+</p:sld>
+</file>
+
+<file path=ppt/slides/slide23.xml><?xml version="1.0" encoding="utf-8"?>
 <p:sld xmlns:a="http://schemas.openxmlformats.org/drawingml/2006/main" xmlns:r="http://schemas.openxmlformats.org/officeDocument/2006/relationships" xmlns:p="http://schemas.openxmlformats.org/presentationml/2006/main">
   <p:cSld>
     <p:spTree>

--- a/Git.pptx
+++ b/Git.pptx
@@ -5,32 +5,33 @@
     <p:sldMasterId id="2147483648" r:id="rId1"/>
   </p:sldMasterIdLst>
   <p:notesMasterIdLst>
-    <p:notesMasterId r:id="rId25"/>
+    <p:notesMasterId r:id="rId26"/>
   </p:notesMasterIdLst>
   <p:sldIdLst>
     <p:sldId id="256" r:id="rId2"/>
-    <p:sldId id="257" r:id="rId3"/>
-    <p:sldId id="258" r:id="rId4"/>
-    <p:sldId id="259" r:id="rId5"/>
-    <p:sldId id="260" r:id="rId6"/>
-    <p:sldId id="261" r:id="rId7"/>
-    <p:sldId id="264" r:id="rId8"/>
-    <p:sldId id="262" r:id="rId9"/>
-    <p:sldId id="263" r:id="rId10"/>
-    <p:sldId id="265" r:id="rId11"/>
-    <p:sldId id="266" r:id="rId12"/>
-    <p:sldId id="267" r:id="rId13"/>
-    <p:sldId id="268" r:id="rId14"/>
-    <p:sldId id="269" r:id="rId15"/>
-    <p:sldId id="271" r:id="rId16"/>
-    <p:sldId id="270" r:id="rId17"/>
-    <p:sldId id="272" r:id="rId18"/>
-    <p:sldId id="274" r:id="rId19"/>
-    <p:sldId id="276" r:id="rId20"/>
-    <p:sldId id="277" r:id="rId21"/>
-    <p:sldId id="273" r:id="rId22"/>
-    <p:sldId id="279" r:id="rId23"/>
-    <p:sldId id="278" r:id="rId24"/>
+    <p:sldId id="280" r:id="rId3"/>
+    <p:sldId id="257" r:id="rId4"/>
+    <p:sldId id="258" r:id="rId5"/>
+    <p:sldId id="259" r:id="rId6"/>
+    <p:sldId id="260" r:id="rId7"/>
+    <p:sldId id="261" r:id="rId8"/>
+    <p:sldId id="264" r:id="rId9"/>
+    <p:sldId id="262" r:id="rId10"/>
+    <p:sldId id="263" r:id="rId11"/>
+    <p:sldId id="265" r:id="rId12"/>
+    <p:sldId id="266" r:id="rId13"/>
+    <p:sldId id="267" r:id="rId14"/>
+    <p:sldId id="268" r:id="rId15"/>
+    <p:sldId id="269" r:id="rId16"/>
+    <p:sldId id="271" r:id="rId17"/>
+    <p:sldId id="270" r:id="rId18"/>
+    <p:sldId id="272" r:id="rId19"/>
+    <p:sldId id="274" r:id="rId20"/>
+    <p:sldId id="276" r:id="rId21"/>
+    <p:sldId id="277" r:id="rId22"/>
+    <p:sldId id="273" r:id="rId23"/>
+    <p:sldId id="279" r:id="rId24"/>
+    <p:sldId id="278" r:id="rId25"/>
   </p:sldIdLst>
   <p:sldSz cx="12192000" cy="6858000"/>
   <p:notesSz cx="6858000" cy="9144000"/>
@@ -551,7 +552,7 @@
           <a:p>
             <a:fld id="{7F416180-1434-4A42-B534-B630011642D7}" type="slidenum">
               <a:rPr lang="en-US" smtClean="0"/>
-              <a:t>7</a:t>
+              <a:t>8</a:t>
             </a:fld>
             <a:endParaRPr lang="en-US"/>
           </a:p>
@@ -635,7 +636,7 @@
           <a:p>
             <a:fld id="{7F416180-1434-4A42-B534-B630011642D7}" type="slidenum">
               <a:rPr lang="en-US" smtClean="0"/>
-              <a:t>8</a:t>
+              <a:t>9</a:t>
             </a:fld>
             <a:endParaRPr lang="en-US"/>
           </a:p>
@@ -676,7 +677,7 @@
           <p:cNvPr id="2" name="Title 1">
             <a:extLst>
               <a:ext uri="{FF2B5EF4-FFF2-40B4-BE49-F238E27FC236}">
-                <a16:creationId xmlns:a16="http://schemas.microsoft.com/office/drawing/2014/main" id="{CC2D256A-135D-49D5-8B1B-DBA08B0BEE74}"/>
+                <a16:creationId xmlns:a16="http://schemas.microsoft.com/office/drawing/2014/main" xmlns="" id="{CC2D256A-135D-49D5-8B1B-DBA08B0BEE74}"/>
               </a:ext>
             </a:extLst>
           </p:cNvPr>
@@ -713,7 +714,7 @@
           <p:cNvPr id="3" name="Subtitle 2">
             <a:extLst>
               <a:ext uri="{FF2B5EF4-FFF2-40B4-BE49-F238E27FC236}">
-                <a16:creationId xmlns:a16="http://schemas.microsoft.com/office/drawing/2014/main" id="{32B0ABE7-CA0A-4EBD-AC20-2C4F8B73007E}"/>
+                <a16:creationId xmlns:a16="http://schemas.microsoft.com/office/drawing/2014/main" xmlns="" id="{32B0ABE7-CA0A-4EBD-AC20-2C4F8B73007E}"/>
               </a:ext>
             </a:extLst>
           </p:cNvPr>
@@ -783,7 +784,7 @@
           <p:cNvPr id="4" name="Date Placeholder 3">
             <a:extLst>
               <a:ext uri="{FF2B5EF4-FFF2-40B4-BE49-F238E27FC236}">
-                <a16:creationId xmlns:a16="http://schemas.microsoft.com/office/drawing/2014/main" id="{1B54A4F0-D72F-412E-9E26-D2A54F3CB35B}"/>
+                <a16:creationId xmlns:a16="http://schemas.microsoft.com/office/drawing/2014/main" xmlns="" id="{1B54A4F0-D72F-412E-9E26-D2A54F3CB35B}"/>
               </a:ext>
             </a:extLst>
           </p:cNvPr>
@@ -812,7 +813,7 @@
           <p:cNvPr id="5" name="Footer Placeholder 4">
             <a:extLst>
               <a:ext uri="{FF2B5EF4-FFF2-40B4-BE49-F238E27FC236}">
-                <a16:creationId xmlns:a16="http://schemas.microsoft.com/office/drawing/2014/main" id="{800288C6-8D32-40CA-A521-24E3D3362714}"/>
+                <a16:creationId xmlns:a16="http://schemas.microsoft.com/office/drawing/2014/main" xmlns="" id="{800288C6-8D32-40CA-A521-24E3D3362714}"/>
               </a:ext>
             </a:extLst>
           </p:cNvPr>
@@ -837,7 +838,7 @@
           <p:cNvPr id="6" name="Slide Number Placeholder 5">
             <a:extLst>
               <a:ext uri="{FF2B5EF4-FFF2-40B4-BE49-F238E27FC236}">
-                <a16:creationId xmlns:a16="http://schemas.microsoft.com/office/drawing/2014/main" id="{44CC9D34-EE9B-4582-9A92-C46DF966459E}"/>
+                <a16:creationId xmlns:a16="http://schemas.microsoft.com/office/drawing/2014/main" xmlns="" id="{44CC9D34-EE9B-4582-9A92-C46DF966459E}"/>
               </a:ext>
             </a:extLst>
           </p:cNvPr>
@@ -896,7 +897,7 @@
           <p:cNvPr id="2" name="Title 1">
             <a:extLst>
               <a:ext uri="{FF2B5EF4-FFF2-40B4-BE49-F238E27FC236}">
-                <a16:creationId xmlns:a16="http://schemas.microsoft.com/office/drawing/2014/main" id="{936C87F3-2AF7-4003-8F24-191BBBF27306}"/>
+                <a16:creationId xmlns:a16="http://schemas.microsoft.com/office/drawing/2014/main" xmlns="" id="{936C87F3-2AF7-4003-8F24-191BBBF27306}"/>
               </a:ext>
             </a:extLst>
           </p:cNvPr>
@@ -924,7 +925,7 @@
           <p:cNvPr id="3" name="Vertical Text Placeholder 2">
             <a:extLst>
               <a:ext uri="{FF2B5EF4-FFF2-40B4-BE49-F238E27FC236}">
-                <a16:creationId xmlns:a16="http://schemas.microsoft.com/office/drawing/2014/main" id="{E091D61F-39AE-4C04-BA63-54513FA74A42}"/>
+                <a16:creationId xmlns:a16="http://schemas.microsoft.com/office/drawing/2014/main" xmlns="" id="{E091D61F-39AE-4C04-BA63-54513FA74A42}"/>
               </a:ext>
             </a:extLst>
           </p:cNvPr>
@@ -981,7 +982,7 @@
           <p:cNvPr id="4" name="Date Placeholder 3">
             <a:extLst>
               <a:ext uri="{FF2B5EF4-FFF2-40B4-BE49-F238E27FC236}">
-                <a16:creationId xmlns:a16="http://schemas.microsoft.com/office/drawing/2014/main" id="{AC3079D5-3ABD-40FF-96F6-1CDC9B3DC308}"/>
+                <a16:creationId xmlns:a16="http://schemas.microsoft.com/office/drawing/2014/main" xmlns="" id="{AC3079D5-3ABD-40FF-96F6-1CDC9B3DC308}"/>
               </a:ext>
             </a:extLst>
           </p:cNvPr>
@@ -1010,7 +1011,7 @@
           <p:cNvPr id="5" name="Footer Placeholder 4">
             <a:extLst>
               <a:ext uri="{FF2B5EF4-FFF2-40B4-BE49-F238E27FC236}">
-                <a16:creationId xmlns:a16="http://schemas.microsoft.com/office/drawing/2014/main" id="{376E03D5-7075-43E5-9491-5F83CEF4B15E}"/>
+                <a16:creationId xmlns:a16="http://schemas.microsoft.com/office/drawing/2014/main" xmlns="" id="{376E03D5-7075-43E5-9491-5F83CEF4B15E}"/>
               </a:ext>
             </a:extLst>
           </p:cNvPr>
@@ -1035,7 +1036,7 @@
           <p:cNvPr id="6" name="Slide Number Placeholder 5">
             <a:extLst>
               <a:ext uri="{FF2B5EF4-FFF2-40B4-BE49-F238E27FC236}">
-                <a16:creationId xmlns:a16="http://schemas.microsoft.com/office/drawing/2014/main" id="{5B14AA74-6CB9-4356-BB2C-1B4D76497E50}"/>
+                <a16:creationId xmlns:a16="http://schemas.microsoft.com/office/drawing/2014/main" xmlns="" id="{5B14AA74-6CB9-4356-BB2C-1B4D76497E50}"/>
               </a:ext>
             </a:extLst>
           </p:cNvPr>
@@ -1094,7 +1095,7 @@
           <p:cNvPr id="2" name="Vertical Title 1">
             <a:extLst>
               <a:ext uri="{FF2B5EF4-FFF2-40B4-BE49-F238E27FC236}">
-                <a16:creationId xmlns:a16="http://schemas.microsoft.com/office/drawing/2014/main" id="{5A9AE0C6-74A6-4427-B207-828FD41904FF}"/>
+                <a16:creationId xmlns:a16="http://schemas.microsoft.com/office/drawing/2014/main" xmlns="" id="{5A9AE0C6-74A6-4427-B207-828FD41904FF}"/>
               </a:ext>
             </a:extLst>
           </p:cNvPr>
@@ -1127,7 +1128,7 @@
           <p:cNvPr id="3" name="Vertical Text Placeholder 2">
             <a:extLst>
               <a:ext uri="{FF2B5EF4-FFF2-40B4-BE49-F238E27FC236}">
-                <a16:creationId xmlns:a16="http://schemas.microsoft.com/office/drawing/2014/main" id="{3E6F6CEF-A769-4953-BCCA-E4C565C7402B}"/>
+                <a16:creationId xmlns:a16="http://schemas.microsoft.com/office/drawing/2014/main" xmlns="" id="{3E6F6CEF-A769-4953-BCCA-E4C565C7402B}"/>
               </a:ext>
             </a:extLst>
           </p:cNvPr>
@@ -1189,7 +1190,7 @@
           <p:cNvPr id="4" name="Date Placeholder 3">
             <a:extLst>
               <a:ext uri="{FF2B5EF4-FFF2-40B4-BE49-F238E27FC236}">
-                <a16:creationId xmlns:a16="http://schemas.microsoft.com/office/drawing/2014/main" id="{793713A0-A161-4C6E-8800-2346FF3E2506}"/>
+                <a16:creationId xmlns:a16="http://schemas.microsoft.com/office/drawing/2014/main" xmlns="" id="{793713A0-A161-4C6E-8800-2346FF3E2506}"/>
               </a:ext>
             </a:extLst>
           </p:cNvPr>
@@ -1218,7 +1219,7 @@
           <p:cNvPr id="5" name="Footer Placeholder 4">
             <a:extLst>
               <a:ext uri="{FF2B5EF4-FFF2-40B4-BE49-F238E27FC236}">
-                <a16:creationId xmlns:a16="http://schemas.microsoft.com/office/drawing/2014/main" id="{6EBF9E0C-2C69-4554-89FA-71D19F0F7BEA}"/>
+                <a16:creationId xmlns:a16="http://schemas.microsoft.com/office/drawing/2014/main" xmlns="" id="{6EBF9E0C-2C69-4554-89FA-71D19F0F7BEA}"/>
               </a:ext>
             </a:extLst>
           </p:cNvPr>
@@ -1243,7 +1244,7 @@
           <p:cNvPr id="6" name="Slide Number Placeholder 5">
             <a:extLst>
               <a:ext uri="{FF2B5EF4-FFF2-40B4-BE49-F238E27FC236}">
-                <a16:creationId xmlns:a16="http://schemas.microsoft.com/office/drawing/2014/main" id="{C5A00BEC-864C-45D4-91D3-4D659FC4ECC1}"/>
+                <a16:creationId xmlns:a16="http://schemas.microsoft.com/office/drawing/2014/main" xmlns="" id="{C5A00BEC-864C-45D4-91D3-4D659FC4ECC1}"/>
               </a:ext>
             </a:extLst>
           </p:cNvPr>
@@ -1302,7 +1303,7 @@
           <p:cNvPr id="2" name="Title 1">
             <a:extLst>
               <a:ext uri="{FF2B5EF4-FFF2-40B4-BE49-F238E27FC236}">
-                <a16:creationId xmlns:a16="http://schemas.microsoft.com/office/drawing/2014/main" id="{8B19B675-4B2C-4471-B90F-3ECA1B12778A}"/>
+                <a16:creationId xmlns:a16="http://schemas.microsoft.com/office/drawing/2014/main" xmlns="" id="{8B19B675-4B2C-4471-B90F-3ECA1B12778A}"/>
               </a:ext>
             </a:extLst>
           </p:cNvPr>
@@ -1330,7 +1331,7 @@
           <p:cNvPr id="3" name="Content Placeholder 2">
             <a:extLst>
               <a:ext uri="{FF2B5EF4-FFF2-40B4-BE49-F238E27FC236}">
-                <a16:creationId xmlns:a16="http://schemas.microsoft.com/office/drawing/2014/main" id="{1F113C16-B9DC-4721-884E-4F0313556AA1}"/>
+                <a16:creationId xmlns:a16="http://schemas.microsoft.com/office/drawing/2014/main" xmlns="" id="{1F113C16-B9DC-4721-884E-4F0313556AA1}"/>
               </a:ext>
             </a:extLst>
           </p:cNvPr>
@@ -1387,7 +1388,7 @@
           <p:cNvPr id="4" name="Date Placeholder 3">
             <a:extLst>
               <a:ext uri="{FF2B5EF4-FFF2-40B4-BE49-F238E27FC236}">
-                <a16:creationId xmlns:a16="http://schemas.microsoft.com/office/drawing/2014/main" id="{017B5D9B-FB04-4E0C-90A5-2CF8C88B2E1A}"/>
+                <a16:creationId xmlns:a16="http://schemas.microsoft.com/office/drawing/2014/main" xmlns="" id="{017B5D9B-FB04-4E0C-90A5-2CF8C88B2E1A}"/>
               </a:ext>
             </a:extLst>
           </p:cNvPr>
@@ -1416,7 +1417,7 @@
           <p:cNvPr id="5" name="Footer Placeholder 4">
             <a:extLst>
               <a:ext uri="{FF2B5EF4-FFF2-40B4-BE49-F238E27FC236}">
-                <a16:creationId xmlns:a16="http://schemas.microsoft.com/office/drawing/2014/main" id="{D079B496-ED47-4FE4-8197-BC38F6FEA284}"/>
+                <a16:creationId xmlns:a16="http://schemas.microsoft.com/office/drawing/2014/main" xmlns="" id="{D079B496-ED47-4FE4-8197-BC38F6FEA284}"/>
               </a:ext>
             </a:extLst>
           </p:cNvPr>
@@ -1441,7 +1442,7 @@
           <p:cNvPr id="6" name="Slide Number Placeholder 5">
             <a:extLst>
               <a:ext uri="{FF2B5EF4-FFF2-40B4-BE49-F238E27FC236}">
-                <a16:creationId xmlns:a16="http://schemas.microsoft.com/office/drawing/2014/main" id="{CA4C0928-0CF2-4548-A701-FDACC4639DEA}"/>
+                <a16:creationId xmlns:a16="http://schemas.microsoft.com/office/drawing/2014/main" xmlns="" id="{CA4C0928-0CF2-4548-A701-FDACC4639DEA}"/>
               </a:ext>
             </a:extLst>
           </p:cNvPr>
@@ -1500,7 +1501,7 @@
           <p:cNvPr id="2" name="Title 1">
             <a:extLst>
               <a:ext uri="{FF2B5EF4-FFF2-40B4-BE49-F238E27FC236}">
-                <a16:creationId xmlns:a16="http://schemas.microsoft.com/office/drawing/2014/main" id="{EEB9BA2D-F51B-45A6-BE61-D2801D7776BF}"/>
+                <a16:creationId xmlns:a16="http://schemas.microsoft.com/office/drawing/2014/main" xmlns="" id="{EEB9BA2D-F51B-45A6-BE61-D2801D7776BF}"/>
               </a:ext>
             </a:extLst>
           </p:cNvPr>
@@ -1537,7 +1538,7 @@
           <p:cNvPr id="3" name="Text Placeholder 2">
             <a:extLst>
               <a:ext uri="{FF2B5EF4-FFF2-40B4-BE49-F238E27FC236}">
-                <a16:creationId xmlns:a16="http://schemas.microsoft.com/office/drawing/2014/main" id="{9ADF59B7-8C00-4DDA-99D1-23EA2EA2E7A6}"/>
+                <a16:creationId xmlns:a16="http://schemas.microsoft.com/office/drawing/2014/main" xmlns="" id="{9ADF59B7-8C00-4DDA-99D1-23EA2EA2E7A6}"/>
               </a:ext>
             </a:extLst>
           </p:cNvPr>
@@ -1662,7 +1663,7 @@
           <p:cNvPr id="4" name="Date Placeholder 3">
             <a:extLst>
               <a:ext uri="{FF2B5EF4-FFF2-40B4-BE49-F238E27FC236}">
-                <a16:creationId xmlns:a16="http://schemas.microsoft.com/office/drawing/2014/main" id="{3ABBBF98-5C50-4680-B08C-8A6159C8EF6C}"/>
+                <a16:creationId xmlns:a16="http://schemas.microsoft.com/office/drawing/2014/main" xmlns="" id="{3ABBBF98-5C50-4680-B08C-8A6159C8EF6C}"/>
               </a:ext>
             </a:extLst>
           </p:cNvPr>
@@ -1691,7 +1692,7 @@
           <p:cNvPr id="5" name="Footer Placeholder 4">
             <a:extLst>
               <a:ext uri="{FF2B5EF4-FFF2-40B4-BE49-F238E27FC236}">
-                <a16:creationId xmlns:a16="http://schemas.microsoft.com/office/drawing/2014/main" id="{A37E2982-C1BD-475B-9F14-16414AB693A2}"/>
+                <a16:creationId xmlns:a16="http://schemas.microsoft.com/office/drawing/2014/main" xmlns="" id="{A37E2982-C1BD-475B-9F14-16414AB693A2}"/>
               </a:ext>
             </a:extLst>
           </p:cNvPr>
@@ -1716,7 +1717,7 @@
           <p:cNvPr id="6" name="Slide Number Placeholder 5">
             <a:extLst>
               <a:ext uri="{FF2B5EF4-FFF2-40B4-BE49-F238E27FC236}">
-                <a16:creationId xmlns:a16="http://schemas.microsoft.com/office/drawing/2014/main" id="{E27BF2DA-5501-44CE-91D0-93D94995E145}"/>
+                <a16:creationId xmlns:a16="http://schemas.microsoft.com/office/drawing/2014/main" xmlns="" id="{E27BF2DA-5501-44CE-91D0-93D94995E145}"/>
               </a:ext>
             </a:extLst>
           </p:cNvPr>
@@ -1775,7 +1776,7 @@
           <p:cNvPr id="2" name="Title 1">
             <a:extLst>
               <a:ext uri="{FF2B5EF4-FFF2-40B4-BE49-F238E27FC236}">
-                <a16:creationId xmlns:a16="http://schemas.microsoft.com/office/drawing/2014/main" id="{A30AFAAD-995B-4604-9212-156B8959C891}"/>
+                <a16:creationId xmlns:a16="http://schemas.microsoft.com/office/drawing/2014/main" xmlns="" id="{A30AFAAD-995B-4604-9212-156B8959C891}"/>
               </a:ext>
             </a:extLst>
           </p:cNvPr>
@@ -1803,7 +1804,7 @@
           <p:cNvPr id="3" name="Content Placeholder 2">
             <a:extLst>
               <a:ext uri="{FF2B5EF4-FFF2-40B4-BE49-F238E27FC236}">
-                <a16:creationId xmlns:a16="http://schemas.microsoft.com/office/drawing/2014/main" id="{C6B3622F-212A-4A9A-8843-3E433ADFC815}"/>
+                <a16:creationId xmlns:a16="http://schemas.microsoft.com/office/drawing/2014/main" xmlns="" id="{C6B3622F-212A-4A9A-8843-3E433ADFC815}"/>
               </a:ext>
             </a:extLst>
           </p:cNvPr>
@@ -1865,7 +1866,7 @@
           <p:cNvPr id="4" name="Content Placeholder 3">
             <a:extLst>
               <a:ext uri="{FF2B5EF4-FFF2-40B4-BE49-F238E27FC236}">
-                <a16:creationId xmlns:a16="http://schemas.microsoft.com/office/drawing/2014/main" id="{BF0BE2ED-93E4-4A03-AE9E-C0A133903495}"/>
+                <a16:creationId xmlns:a16="http://schemas.microsoft.com/office/drawing/2014/main" xmlns="" id="{BF0BE2ED-93E4-4A03-AE9E-C0A133903495}"/>
               </a:ext>
             </a:extLst>
           </p:cNvPr>
@@ -1927,7 +1928,7 @@
           <p:cNvPr id="5" name="Date Placeholder 4">
             <a:extLst>
               <a:ext uri="{FF2B5EF4-FFF2-40B4-BE49-F238E27FC236}">
-                <a16:creationId xmlns:a16="http://schemas.microsoft.com/office/drawing/2014/main" id="{005BA092-402C-4F8C-B94F-EAC62CAA5280}"/>
+                <a16:creationId xmlns:a16="http://schemas.microsoft.com/office/drawing/2014/main" xmlns="" id="{005BA092-402C-4F8C-B94F-EAC62CAA5280}"/>
               </a:ext>
             </a:extLst>
           </p:cNvPr>
@@ -1956,7 +1957,7 @@
           <p:cNvPr id="6" name="Footer Placeholder 5">
             <a:extLst>
               <a:ext uri="{FF2B5EF4-FFF2-40B4-BE49-F238E27FC236}">
-                <a16:creationId xmlns:a16="http://schemas.microsoft.com/office/drawing/2014/main" id="{F346F13A-B77B-4767-BC2C-F40B7F7B321B}"/>
+                <a16:creationId xmlns:a16="http://schemas.microsoft.com/office/drawing/2014/main" xmlns="" id="{F346F13A-B77B-4767-BC2C-F40B7F7B321B}"/>
               </a:ext>
             </a:extLst>
           </p:cNvPr>
@@ -1981,7 +1982,7 @@
           <p:cNvPr id="7" name="Slide Number Placeholder 6">
             <a:extLst>
               <a:ext uri="{FF2B5EF4-FFF2-40B4-BE49-F238E27FC236}">
-                <a16:creationId xmlns:a16="http://schemas.microsoft.com/office/drawing/2014/main" id="{A4DFB410-7477-423A-A51C-C7A81A435AB9}"/>
+                <a16:creationId xmlns:a16="http://schemas.microsoft.com/office/drawing/2014/main" xmlns="" id="{A4DFB410-7477-423A-A51C-C7A81A435AB9}"/>
               </a:ext>
             </a:extLst>
           </p:cNvPr>
@@ -2040,7 +2041,7 @@
           <p:cNvPr id="2" name="Title 1">
             <a:extLst>
               <a:ext uri="{FF2B5EF4-FFF2-40B4-BE49-F238E27FC236}">
-                <a16:creationId xmlns:a16="http://schemas.microsoft.com/office/drawing/2014/main" id="{DF789BDF-9887-4E48-AB55-826BA6529FFC}"/>
+                <a16:creationId xmlns:a16="http://schemas.microsoft.com/office/drawing/2014/main" xmlns="" id="{DF789BDF-9887-4E48-AB55-826BA6529FFC}"/>
               </a:ext>
             </a:extLst>
           </p:cNvPr>
@@ -2073,7 +2074,7 @@
           <p:cNvPr id="3" name="Text Placeholder 2">
             <a:extLst>
               <a:ext uri="{FF2B5EF4-FFF2-40B4-BE49-F238E27FC236}">
-                <a16:creationId xmlns:a16="http://schemas.microsoft.com/office/drawing/2014/main" id="{CAE0F728-3D80-4E94-9D84-387F2A6ADC6E}"/>
+                <a16:creationId xmlns:a16="http://schemas.microsoft.com/office/drawing/2014/main" xmlns="" id="{CAE0F728-3D80-4E94-9D84-387F2A6ADC6E}"/>
               </a:ext>
             </a:extLst>
           </p:cNvPr>
@@ -2144,7 +2145,7 @@
           <p:cNvPr id="4" name="Content Placeholder 3">
             <a:extLst>
               <a:ext uri="{FF2B5EF4-FFF2-40B4-BE49-F238E27FC236}">
-                <a16:creationId xmlns:a16="http://schemas.microsoft.com/office/drawing/2014/main" id="{15FC668B-0F96-4AAC-8F26-E7B9C7CDC61A}"/>
+                <a16:creationId xmlns:a16="http://schemas.microsoft.com/office/drawing/2014/main" xmlns="" id="{15FC668B-0F96-4AAC-8F26-E7B9C7CDC61A}"/>
               </a:ext>
             </a:extLst>
           </p:cNvPr>
@@ -2206,7 +2207,7 @@
           <p:cNvPr id="5" name="Text Placeholder 4">
             <a:extLst>
               <a:ext uri="{FF2B5EF4-FFF2-40B4-BE49-F238E27FC236}">
-                <a16:creationId xmlns:a16="http://schemas.microsoft.com/office/drawing/2014/main" id="{E7A98BE7-91C1-4ED1-A598-D93DE15FAA7C}"/>
+                <a16:creationId xmlns:a16="http://schemas.microsoft.com/office/drawing/2014/main" xmlns="" id="{E7A98BE7-91C1-4ED1-A598-D93DE15FAA7C}"/>
               </a:ext>
             </a:extLst>
           </p:cNvPr>
@@ -2277,7 +2278,7 @@
           <p:cNvPr id="6" name="Content Placeholder 5">
             <a:extLst>
               <a:ext uri="{FF2B5EF4-FFF2-40B4-BE49-F238E27FC236}">
-                <a16:creationId xmlns:a16="http://schemas.microsoft.com/office/drawing/2014/main" id="{5A79F57F-C82A-418E-BB71-D55B20C61CF5}"/>
+                <a16:creationId xmlns:a16="http://schemas.microsoft.com/office/drawing/2014/main" xmlns="" id="{5A79F57F-C82A-418E-BB71-D55B20C61CF5}"/>
               </a:ext>
             </a:extLst>
           </p:cNvPr>
@@ -2339,7 +2340,7 @@
           <p:cNvPr id="7" name="Date Placeholder 6">
             <a:extLst>
               <a:ext uri="{FF2B5EF4-FFF2-40B4-BE49-F238E27FC236}">
-                <a16:creationId xmlns:a16="http://schemas.microsoft.com/office/drawing/2014/main" id="{BDA0434A-823B-4C2B-A311-57EFD867D157}"/>
+                <a16:creationId xmlns:a16="http://schemas.microsoft.com/office/drawing/2014/main" xmlns="" id="{BDA0434A-823B-4C2B-A311-57EFD867D157}"/>
               </a:ext>
             </a:extLst>
           </p:cNvPr>
@@ -2368,7 +2369,7 @@
           <p:cNvPr id="8" name="Footer Placeholder 7">
             <a:extLst>
               <a:ext uri="{FF2B5EF4-FFF2-40B4-BE49-F238E27FC236}">
-                <a16:creationId xmlns:a16="http://schemas.microsoft.com/office/drawing/2014/main" id="{D2F5CB75-1EBC-4F44-A7EA-518788A2982C}"/>
+                <a16:creationId xmlns:a16="http://schemas.microsoft.com/office/drawing/2014/main" xmlns="" id="{D2F5CB75-1EBC-4F44-A7EA-518788A2982C}"/>
               </a:ext>
             </a:extLst>
           </p:cNvPr>
@@ -2393,7 +2394,7 @@
           <p:cNvPr id="9" name="Slide Number Placeholder 8">
             <a:extLst>
               <a:ext uri="{FF2B5EF4-FFF2-40B4-BE49-F238E27FC236}">
-                <a16:creationId xmlns:a16="http://schemas.microsoft.com/office/drawing/2014/main" id="{C955013A-3F29-450C-A9E6-DF4A9486F7F7}"/>
+                <a16:creationId xmlns:a16="http://schemas.microsoft.com/office/drawing/2014/main" xmlns="" id="{C955013A-3F29-450C-A9E6-DF4A9486F7F7}"/>
               </a:ext>
             </a:extLst>
           </p:cNvPr>
@@ -2452,7 +2453,7 @@
           <p:cNvPr id="2" name="Title 1">
             <a:extLst>
               <a:ext uri="{FF2B5EF4-FFF2-40B4-BE49-F238E27FC236}">
-                <a16:creationId xmlns:a16="http://schemas.microsoft.com/office/drawing/2014/main" id="{5403475F-47BD-4F4B-B811-D06CF5DC0F49}"/>
+                <a16:creationId xmlns:a16="http://schemas.microsoft.com/office/drawing/2014/main" xmlns="" id="{5403475F-47BD-4F4B-B811-D06CF5DC0F49}"/>
               </a:ext>
             </a:extLst>
           </p:cNvPr>
@@ -2480,7 +2481,7 @@
           <p:cNvPr id="3" name="Date Placeholder 2">
             <a:extLst>
               <a:ext uri="{FF2B5EF4-FFF2-40B4-BE49-F238E27FC236}">
-                <a16:creationId xmlns:a16="http://schemas.microsoft.com/office/drawing/2014/main" id="{1A004AF1-9DA6-43EE-948B-FC7E9B5BE895}"/>
+                <a16:creationId xmlns:a16="http://schemas.microsoft.com/office/drawing/2014/main" xmlns="" id="{1A004AF1-9DA6-43EE-948B-FC7E9B5BE895}"/>
               </a:ext>
             </a:extLst>
           </p:cNvPr>
@@ -2509,7 +2510,7 @@
           <p:cNvPr id="4" name="Footer Placeholder 3">
             <a:extLst>
               <a:ext uri="{FF2B5EF4-FFF2-40B4-BE49-F238E27FC236}">
-                <a16:creationId xmlns:a16="http://schemas.microsoft.com/office/drawing/2014/main" id="{41FD9F41-E00F-4AEB-A88A-4130D5F6C94E}"/>
+                <a16:creationId xmlns:a16="http://schemas.microsoft.com/office/drawing/2014/main" xmlns="" id="{41FD9F41-E00F-4AEB-A88A-4130D5F6C94E}"/>
               </a:ext>
             </a:extLst>
           </p:cNvPr>
@@ -2534,7 +2535,7 @@
           <p:cNvPr id="5" name="Slide Number Placeholder 4">
             <a:extLst>
               <a:ext uri="{FF2B5EF4-FFF2-40B4-BE49-F238E27FC236}">
-                <a16:creationId xmlns:a16="http://schemas.microsoft.com/office/drawing/2014/main" id="{7A09C890-9D27-4E5F-B400-5B09121380EB}"/>
+                <a16:creationId xmlns:a16="http://schemas.microsoft.com/office/drawing/2014/main" xmlns="" id="{7A09C890-9D27-4E5F-B400-5B09121380EB}"/>
               </a:ext>
             </a:extLst>
           </p:cNvPr>
@@ -2593,7 +2594,7 @@
           <p:cNvPr id="2" name="Date Placeholder 1">
             <a:extLst>
               <a:ext uri="{FF2B5EF4-FFF2-40B4-BE49-F238E27FC236}">
-                <a16:creationId xmlns:a16="http://schemas.microsoft.com/office/drawing/2014/main" id="{47A64776-A7C7-47CE-8372-D9695AB5C91A}"/>
+                <a16:creationId xmlns:a16="http://schemas.microsoft.com/office/drawing/2014/main" xmlns="" id="{47A64776-A7C7-47CE-8372-D9695AB5C91A}"/>
               </a:ext>
             </a:extLst>
           </p:cNvPr>
@@ -2622,7 +2623,7 @@
           <p:cNvPr id="3" name="Footer Placeholder 2">
             <a:extLst>
               <a:ext uri="{FF2B5EF4-FFF2-40B4-BE49-F238E27FC236}">
-                <a16:creationId xmlns:a16="http://schemas.microsoft.com/office/drawing/2014/main" id="{DE44850C-BB73-495D-BF8F-B35FDC4FA111}"/>
+                <a16:creationId xmlns:a16="http://schemas.microsoft.com/office/drawing/2014/main" xmlns="" id="{DE44850C-BB73-495D-BF8F-B35FDC4FA111}"/>
               </a:ext>
             </a:extLst>
           </p:cNvPr>
@@ -2647,7 +2648,7 @@
           <p:cNvPr id="4" name="Slide Number Placeholder 3">
             <a:extLst>
               <a:ext uri="{FF2B5EF4-FFF2-40B4-BE49-F238E27FC236}">
-                <a16:creationId xmlns:a16="http://schemas.microsoft.com/office/drawing/2014/main" id="{3874982A-DFF2-4757-8829-D7B517A1977C}"/>
+                <a16:creationId xmlns:a16="http://schemas.microsoft.com/office/drawing/2014/main" xmlns="" id="{3874982A-DFF2-4757-8829-D7B517A1977C}"/>
               </a:ext>
             </a:extLst>
           </p:cNvPr>
@@ -2706,7 +2707,7 @@
           <p:cNvPr id="2" name="Title 1">
             <a:extLst>
               <a:ext uri="{FF2B5EF4-FFF2-40B4-BE49-F238E27FC236}">
-                <a16:creationId xmlns:a16="http://schemas.microsoft.com/office/drawing/2014/main" id="{22857FB8-D400-4CDE-A72A-9F8395DABFF7}"/>
+                <a16:creationId xmlns:a16="http://schemas.microsoft.com/office/drawing/2014/main" xmlns="" id="{22857FB8-D400-4CDE-A72A-9F8395DABFF7}"/>
               </a:ext>
             </a:extLst>
           </p:cNvPr>
@@ -2743,7 +2744,7 @@
           <p:cNvPr id="3" name="Content Placeholder 2">
             <a:extLst>
               <a:ext uri="{FF2B5EF4-FFF2-40B4-BE49-F238E27FC236}">
-                <a16:creationId xmlns:a16="http://schemas.microsoft.com/office/drawing/2014/main" id="{F8737B03-CE8E-4FF4-84C0-E26EBAA9B98C}"/>
+                <a16:creationId xmlns:a16="http://schemas.microsoft.com/office/drawing/2014/main" xmlns="" id="{F8737B03-CE8E-4FF4-84C0-E26EBAA9B98C}"/>
               </a:ext>
             </a:extLst>
           </p:cNvPr>
@@ -2833,7 +2834,7 @@
           <p:cNvPr id="4" name="Text Placeholder 3">
             <a:extLst>
               <a:ext uri="{FF2B5EF4-FFF2-40B4-BE49-F238E27FC236}">
-                <a16:creationId xmlns:a16="http://schemas.microsoft.com/office/drawing/2014/main" id="{E247548C-B405-41D1-AC24-03ED05E955EA}"/>
+                <a16:creationId xmlns:a16="http://schemas.microsoft.com/office/drawing/2014/main" xmlns="" id="{E247548C-B405-41D1-AC24-03ED05E955EA}"/>
               </a:ext>
             </a:extLst>
           </p:cNvPr>
@@ -2904,7 +2905,7 @@
           <p:cNvPr id="5" name="Date Placeholder 4">
             <a:extLst>
               <a:ext uri="{FF2B5EF4-FFF2-40B4-BE49-F238E27FC236}">
-                <a16:creationId xmlns:a16="http://schemas.microsoft.com/office/drawing/2014/main" id="{9234E1DA-AC50-4D0B-B0F1-3527F6F307B0}"/>
+                <a16:creationId xmlns:a16="http://schemas.microsoft.com/office/drawing/2014/main" xmlns="" id="{9234E1DA-AC50-4D0B-B0F1-3527F6F307B0}"/>
               </a:ext>
             </a:extLst>
           </p:cNvPr>
@@ -2933,7 +2934,7 @@
           <p:cNvPr id="6" name="Footer Placeholder 5">
             <a:extLst>
               <a:ext uri="{FF2B5EF4-FFF2-40B4-BE49-F238E27FC236}">
-                <a16:creationId xmlns:a16="http://schemas.microsoft.com/office/drawing/2014/main" id="{8CAD98F7-086A-486A-BBED-E108DA9B8ACF}"/>
+                <a16:creationId xmlns:a16="http://schemas.microsoft.com/office/drawing/2014/main" xmlns="" id="{8CAD98F7-086A-486A-BBED-E108DA9B8ACF}"/>
               </a:ext>
             </a:extLst>
           </p:cNvPr>
@@ -2958,7 +2959,7 @@
           <p:cNvPr id="7" name="Slide Number Placeholder 6">
             <a:extLst>
               <a:ext uri="{FF2B5EF4-FFF2-40B4-BE49-F238E27FC236}">
-                <a16:creationId xmlns:a16="http://schemas.microsoft.com/office/drawing/2014/main" id="{656E4DFA-5A05-4C62-A419-DD6C15623FA7}"/>
+                <a16:creationId xmlns:a16="http://schemas.microsoft.com/office/drawing/2014/main" xmlns="" id="{656E4DFA-5A05-4C62-A419-DD6C15623FA7}"/>
               </a:ext>
             </a:extLst>
           </p:cNvPr>
@@ -3017,7 +3018,7 @@
           <p:cNvPr id="2" name="Title 1">
             <a:extLst>
               <a:ext uri="{FF2B5EF4-FFF2-40B4-BE49-F238E27FC236}">
-                <a16:creationId xmlns:a16="http://schemas.microsoft.com/office/drawing/2014/main" id="{E3F93F11-B4C4-44EB-8497-5FD9F6F7BBDA}"/>
+                <a16:creationId xmlns:a16="http://schemas.microsoft.com/office/drawing/2014/main" xmlns="" id="{E3F93F11-B4C4-44EB-8497-5FD9F6F7BBDA}"/>
               </a:ext>
             </a:extLst>
           </p:cNvPr>
@@ -3054,7 +3055,7 @@
           <p:cNvPr id="3" name="Picture Placeholder 2">
             <a:extLst>
               <a:ext uri="{FF2B5EF4-FFF2-40B4-BE49-F238E27FC236}">
-                <a16:creationId xmlns:a16="http://schemas.microsoft.com/office/drawing/2014/main" id="{2C529FE8-60F3-41B7-9B8A-F7FE207366B4}"/>
+                <a16:creationId xmlns:a16="http://schemas.microsoft.com/office/drawing/2014/main" xmlns="" id="{2C529FE8-60F3-41B7-9B8A-F7FE207366B4}"/>
               </a:ext>
             </a:extLst>
           </p:cNvPr>
@@ -3121,7 +3122,7 @@
           <p:cNvPr id="4" name="Text Placeholder 3">
             <a:extLst>
               <a:ext uri="{FF2B5EF4-FFF2-40B4-BE49-F238E27FC236}">
-                <a16:creationId xmlns:a16="http://schemas.microsoft.com/office/drawing/2014/main" id="{330DABBB-3F34-4491-9E0A-B3C384B29307}"/>
+                <a16:creationId xmlns:a16="http://schemas.microsoft.com/office/drawing/2014/main" xmlns="" id="{330DABBB-3F34-4491-9E0A-B3C384B29307}"/>
               </a:ext>
             </a:extLst>
           </p:cNvPr>
@@ -3192,7 +3193,7 @@
           <p:cNvPr id="5" name="Date Placeholder 4">
             <a:extLst>
               <a:ext uri="{FF2B5EF4-FFF2-40B4-BE49-F238E27FC236}">
-                <a16:creationId xmlns:a16="http://schemas.microsoft.com/office/drawing/2014/main" id="{C745AC4C-52DA-45ED-8C4F-BAF914D1BB5E}"/>
+                <a16:creationId xmlns:a16="http://schemas.microsoft.com/office/drawing/2014/main" xmlns="" id="{C745AC4C-52DA-45ED-8C4F-BAF914D1BB5E}"/>
               </a:ext>
             </a:extLst>
           </p:cNvPr>
@@ -3221,7 +3222,7 @@
           <p:cNvPr id="6" name="Footer Placeholder 5">
             <a:extLst>
               <a:ext uri="{FF2B5EF4-FFF2-40B4-BE49-F238E27FC236}">
-                <a16:creationId xmlns:a16="http://schemas.microsoft.com/office/drawing/2014/main" id="{D300B29F-F10D-4B51-9131-D34A1703C10A}"/>
+                <a16:creationId xmlns:a16="http://schemas.microsoft.com/office/drawing/2014/main" xmlns="" id="{D300B29F-F10D-4B51-9131-D34A1703C10A}"/>
               </a:ext>
             </a:extLst>
           </p:cNvPr>
@@ -3246,7 +3247,7 @@
           <p:cNvPr id="7" name="Slide Number Placeholder 6">
             <a:extLst>
               <a:ext uri="{FF2B5EF4-FFF2-40B4-BE49-F238E27FC236}">
-                <a16:creationId xmlns:a16="http://schemas.microsoft.com/office/drawing/2014/main" id="{03B21FFE-0419-4871-A270-563F8A38E656}"/>
+                <a16:creationId xmlns:a16="http://schemas.microsoft.com/office/drawing/2014/main" xmlns="" id="{03B21FFE-0419-4871-A270-563F8A38E656}"/>
               </a:ext>
             </a:extLst>
           </p:cNvPr>
@@ -3310,7 +3311,7 @@
           <p:cNvPr id="2" name="Title Placeholder 1">
             <a:extLst>
               <a:ext uri="{FF2B5EF4-FFF2-40B4-BE49-F238E27FC236}">
-                <a16:creationId xmlns:a16="http://schemas.microsoft.com/office/drawing/2014/main" id="{75FE5171-193B-4890-BA34-3936E6F5EFFB}"/>
+                <a16:creationId xmlns:a16="http://schemas.microsoft.com/office/drawing/2014/main" xmlns="" id="{75FE5171-193B-4890-BA34-3936E6F5EFFB}"/>
               </a:ext>
             </a:extLst>
           </p:cNvPr>
@@ -3348,7 +3349,7 @@
           <p:cNvPr id="3" name="Text Placeholder 2">
             <a:extLst>
               <a:ext uri="{FF2B5EF4-FFF2-40B4-BE49-F238E27FC236}">
-                <a16:creationId xmlns:a16="http://schemas.microsoft.com/office/drawing/2014/main" id="{B7BC1E7E-9B81-4541-A9FF-4090CFAD0C38}"/>
+                <a16:creationId xmlns:a16="http://schemas.microsoft.com/office/drawing/2014/main" xmlns="" id="{B7BC1E7E-9B81-4541-A9FF-4090CFAD0C38}"/>
               </a:ext>
             </a:extLst>
           </p:cNvPr>
@@ -3415,7 +3416,7 @@
           <p:cNvPr id="4" name="Date Placeholder 3">
             <a:extLst>
               <a:ext uri="{FF2B5EF4-FFF2-40B4-BE49-F238E27FC236}">
-                <a16:creationId xmlns:a16="http://schemas.microsoft.com/office/drawing/2014/main" id="{05683D45-D2E9-4AB3-8962-7C3C367D820E}"/>
+                <a16:creationId xmlns:a16="http://schemas.microsoft.com/office/drawing/2014/main" xmlns="" id="{05683D45-D2E9-4AB3-8962-7C3C367D820E}"/>
               </a:ext>
             </a:extLst>
           </p:cNvPr>
@@ -3462,7 +3463,7 @@
           <p:cNvPr id="5" name="Footer Placeholder 4">
             <a:extLst>
               <a:ext uri="{FF2B5EF4-FFF2-40B4-BE49-F238E27FC236}">
-                <a16:creationId xmlns:a16="http://schemas.microsoft.com/office/drawing/2014/main" id="{E29C4EAB-AECB-4FF6-A578-57041E87BC4D}"/>
+                <a16:creationId xmlns:a16="http://schemas.microsoft.com/office/drawing/2014/main" xmlns="" id="{E29C4EAB-AECB-4FF6-A578-57041E87BC4D}"/>
               </a:ext>
             </a:extLst>
           </p:cNvPr>
@@ -3505,7 +3506,7 @@
           <p:cNvPr id="6" name="Slide Number Placeholder 5">
             <a:extLst>
               <a:ext uri="{FF2B5EF4-FFF2-40B4-BE49-F238E27FC236}">
-                <a16:creationId xmlns:a16="http://schemas.microsoft.com/office/drawing/2014/main" id="{286168DF-8243-4490-B3C5-076A0AF18F02}"/>
+                <a16:creationId xmlns:a16="http://schemas.microsoft.com/office/drawing/2014/main" xmlns="" id="{286168DF-8243-4490-B3C5-076A0AF18F02}"/>
               </a:ext>
             </a:extLst>
           </p:cNvPr>
@@ -3873,7 +3874,7 @@
           <p:cNvPr id="2" name="Title 1">
             <a:extLst>
               <a:ext uri="{FF2B5EF4-FFF2-40B4-BE49-F238E27FC236}">
-                <a16:creationId xmlns:a16="http://schemas.microsoft.com/office/drawing/2014/main" id="{165A896C-9413-48AF-8D22-A688D583E8E6}"/>
+                <a16:creationId xmlns:a16="http://schemas.microsoft.com/office/drawing/2014/main" xmlns="" id="{165A896C-9413-48AF-8D22-A688D583E8E6}"/>
               </a:ext>
             </a:extLst>
           </p:cNvPr>
@@ -3901,7 +3902,7 @@
           <p:cNvPr id="3" name="Subtitle 2">
             <a:extLst>
               <a:ext uri="{FF2B5EF4-FFF2-40B4-BE49-F238E27FC236}">
-                <a16:creationId xmlns:a16="http://schemas.microsoft.com/office/drawing/2014/main" id="{E1DF4835-1414-40BF-89BE-829E809DC678}"/>
+                <a16:creationId xmlns:a16="http://schemas.microsoft.com/office/drawing/2014/main" xmlns="" id="{E1DF4835-1414-40BF-89BE-829E809DC678}"/>
               </a:ext>
             </a:extLst>
           </p:cNvPr>
@@ -3959,7 +3960,7 @@
           <p:cNvPr id="2" name="Title 1">
             <a:extLst>
               <a:ext uri="{FF2B5EF4-FFF2-40B4-BE49-F238E27FC236}">
-                <a16:creationId xmlns:a16="http://schemas.microsoft.com/office/drawing/2014/main" id="{538DACAF-65EC-4B8C-B3FD-1F2F0DDA3F39}"/>
+                <a16:creationId xmlns:a16="http://schemas.microsoft.com/office/drawing/2014/main" xmlns="" id="{E872F28C-D38C-4540-839F-24D0C5FD6590}"/>
               </a:ext>
             </a:extLst>
           </p:cNvPr>
@@ -3987,7 +3988,7 @@
           <p:cNvPr id="3" name="Content Placeholder 2">
             <a:extLst>
               <a:ext uri="{FF2B5EF4-FFF2-40B4-BE49-F238E27FC236}">
-                <a16:creationId xmlns:a16="http://schemas.microsoft.com/office/drawing/2014/main" id="{EA67FDCD-AF45-421A-BAD9-238083DD81D1}"/>
+                <a16:creationId xmlns:a16="http://schemas.microsoft.com/office/drawing/2014/main" xmlns="" id="{C4A875DD-85D8-48B2-9B66-EFE643EDAE59}"/>
               </a:ext>
             </a:extLst>
           </p:cNvPr>
@@ -4005,39 +4006,84 @@
           <a:p>
             <a:r>
               <a:rPr lang="en-US" dirty="0"/>
-              <a:t>When a branch is checked out and a commit is made, the branch automatically is changed to refer to the new commit.</a:t>
-            </a:r>
-          </a:p>
-          <a:p>
-            <a:pPr lvl="1"/>
-            <a:r>
-              <a:rPr lang="en-US" dirty="0"/>
-              <a:t>Changes made under the current branch are not included in another branch unless it is somehow combined with the current branch.</a:t>
-            </a:r>
-          </a:p>
-          <a:p>
-            <a:pPr lvl="1"/>
-            <a:r>
-              <a:rPr lang="en-US" dirty="0"/>
-              <a:t>Many users can work on many unrelated issues for a repository without issues.</a:t>
-            </a:r>
-          </a:p>
-          <a:p>
-            <a:pPr lvl="1"/>
+              <a:t>Git branches are named references to a commit</a:t>
+            </a:r>
+          </a:p>
+          <a:p>
+            <a:pPr lvl="1"/>
+            <a:r>
+              <a:rPr lang="en-US" dirty="0"/>
+              <a:t>git branch &lt;</a:t>
+            </a:r>
+            <a:r>
+              <a:rPr lang="en-US" i="1" dirty="0" err="1"/>
+              <a:t>branchname</a:t>
+            </a:r>
+            <a:r>
+              <a:rPr lang="en-US" i="1" dirty="0"/>
+              <a:t>&gt;</a:t>
+            </a:r>
             <a:endParaRPr lang="en-US" dirty="0"/>
           </a:p>
           <a:p>
-            <a:r>
-              <a:rPr lang="en-US" dirty="0"/>
-              <a:t>Branches are very quick and cheap, making them one of git’s defining features.</a:t>
-            </a:r>
+            <a:pPr marL="457200" lvl="1" indent="0">
+              <a:buNone/>
+            </a:pPr>
+            <a:endParaRPr lang="en-US" dirty="0"/>
+          </a:p>
+          <a:p>
+            <a:r>
+              <a:rPr lang="en-US" dirty="0"/>
+              <a:t>Branches must be checked out to use them, and only one branch can be checked out at a time.</a:t>
+            </a:r>
+          </a:p>
+          <a:p>
+            <a:pPr lvl="1"/>
+            <a:r>
+              <a:rPr lang="en-US" dirty="0"/>
+              <a:t>git checkout &lt;</a:t>
+            </a:r>
+            <a:r>
+              <a:rPr lang="en-US" i="1" dirty="0" err="1"/>
+              <a:t>branchname</a:t>
+            </a:r>
+            <a:r>
+              <a:rPr lang="en-US" i="1" dirty="0"/>
+              <a:t>&gt;</a:t>
+            </a:r>
+          </a:p>
+          <a:p>
+            <a:pPr lvl="1"/>
+            <a:r>
+              <a:rPr lang="en-US" dirty="0"/>
+              <a:t>Branches can be created and checked out in one command</a:t>
+            </a:r>
+          </a:p>
+          <a:p>
+            <a:pPr lvl="1"/>
+            <a:r>
+              <a:rPr lang="en-US" dirty="0"/>
+              <a:t>git checkout –b &lt;</a:t>
+            </a:r>
+            <a:r>
+              <a:rPr lang="en-US" dirty="0" err="1"/>
+              <a:t>branchname</a:t>
+            </a:r>
+            <a:r>
+              <a:rPr lang="en-US" dirty="0"/>
+              <a:t>&gt;</a:t>
+            </a:r>
+          </a:p>
+          <a:p>
+            <a:pPr lvl="1"/>
+            <a:endParaRPr lang="en-US" dirty="0"/>
           </a:p>
         </p:txBody>
       </p:sp>
     </p:spTree>
     <p:extLst>
       <p:ext uri="{BB962C8B-B14F-4D97-AF65-F5344CB8AC3E}">
-        <p14:creationId xmlns:p14="http://schemas.microsoft.com/office/powerpoint/2010/main" val="1592224062"/>
+        <p14:creationId xmlns:p14="http://schemas.microsoft.com/office/powerpoint/2010/main" val="3926436728"/>
       </p:ext>
     </p:extLst>
   </p:cSld>
@@ -4069,7 +4115,7 @@
           <p:cNvPr id="2" name="Title 1">
             <a:extLst>
               <a:ext uri="{FF2B5EF4-FFF2-40B4-BE49-F238E27FC236}">
-                <a16:creationId xmlns:a16="http://schemas.microsoft.com/office/drawing/2014/main" id="{07CDFC1B-34A5-4533-85A1-529C016A7990}"/>
+                <a16:creationId xmlns:a16="http://schemas.microsoft.com/office/drawing/2014/main" xmlns="" id="{538DACAF-65EC-4B8C-B3FD-1F2F0DDA3F39}"/>
               </a:ext>
             </a:extLst>
           </p:cNvPr>
@@ -4087,7 +4133,7 @@
           <a:p>
             <a:r>
               <a:rPr lang="en-US" dirty="0"/>
-              <a:t>Merging Branches</a:t>
+              <a:t>Git Branching</a:t>
             </a:r>
           </a:p>
         </p:txBody>
@@ -4097,7 +4143,7 @@
           <p:cNvPr id="3" name="Content Placeholder 2">
             <a:extLst>
               <a:ext uri="{FF2B5EF4-FFF2-40B4-BE49-F238E27FC236}">
-                <a16:creationId xmlns:a16="http://schemas.microsoft.com/office/drawing/2014/main" id="{70193525-A955-4C86-8224-EAE29A552654}"/>
+                <a16:creationId xmlns:a16="http://schemas.microsoft.com/office/drawing/2014/main" xmlns="" id="{EA67FDCD-AF45-421A-BAD9-238083DD81D1}"/>
               </a:ext>
             </a:extLst>
           </p:cNvPr>
@@ -4115,48 +4161,31 @@
           <a:p>
             <a:r>
               <a:rPr lang="en-US" dirty="0"/>
-              <a:t>To combine the work of multiple branches, checkout the branch you want to merge into, and then merge the other branch.</a:t>
-            </a:r>
-          </a:p>
-          <a:p>
-            <a:pPr lvl="1"/>
-            <a:r>
-              <a:rPr lang="en-US" dirty="0"/>
-              <a:t>git checkout </a:t>
-            </a:r>
-            <a:r>
-              <a:rPr lang="en-US" dirty="0" err="1"/>
-              <a:t>branchA</a:t>
-            </a:r>
+              <a:t>When a branch is checked out and a commit is made, the branch automatically is changed to refer to the new commit.</a:t>
+            </a:r>
+          </a:p>
+          <a:p>
+            <a:pPr lvl="1"/>
+            <a:r>
+              <a:rPr lang="en-US" dirty="0"/>
+              <a:t>Changes made under the current branch are not included in another branch unless it is somehow combined with the current branch.</a:t>
+            </a:r>
+          </a:p>
+          <a:p>
+            <a:pPr lvl="1"/>
+            <a:r>
+              <a:rPr lang="en-US" dirty="0"/>
+              <a:t>Many users can work on many unrelated issues for a repository without issues.</a:t>
+            </a:r>
+          </a:p>
+          <a:p>
+            <a:pPr lvl="1"/>
             <a:endParaRPr lang="en-US" dirty="0"/>
           </a:p>
           <a:p>
-            <a:pPr lvl="1"/>
-            <a:r>
-              <a:rPr lang="en-US" dirty="0"/>
-              <a:t>git merge </a:t>
-            </a:r>
-            <a:r>
-              <a:rPr lang="en-US" dirty="0" err="1"/>
-              <a:t>branchB</a:t>
-            </a:r>
-            <a:endParaRPr lang="en-US" dirty="0"/>
-          </a:p>
-          <a:p>
-            <a:pPr lvl="1"/>
-            <a:endParaRPr lang="en-US" dirty="0"/>
-          </a:p>
-          <a:p>
-            <a:r>
-              <a:rPr lang="en-US" dirty="0"/>
-              <a:t>Merging creates a new commit which includes all work from both parent commits.</a:t>
-            </a:r>
-          </a:p>
-          <a:p>
-            <a:pPr lvl="1"/>
-            <a:r>
-              <a:rPr lang="en-US" dirty="0"/>
-              <a:t>If the parent commits performed different work on the same line, a merge conflict occurs</a:t>
+            <a:r>
+              <a:rPr lang="en-US" dirty="0"/>
+              <a:t>Branches are very quick and cheap, making them one of git’s defining features.</a:t>
             </a:r>
           </a:p>
         </p:txBody>
@@ -4164,7 +4193,7 @@
     </p:spTree>
     <p:extLst>
       <p:ext uri="{BB962C8B-B14F-4D97-AF65-F5344CB8AC3E}">
-        <p14:creationId xmlns:p14="http://schemas.microsoft.com/office/powerpoint/2010/main" val="2620628305"/>
+        <p14:creationId xmlns:p14="http://schemas.microsoft.com/office/powerpoint/2010/main" val="1592224062"/>
       </p:ext>
     </p:extLst>
   </p:cSld>
@@ -4196,7 +4225,7 @@
           <p:cNvPr id="2" name="Title 1">
             <a:extLst>
               <a:ext uri="{FF2B5EF4-FFF2-40B4-BE49-F238E27FC236}">
-                <a16:creationId xmlns:a16="http://schemas.microsoft.com/office/drawing/2014/main" id="{598E376B-BB73-43DA-9D07-50379448F4B4}"/>
+                <a16:creationId xmlns:a16="http://schemas.microsoft.com/office/drawing/2014/main" xmlns="" id="{07CDFC1B-34A5-4533-85A1-529C016A7990}"/>
               </a:ext>
             </a:extLst>
           </p:cNvPr>
@@ -4214,7 +4243,7 @@
           <a:p>
             <a:r>
               <a:rPr lang="en-US" dirty="0"/>
-              <a:t>Resolving Merge Conflicts</a:t>
+              <a:t>Merging Branches</a:t>
             </a:r>
           </a:p>
         </p:txBody>
@@ -4224,7 +4253,7 @@
           <p:cNvPr id="3" name="Content Placeholder 2">
             <a:extLst>
               <a:ext uri="{FF2B5EF4-FFF2-40B4-BE49-F238E27FC236}">
-                <a16:creationId xmlns:a16="http://schemas.microsoft.com/office/drawing/2014/main" id="{F1C03BEB-D286-4B8F-B996-D5E6DAF51B5E}"/>
+                <a16:creationId xmlns:a16="http://schemas.microsoft.com/office/drawing/2014/main" xmlns="" id="{70193525-A955-4C86-8224-EAE29A552654}"/>
               </a:ext>
             </a:extLst>
           </p:cNvPr>
@@ -4242,58 +4271,56 @@
           <a:p>
             <a:r>
               <a:rPr lang="en-US" dirty="0"/>
-              <a:t>Merging two branches with work on the same lines results in an error</a:t>
-            </a:r>
-          </a:p>
-          <a:p>
-            <a:pPr lvl="1"/>
-            <a:r>
-              <a:rPr lang="en-US" dirty="0"/>
-              <a:t>“git status” reveals the details of the error</a:t>
-            </a:r>
-          </a:p>
-          <a:p>
-            <a:pPr lvl="1"/>
-            <a:r>
-              <a:rPr lang="en-US" dirty="0"/>
-              <a:t>git writes the conflicting contents of both branches to the source file(s) separated by a line. </a:t>
-            </a:r>
-          </a:p>
-          <a:p>
-            <a:pPr lvl="1"/>
-            <a:r>
-              <a:rPr lang="en-US" dirty="0"/>
-              <a:t>To complete the merge, edit the file(s) however appropriate, add to the commit, and then run the commit command</a:t>
-            </a:r>
-          </a:p>
-          <a:p>
-            <a:pPr lvl="1"/>
+              <a:t>To combine the work of multiple branches, checkout the branch you want to merge into, and then merge the other branch.</a:t>
+            </a:r>
+          </a:p>
+          <a:p>
+            <a:pPr lvl="1"/>
+            <a:r>
+              <a:rPr lang="en-US" dirty="0"/>
+              <a:t>git checkout </a:t>
+            </a:r>
+            <a:r>
+              <a:rPr lang="en-US" dirty="0" err="1"/>
+              <a:t>branchA</a:t>
+            </a:r>
             <a:endParaRPr lang="en-US" dirty="0"/>
           </a:p>
           <a:p>
-            <a:r>
-              <a:rPr lang="en-US" dirty="0"/>
-              <a:t>“git log --</a:t>
+            <a:pPr lvl="1"/>
+            <a:r>
+              <a:rPr lang="en-US" dirty="0"/>
+              <a:t>git merge </a:t>
             </a:r>
             <a:r>
               <a:rPr lang="en-US" dirty="0" err="1"/>
-              <a:t>oneline</a:t>
-            </a:r>
-            <a:r>
-              <a:rPr lang="en-US" dirty="0"/>
-              <a:t> --graph” can be used to see the  relationship between the new commit and its parent commits</a:t>
-            </a:r>
-          </a:p>
-          <a:p>
-            <a:pPr lvl="1"/>
+              <a:t>branchB</a:t>
+            </a:r>
             <a:endParaRPr lang="en-US" dirty="0"/>
+          </a:p>
+          <a:p>
+            <a:pPr lvl="1"/>
+            <a:endParaRPr lang="en-US" dirty="0"/>
+          </a:p>
+          <a:p>
+            <a:r>
+              <a:rPr lang="en-US" dirty="0"/>
+              <a:t>Merging creates a new commit which includes all work from both parent commits.</a:t>
+            </a:r>
+          </a:p>
+          <a:p>
+            <a:pPr lvl="1"/>
+            <a:r>
+              <a:rPr lang="en-US" dirty="0"/>
+              <a:t>If the parent commits performed different work on the same line, a merge conflict occurs</a:t>
+            </a:r>
           </a:p>
         </p:txBody>
       </p:sp>
     </p:spTree>
     <p:extLst>
       <p:ext uri="{BB962C8B-B14F-4D97-AF65-F5344CB8AC3E}">
-        <p14:creationId xmlns:p14="http://schemas.microsoft.com/office/powerpoint/2010/main" val="3962076165"/>
+        <p14:creationId xmlns:p14="http://schemas.microsoft.com/office/powerpoint/2010/main" val="2620628305"/>
       </p:ext>
     </p:extLst>
   </p:cSld>
@@ -4325,7 +4352,7 @@
           <p:cNvPr id="2" name="Title 1">
             <a:extLst>
               <a:ext uri="{FF2B5EF4-FFF2-40B4-BE49-F238E27FC236}">
-                <a16:creationId xmlns:a16="http://schemas.microsoft.com/office/drawing/2014/main" id="{433812C3-77B3-4361-A9FD-AF455950FD3D}"/>
+                <a16:creationId xmlns:a16="http://schemas.microsoft.com/office/drawing/2014/main" xmlns="" id="{598E376B-BB73-43DA-9D07-50379448F4B4}"/>
               </a:ext>
             </a:extLst>
           </p:cNvPr>
@@ -4343,7 +4370,7 @@
           <a:p>
             <a:r>
               <a:rPr lang="en-US" dirty="0"/>
-              <a:t>Merging Branches</a:t>
+              <a:t>Resolving Merge Conflicts</a:t>
             </a:r>
           </a:p>
         </p:txBody>
@@ -4353,7 +4380,7 @@
           <p:cNvPr id="3" name="Content Placeholder 2">
             <a:extLst>
               <a:ext uri="{FF2B5EF4-FFF2-40B4-BE49-F238E27FC236}">
-                <a16:creationId xmlns:a16="http://schemas.microsoft.com/office/drawing/2014/main" id="{D974E8C5-1EE7-4E8C-B905-A027DDD00B62}"/>
+                <a16:creationId xmlns:a16="http://schemas.microsoft.com/office/drawing/2014/main" xmlns="" id="{F1C03BEB-D286-4B8F-B996-D5E6DAF51B5E}"/>
               </a:ext>
             </a:extLst>
           </p:cNvPr>
@@ -4366,89 +4393,63 @@
         </p:nvSpPr>
         <p:spPr/>
         <p:txBody>
-          <a:bodyPr>
-            <a:normAutofit lnSpcReduction="10000"/>
-          </a:bodyPr>
-          <a:lstStyle/>
-          <a:p>
-            <a:r>
-              <a:rPr lang="en-US" dirty="0"/>
-              <a:t>As usual, the branch that is checked out will refer to the new commit.</a:t>
-            </a:r>
-          </a:p>
-          <a:p>
-            <a:pPr lvl="1"/>
-            <a:r>
-              <a:rPr lang="en-US" dirty="0"/>
-              <a:t>The branch that was merged into the current branch still refers to its old commit. The branch reference can be deleted or forwarded to the new commit.</a:t>
-            </a:r>
-          </a:p>
-          <a:p>
-            <a:pPr lvl="2"/>
-            <a:r>
-              <a:rPr lang="en-US" dirty="0"/>
-              <a:t>To delete: git branch –d </a:t>
+          <a:bodyPr/>
+          <a:lstStyle/>
+          <a:p>
+            <a:r>
+              <a:rPr lang="en-US" dirty="0"/>
+              <a:t>Merging two branches with work on the same lines results in an error</a:t>
+            </a:r>
+          </a:p>
+          <a:p>
+            <a:pPr lvl="1"/>
+            <a:r>
+              <a:rPr lang="en-US" dirty="0"/>
+              <a:t>“git status” reveals the details of the error</a:t>
+            </a:r>
+          </a:p>
+          <a:p>
+            <a:pPr lvl="1"/>
+            <a:r>
+              <a:rPr lang="en-US" dirty="0"/>
+              <a:t>git writes the conflicting contents of both branches to the source file(s) separated by a line. </a:t>
+            </a:r>
+          </a:p>
+          <a:p>
+            <a:pPr lvl="1"/>
+            <a:r>
+              <a:rPr lang="en-US" dirty="0"/>
+              <a:t>To complete the merge, edit the file(s) however appropriate, add to the commit, and then run the commit command</a:t>
+            </a:r>
+          </a:p>
+          <a:p>
+            <a:pPr lvl="1"/>
+            <a:endParaRPr lang="en-US" dirty="0"/>
+          </a:p>
+          <a:p>
+            <a:r>
+              <a:rPr lang="en-US" dirty="0"/>
+              <a:t>“git log --</a:t>
             </a:r>
             <a:r>
               <a:rPr lang="en-US" dirty="0" err="1"/>
-              <a:t>branchB</a:t>
-            </a:r>
+              <a:t>oneline</a:t>
+            </a:r>
+            <a:r>
+              <a:rPr lang="en-US" dirty="0"/>
+              <a:t> --graph” can be used to see the  relationship between the new commit and its parent commits</a:t>
+            </a:r>
+          </a:p>
+          <a:p>
+            <a:pPr lvl="1"/>
             <a:endParaRPr lang="en-US" dirty="0"/>
-          </a:p>
-          <a:p>
-            <a:pPr lvl="2"/>
-            <a:r>
-              <a:rPr lang="en-US" dirty="0"/>
-              <a:t>To forward the reference to the new commit:</a:t>
-            </a:r>
-          </a:p>
-          <a:p>
-            <a:pPr lvl="3"/>
-            <a:r>
-              <a:rPr lang="en-US" dirty="0"/>
-              <a:t>git checkout </a:t>
-            </a:r>
-            <a:r>
-              <a:rPr lang="en-US" dirty="0" err="1"/>
-              <a:t>branchB</a:t>
-            </a:r>
-            <a:endParaRPr lang="en-US" dirty="0"/>
-          </a:p>
-          <a:p>
-            <a:pPr lvl="3"/>
-            <a:r>
-              <a:rPr lang="en-US" dirty="0"/>
-              <a:t>git merge </a:t>
-            </a:r>
-            <a:r>
-              <a:rPr lang="en-US" dirty="0" err="1"/>
-              <a:t>branchA</a:t>
-            </a:r>
-            <a:endParaRPr lang="en-US" dirty="0"/>
-          </a:p>
-          <a:p>
-            <a:pPr lvl="3"/>
-            <a:endParaRPr lang="en-US" dirty="0"/>
-          </a:p>
-          <a:p>
-            <a:r>
-              <a:rPr lang="en-US" dirty="0"/>
-              <a:t>When merging, generally merge the older branch into the newer branch first.</a:t>
-            </a:r>
-          </a:p>
-          <a:p>
-            <a:pPr lvl="1"/>
-            <a:r>
-              <a:rPr lang="en-US" dirty="0"/>
-              <a:t>The older branch may have more history and users working on it.</a:t>
-            </a:r>
           </a:p>
         </p:txBody>
       </p:sp>
     </p:spTree>
     <p:extLst>
       <p:ext uri="{BB962C8B-B14F-4D97-AF65-F5344CB8AC3E}">
-        <p14:creationId xmlns:p14="http://schemas.microsoft.com/office/powerpoint/2010/main" val="171242980"/>
+        <p14:creationId xmlns:p14="http://schemas.microsoft.com/office/powerpoint/2010/main" val="3962076165"/>
       </p:ext>
     </p:extLst>
   </p:cSld>
@@ -4480,7 +4481,7 @@
           <p:cNvPr id="2" name="Title 1">
             <a:extLst>
               <a:ext uri="{FF2B5EF4-FFF2-40B4-BE49-F238E27FC236}">
-                <a16:creationId xmlns:a16="http://schemas.microsoft.com/office/drawing/2014/main" id="{F48FFDBB-E476-4A84-B75B-16145604EC8C}"/>
+                <a16:creationId xmlns:a16="http://schemas.microsoft.com/office/drawing/2014/main" xmlns="" id="{433812C3-77B3-4361-A9FD-AF455950FD3D}"/>
               </a:ext>
             </a:extLst>
           </p:cNvPr>
@@ -4497,103 +4498,113 @@
           <a:lstStyle/>
           <a:p>
             <a:r>
+              <a:rPr lang="en-US" dirty="0"/>
+              <a:t>Merging Branches</a:t>
+            </a:r>
+          </a:p>
+        </p:txBody>
+      </p:sp>
+      <p:sp>
+        <p:nvSpPr>
+          <p:cNvPr id="3" name="Content Placeholder 2">
+            <a:extLst>
+              <a:ext uri="{FF2B5EF4-FFF2-40B4-BE49-F238E27FC236}">
+                <a16:creationId xmlns:a16="http://schemas.microsoft.com/office/drawing/2014/main" xmlns="" id="{D974E8C5-1EE7-4E8C-B905-A027DDD00B62}"/>
+              </a:ext>
+            </a:extLst>
+          </p:cNvPr>
+          <p:cNvSpPr>
+            <a:spLocks noGrp="1"/>
+          </p:cNvSpPr>
+          <p:nvPr>
+            <p:ph idx="1"/>
+          </p:nvPr>
+        </p:nvSpPr>
+        <p:spPr/>
+        <p:txBody>
+          <a:bodyPr>
+            <a:normAutofit lnSpcReduction="10000"/>
+          </a:bodyPr>
+          <a:lstStyle/>
+          <a:p>
+            <a:r>
+              <a:rPr lang="en-US" dirty="0"/>
+              <a:t>As usual, the branch that is checked out will refer to the new commit.</a:t>
+            </a:r>
+          </a:p>
+          <a:p>
+            <a:pPr lvl="1"/>
+            <a:r>
+              <a:rPr lang="en-US" dirty="0"/>
+              <a:t>The branch that was merged into the current branch still refers to its old commit. The branch reference can be deleted or forwarded to the new commit.</a:t>
+            </a:r>
+          </a:p>
+          <a:p>
+            <a:pPr lvl="2"/>
+            <a:r>
+              <a:rPr lang="en-US" dirty="0"/>
+              <a:t>To delete: git branch –d </a:t>
+            </a:r>
+            <a:r>
               <a:rPr lang="en-US" dirty="0" err="1"/>
-              <a:t>Github</a:t>
+              <a:t>branchB</a:t>
             </a:r>
             <a:endParaRPr lang="en-US" dirty="0"/>
           </a:p>
-        </p:txBody>
-      </p:sp>
-      <p:sp>
-        <p:nvSpPr>
-          <p:cNvPr id="3" name="Content Placeholder 2">
-            <a:extLst>
-              <a:ext uri="{FF2B5EF4-FFF2-40B4-BE49-F238E27FC236}">
-                <a16:creationId xmlns:a16="http://schemas.microsoft.com/office/drawing/2014/main" id="{5E71D35C-2A18-437F-B50A-FDE3E7BDF612}"/>
-              </a:ext>
-            </a:extLst>
-          </p:cNvPr>
-          <p:cNvSpPr>
-            <a:spLocks noGrp="1"/>
-          </p:cNvSpPr>
-          <p:nvPr>
-            <p:ph idx="1"/>
-          </p:nvPr>
-        </p:nvSpPr>
-        <p:spPr/>
-        <p:txBody>
-          <a:bodyPr/>
-          <a:lstStyle/>
-          <a:p>
+          <a:p>
+            <a:pPr lvl="2"/>
+            <a:r>
+              <a:rPr lang="en-US" dirty="0"/>
+              <a:t>To forward the reference to the new commit:</a:t>
+            </a:r>
+          </a:p>
+          <a:p>
+            <a:pPr lvl="3"/>
+            <a:r>
+              <a:rPr lang="en-US" dirty="0"/>
+              <a:t>git checkout </a:t>
+            </a:r>
             <a:r>
               <a:rPr lang="en-US" dirty="0" err="1"/>
-              <a:t>Github</a:t>
-            </a:r>
-            <a:r>
-              <a:rPr lang="en-US" dirty="0"/>
-              <a:t> is a free online git host which is useful for </a:t>
+              <a:t>branchB</a:t>
+            </a:r>
+            <a:endParaRPr lang="en-US" dirty="0"/>
+          </a:p>
+          <a:p>
+            <a:pPr lvl="3"/>
+            <a:r>
+              <a:rPr lang="en-US" dirty="0"/>
+              <a:t>git merge </a:t>
             </a:r>
             <a:r>
               <a:rPr lang="en-US" dirty="0" err="1"/>
-              <a:t>collaborationand</a:t>
-            </a:r>
-            <a:r>
-              <a:rPr lang="en-US" dirty="0"/>
-              <a:t> backing up local repositories.</a:t>
-            </a:r>
-          </a:p>
-          <a:p>
-            <a:pPr lvl="1"/>
-            <a:r>
-              <a:rPr lang="en-US" dirty="0" err="1"/>
-              <a:t>Github</a:t>
-            </a:r>
-            <a:r>
-              <a:rPr lang="en-US" dirty="0"/>
-              <a:t> offers many tools for managing code among multiple users.</a:t>
-            </a:r>
-          </a:p>
-          <a:p>
-            <a:pPr lvl="1"/>
-            <a:r>
-              <a:rPr lang="en-US" dirty="0" err="1"/>
-              <a:t>Github</a:t>
-            </a:r>
-            <a:r>
-              <a:rPr lang="en-US" dirty="0"/>
-              <a:t> also has a UI for git functions such as creating a repository, branching, committing, and viewing commits.</a:t>
-            </a:r>
-          </a:p>
-          <a:p>
-            <a:pPr lvl="1"/>
+              <a:t>branchA</a:t>
+            </a:r>
             <a:endParaRPr lang="en-US" dirty="0"/>
           </a:p>
           <a:p>
-            <a:r>
-              <a:rPr lang="en-US" dirty="0"/>
-              <a:t>Sign up at </a:t>
-            </a:r>
-            <a:r>
-              <a:rPr lang="en-US" dirty="0">
-                <a:hlinkClick r:id="rId2"/>
-              </a:rPr>
-              <a:t>https://github.com/</a:t>
-            </a:r>
+            <a:pPr lvl="3"/>
             <a:endParaRPr lang="en-US" dirty="0"/>
           </a:p>
           <a:p>
-            <a:endParaRPr lang="en-US" dirty="0"/>
-          </a:p>
-          <a:p>
-            <a:pPr lvl="1"/>
-            <a:endParaRPr lang="en-US" dirty="0"/>
+            <a:r>
+              <a:rPr lang="en-US" dirty="0"/>
+              <a:t>When merging, generally merge the older branch into the newer branch first.</a:t>
+            </a:r>
+          </a:p>
+          <a:p>
+            <a:pPr lvl="1"/>
+            <a:r>
+              <a:rPr lang="en-US" dirty="0"/>
+              <a:t>The older branch may have more history and users working on it.</a:t>
+            </a:r>
           </a:p>
         </p:txBody>
       </p:sp>
     </p:spTree>
     <p:extLst>
       <p:ext uri="{BB962C8B-B14F-4D97-AF65-F5344CB8AC3E}">
-        <p14:creationId xmlns:p14="http://schemas.microsoft.com/office/powerpoint/2010/main" val="669839224"/>
+        <p14:creationId xmlns:p14="http://schemas.microsoft.com/office/powerpoint/2010/main" val="171242980"/>
       </p:ext>
     </p:extLst>
   </p:cSld>
@@ -4625,7 +4636,7 @@
           <p:cNvPr id="2" name="Title 1">
             <a:extLst>
               <a:ext uri="{FF2B5EF4-FFF2-40B4-BE49-F238E27FC236}">
-                <a16:creationId xmlns:a16="http://schemas.microsoft.com/office/drawing/2014/main" id="{7D61D8D7-81FC-4A52-9EB1-BDDB2CF6D490}"/>
+                <a16:creationId xmlns:a16="http://schemas.microsoft.com/office/drawing/2014/main" xmlns="" id="{F48FFDBB-E476-4A84-B75B-16145604EC8C}"/>
               </a:ext>
             </a:extLst>
           </p:cNvPr>
@@ -4645,10 +4656,7 @@
               <a:rPr lang="en-US" dirty="0" err="1"/>
               <a:t>Github</a:t>
             </a:r>
-            <a:r>
-              <a:rPr lang="en-US" dirty="0"/>
-              <a:t> Fork</a:t>
-            </a:r>
+            <a:endParaRPr lang="en-US" dirty="0"/>
           </a:p>
         </p:txBody>
       </p:sp>
@@ -4657,7 +4665,7 @@
           <p:cNvPr id="3" name="Content Placeholder 2">
             <a:extLst>
               <a:ext uri="{FF2B5EF4-FFF2-40B4-BE49-F238E27FC236}">
-                <a16:creationId xmlns:a16="http://schemas.microsoft.com/office/drawing/2014/main" id="{4548D1EC-1095-45DE-A6CD-B1EEE1F05DC5}"/>
+                <a16:creationId xmlns:a16="http://schemas.microsoft.com/office/drawing/2014/main" xmlns="" id="{5E71D35C-2A18-437F-B50A-FDE3E7BDF612}"/>
               </a:ext>
             </a:extLst>
           </p:cNvPr>
@@ -4673,56 +4681,75 @@
           <a:bodyPr/>
           <a:lstStyle/>
           <a:p>
-            <a:r>
-              <a:rPr lang="en-US" dirty="0"/>
-              <a:t>A </a:t>
-            </a:r>
             <a:r>
               <a:rPr lang="en-US" dirty="0" err="1"/>
               <a:t>Github</a:t>
             </a:r>
             <a:r>
               <a:rPr lang="en-US" dirty="0"/>
-              <a:t> fork is a copy of another user’s repository to your own profile, similar to a git clone.</a:t>
-            </a:r>
-          </a:p>
-          <a:p>
-            <a:endParaRPr lang="en-US" dirty="0"/>
-          </a:p>
-          <a:p>
-            <a:r>
-              <a:rPr lang="en-US" dirty="0"/>
-              <a:t>When visiting your fork, </a:t>
-            </a:r>
+              <a:t> is a free online git host which is useful for </a:t>
+            </a:r>
+            <a:r>
+              <a:rPr lang="en-US" dirty="0" err="1"/>
+              <a:t>collaborationand</a:t>
+            </a:r>
+            <a:r>
+              <a:rPr lang="en-US" dirty="0"/>
+              <a:t> backing up local repositories.</a:t>
+            </a:r>
+          </a:p>
+          <a:p>
+            <a:pPr lvl="1"/>
             <a:r>
               <a:rPr lang="en-US" dirty="0" err="1"/>
               <a:t>Github</a:t>
             </a:r>
             <a:r>
               <a:rPr lang="en-US" dirty="0"/>
-              <a:t> will tell you if it is ahead or behind the original code.</a:t>
-            </a:r>
-          </a:p>
-          <a:p>
-            <a:pPr lvl="1"/>
-            <a:r>
-              <a:rPr lang="en-US" dirty="0"/>
-              <a:t>If the code is behind, you may want to update your repository.</a:t>
-            </a:r>
-          </a:p>
-          <a:p>
-            <a:pPr lvl="1"/>
-            <a:r>
-              <a:rPr lang="en-US" dirty="0"/>
-              <a:t>If the code is ahead, you may want to try to merge your code with the main repository.</a:t>
-            </a:r>
+              <a:t> offers many tools for managing code among multiple users.</a:t>
+            </a:r>
+          </a:p>
+          <a:p>
+            <a:pPr lvl="1"/>
+            <a:r>
+              <a:rPr lang="en-US" dirty="0" err="1"/>
+              <a:t>Github</a:t>
+            </a:r>
+            <a:r>
+              <a:rPr lang="en-US" dirty="0"/>
+              <a:t> also has a UI for git functions such as creating a repository, branching, committing, and viewing commits.</a:t>
+            </a:r>
+          </a:p>
+          <a:p>
+            <a:pPr lvl="1"/>
+            <a:endParaRPr lang="en-US" dirty="0"/>
+          </a:p>
+          <a:p>
+            <a:r>
+              <a:rPr lang="en-US" dirty="0"/>
+              <a:t>Sign up at </a:t>
+            </a:r>
+            <a:r>
+              <a:rPr lang="en-US" dirty="0">
+                <a:hlinkClick r:id="rId2"/>
+              </a:rPr>
+              <a:t>https://github.com/</a:t>
+            </a:r>
+            <a:endParaRPr lang="en-US" dirty="0"/>
+          </a:p>
+          <a:p>
+            <a:endParaRPr lang="en-US" dirty="0"/>
+          </a:p>
+          <a:p>
+            <a:pPr lvl="1"/>
+            <a:endParaRPr lang="en-US" dirty="0"/>
           </a:p>
         </p:txBody>
       </p:sp>
     </p:spTree>
     <p:extLst>
       <p:ext uri="{BB962C8B-B14F-4D97-AF65-F5344CB8AC3E}">
-        <p14:creationId xmlns:p14="http://schemas.microsoft.com/office/powerpoint/2010/main" val="3325647266"/>
+        <p14:creationId xmlns:p14="http://schemas.microsoft.com/office/powerpoint/2010/main" val="669839224"/>
       </p:ext>
     </p:extLst>
   </p:cSld>
@@ -4754,7 +4781,7 @@
           <p:cNvPr id="2" name="Title 1">
             <a:extLst>
               <a:ext uri="{FF2B5EF4-FFF2-40B4-BE49-F238E27FC236}">
-                <a16:creationId xmlns:a16="http://schemas.microsoft.com/office/drawing/2014/main" id="{3100F95D-9512-4522-9C09-8173520F6C18}"/>
+                <a16:creationId xmlns:a16="http://schemas.microsoft.com/office/drawing/2014/main" xmlns="" id="{7D61D8D7-81FC-4A52-9EB1-BDDB2CF6D490}"/>
               </a:ext>
             </a:extLst>
           </p:cNvPr>
@@ -4776,7 +4803,7 @@
             </a:r>
             <a:r>
               <a:rPr lang="en-US" dirty="0"/>
-              <a:t> Pull Requests</a:t>
+              <a:t> Fork</a:t>
             </a:r>
           </a:p>
         </p:txBody>
@@ -4786,7 +4813,7 @@
           <p:cNvPr id="3" name="Content Placeholder 2">
             <a:extLst>
               <a:ext uri="{FF2B5EF4-FFF2-40B4-BE49-F238E27FC236}">
-                <a16:creationId xmlns:a16="http://schemas.microsoft.com/office/drawing/2014/main" id="{7E1EA454-2C70-41EC-A4EE-C0D746FE7190}"/>
+                <a16:creationId xmlns:a16="http://schemas.microsoft.com/office/drawing/2014/main" xmlns="" id="{4548D1EC-1095-45DE-A6CD-B1EEE1F05DC5}"/>
               </a:ext>
             </a:extLst>
           </p:cNvPr>
@@ -4804,7 +4831,7 @@
           <a:p>
             <a:r>
               <a:rPr lang="en-US" dirty="0"/>
-              <a:t>Creating a pull request is how merges are initiated on </a:t>
+              <a:t>A </a:t>
             </a:r>
             <a:r>
               <a:rPr lang="en-US" dirty="0" err="1"/>
@@ -4812,7 +4839,16 @@
             </a:r>
             <a:r>
               <a:rPr lang="en-US" dirty="0"/>
-              <a:t>. Pull requests can be created from </a:t>
+              <a:t> fork is a copy of another user’s repository to your own profile, similar to a git clone.</a:t>
+            </a:r>
+          </a:p>
+          <a:p>
+            <a:endParaRPr lang="en-US" dirty="0"/>
+          </a:p>
+          <a:p>
+            <a:r>
+              <a:rPr lang="en-US" dirty="0"/>
+              <a:t>When visiting your fork, </a:t>
             </a:r>
             <a:r>
               <a:rPr lang="en-US" dirty="0" err="1"/>
@@ -4820,23 +4856,21 @@
             </a:r>
             <a:r>
               <a:rPr lang="en-US" dirty="0"/>
-              <a:t> repository branch or a fork of the repository.</a:t>
-            </a:r>
-          </a:p>
-          <a:p>
-            <a:endParaRPr lang="en-US" dirty="0"/>
-          </a:p>
-          <a:p>
-            <a:r>
-              <a:rPr lang="en-US" dirty="0"/>
-              <a:t>Pull requests open a discussion where the owner or others can give input on your contribution. </a:t>
-            </a:r>
-          </a:p>
-          <a:p>
-            <a:pPr lvl="1"/>
-            <a:r>
-              <a:rPr lang="en-US" dirty="0"/>
-              <a:t>Further commits can also be made to the pull request before the owner decides to merge.</a:t>
+              <a:t> will tell you if it is ahead or behind the original code.</a:t>
+            </a:r>
+          </a:p>
+          <a:p>
+            <a:pPr lvl="1"/>
+            <a:r>
+              <a:rPr lang="en-US" dirty="0"/>
+              <a:t>If the code is behind, you may want to update your repository.</a:t>
+            </a:r>
+          </a:p>
+          <a:p>
+            <a:pPr lvl="1"/>
+            <a:r>
+              <a:rPr lang="en-US" dirty="0"/>
+              <a:t>If the code is ahead, you may want to try to merge your code with the main repository.</a:t>
             </a:r>
           </a:p>
         </p:txBody>
@@ -4844,7 +4878,7 @@
     </p:spTree>
     <p:extLst>
       <p:ext uri="{BB962C8B-B14F-4D97-AF65-F5344CB8AC3E}">
-        <p14:creationId xmlns:p14="http://schemas.microsoft.com/office/powerpoint/2010/main" val="2765756117"/>
+        <p14:creationId xmlns:p14="http://schemas.microsoft.com/office/powerpoint/2010/main" val="3325647266"/>
       </p:ext>
     </p:extLst>
   </p:cSld>
@@ -4876,7 +4910,7 @@
           <p:cNvPr id="2" name="Title 1">
             <a:extLst>
               <a:ext uri="{FF2B5EF4-FFF2-40B4-BE49-F238E27FC236}">
-                <a16:creationId xmlns:a16="http://schemas.microsoft.com/office/drawing/2014/main" id="{A67FC9D6-5183-4693-903F-32360C467B34}"/>
+                <a16:creationId xmlns:a16="http://schemas.microsoft.com/office/drawing/2014/main" xmlns="" id="{3100F95D-9512-4522-9C09-8173520F6C18}"/>
               </a:ext>
             </a:extLst>
           </p:cNvPr>
@@ -4892,52 +4926,41 @@
           <a:bodyPr/>
           <a:lstStyle/>
           <a:p>
-            <a:r>
-              <a:rPr lang="en-US" dirty="0"/>
-              <a:t>Remote Repositories</a:t>
-            </a:r>
-          </a:p>
-        </p:txBody>
-      </p:sp>
-      <p:sp>
-        <p:nvSpPr>
-          <p:cNvPr id="3" name="Content Placeholder 2">
-            <a:extLst>
-              <a:ext uri="{FF2B5EF4-FFF2-40B4-BE49-F238E27FC236}">
-                <a16:creationId xmlns:a16="http://schemas.microsoft.com/office/drawing/2014/main" id="{97472CC3-EFEA-4ACB-80C5-9F6FCEC40299}"/>
-              </a:ext>
-            </a:extLst>
-          </p:cNvPr>
-          <p:cNvSpPr>
-            <a:spLocks noGrp="1"/>
-          </p:cNvSpPr>
-          <p:nvPr>
-            <p:ph idx="1"/>
-          </p:nvPr>
-        </p:nvSpPr>
-        <p:spPr/>
-        <p:txBody>
-          <a:bodyPr/>
-          <a:lstStyle/>
-          <a:p>
-            <a:r>
-              <a:rPr lang="en-US" dirty="0"/>
-              <a:t>Working with </a:t>
-            </a:r>
             <a:r>
               <a:rPr lang="en-US" dirty="0" err="1"/>
               <a:t>Github</a:t>
             </a:r>
             <a:r>
               <a:rPr lang="en-US" dirty="0"/>
-              <a:t> from your local repository requires working with remote repositories.</a:t>
-            </a:r>
-          </a:p>
-          <a:p>
-            <a:pPr lvl="1"/>
-            <a:r>
-              <a:rPr lang="en-US" dirty="0"/>
-              <a:t>When you clone from an external source such as </a:t>
+              <a:t> Pull Requests</a:t>
+            </a:r>
+          </a:p>
+        </p:txBody>
+      </p:sp>
+      <p:sp>
+        <p:nvSpPr>
+          <p:cNvPr id="3" name="Content Placeholder 2">
+            <a:extLst>
+              <a:ext uri="{FF2B5EF4-FFF2-40B4-BE49-F238E27FC236}">
+                <a16:creationId xmlns:a16="http://schemas.microsoft.com/office/drawing/2014/main" xmlns="" id="{7E1EA454-2C70-41EC-A4EE-C0D746FE7190}"/>
+              </a:ext>
+            </a:extLst>
+          </p:cNvPr>
+          <p:cNvSpPr>
+            <a:spLocks noGrp="1"/>
+          </p:cNvSpPr>
+          <p:nvPr>
+            <p:ph idx="1"/>
+          </p:nvPr>
+        </p:nvSpPr>
+        <p:spPr/>
+        <p:txBody>
+          <a:bodyPr/>
+          <a:lstStyle/>
+          <a:p>
+            <a:r>
+              <a:rPr lang="en-US" dirty="0"/>
+              <a:t>Creating a pull request is how merges are initiated on </a:t>
             </a:r>
             <a:r>
               <a:rPr lang="en-US" dirty="0" err="1"/>
@@ -4945,32 +4968,31 @@
             </a:r>
             <a:r>
               <a:rPr lang="en-US" dirty="0"/>
-              <a:t>, a remote repository is automatically created in your local repository called “origin”</a:t>
-            </a:r>
-          </a:p>
-          <a:p>
-            <a:pPr lvl="1"/>
+              <a:t>. Pull requests can be created from </a:t>
+            </a:r>
+            <a:r>
+              <a:rPr lang="en-US" dirty="0" err="1"/>
+              <a:t>Github</a:t>
+            </a:r>
+            <a:r>
+              <a:rPr lang="en-US" dirty="0"/>
+              <a:t> repository branch or a fork of the repository.</a:t>
+            </a:r>
+          </a:p>
+          <a:p>
             <a:endParaRPr lang="en-US" dirty="0"/>
           </a:p>
           <a:p>
             <a:r>
               <a:rPr lang="en-US" dirty="0"/>
-              <a:t>Git remote repositories can also be manually added</a:t>
-            </a:r>
-          </a:p>
-          <a:p>
-            <a:pPr lvl="1"/>
-            <a:r>
-              <a:rPr lang="en-US" dirty="0"/>
-              <a:t>git remote add &lt;name&gt; &lt;</a:t>
-            </a:r>
-            <a:r>
-              <a:rPr lang="en-US" dirty="0" err="1"/>
-              <a:t>url</a:t>
-            </a:r>
-            <a:r>
-              <a:rPr lang="en-US" dirty="0"/>
-              <a:t>&gt;</a:t>
+              <a:t>Pull requests open a discussion where the owner or others can give input on your contribution. </a:t>
+            </a:r>
+          </a:p>
+          <a:p>
+            <a:pPr lvl="1"/>
+            <a:r>
+              <a:rPr lang="en-US" dirty="0"/>
+              <a:t>Further commits can also be made to the pull request before the owner decides to merge.</a:t>
             </a:r>
           </a:p>
         </p:txBody>
@@ -4978,7 +5000,7 @@
     </p:spTree>
     <p:extLst>
       <p:ext uri="{BB962C8B-B14F-4D97-AF65-F5344CB8AC3E}">
-        <p14:creationId xmlns:p14="http://schemas.microsoft.com/office/powerpoint/2010/main" val="3943229938"/>
+        <p14:creationId xmlns:p14="http://schemas.microsoft.com/office/powerpoint/2010/main" val="2765756117"/>
       </p:ext>
     </p:extLst>
   </p:cSld>
@@ -5010,7 +5032,7 @@
           <p:cNvPr id="2" name="Title 1">
             <a:extLst>
               <a:ext uri="{FF2B5EF4-FFF2-40B4-BE49-F238E27FC236}">
-                <a16:creationId xmlns:a16="http://schemas.microsoft.com/office/drawing/2014/main" id="{F4812184-508D-4F79-8A35-93F3FC1BF718}"/>
+                <a16:creationId xmlns:a16="http://schemas.microsoft.com/office/drawing/2014/main" xmlns="" id="{A67FC9D6-5183-4693-903F-32360C467B34}"/>
               </a:ext>
             </a:extLst>
           </p:cNvPr>
@@ -5028,7 +5050,7 @@
           <a:p>
             <a:r>
               <a:rPr lang="en-US" dirty="0"/>
-              <a:t>Fetching Remote Repositories</a:t>
+              <a:t>Remote Repositories</a:t>
             </a:r>
           </a:p>
         </p:txBody>
@@ -5038,7 +5060,7 @@
           <p:cNvPr id="3" name="Content Placeholder 2">
             <a:extLst>
               <a:ext uri="{FF2B5EF4-FFF2-40B4-BE49-F238E27FC236}">
-                <a16:creationId xmlns:a16="http://schemas.microsoft.com/office/drawing/2014/main" id="{531F3493-BDD3-456A-9B53-7E1781337EFC}"/>
+                <a16:creationId xmlns:a16="http://schemas.microsoft.com/office/drawing/2014/main" xmlns="" id="{97472CC3-EFEA-4ACB-80C5-9F6FCEC40299}"/>
               </a:ext>
             </a:extLst>
           </p:cNvPr>
@@ -5056,26 +5078,30 @@
           <a:p>
             <a:r>
               <a:rPr lang="en-US" dirty="0"/>
-              <a:t>To get the commit history for a remote repository, the fetch command is used.</a:t>
-            </a:r>
-          </a:p>
-          <a:p>
-            <a:pPr lvl="1"/>
-            <a:r>
-              <a:rPr lang="en-US" dirty="0"/>
-              <a:t>git fetch &lt;</a:t>
-            </a:r>
-            <a:r>
-              <a:rPr lang="en-US" i="1" dirty="0" err="1"/>
-              <a:t>remote_name</a:t>
-            </a:r>
-            <a:r>
-              <a:rPr lang="en-US" i="1" dirty="0"/>
-              <a:t>&gt;</a:t>
-            </a:r>
-            <a:r>
-              <a:rPr lang="en-US" dirty="0"/>
-              <a:t> </a:t>
+              <a:t>Working with </a:t>
+            </a:r>
+            <a:r>
+              <a:rPr lang="en-US" dirty="0" err="1"/>
+              <a:t>Github</a:t>
+            </a:r>
+            <a:r>
+              <a:rPr lang="en-US" dirty="0"/>
+              <a:t> from your local repository requires working with remote repositories.</a:t>
+            </a:r>
+          </a:p>
+          <a:p>
+            <a:pPr lvl="1"/>
+            <a:r>
+              <a:rPr lang="en-US" dirty="0"/>
+              <a:t>When you clone from an external source such as </a:t>
+            </a:r>
+            <a:r>
+              <a:rPr lang="en-US" dirty="0" err="1"/>
+              <a:t>Github</a:t>
+            </a:r>
+            <a:r>
+              <a:rPr lang="en-US" dirty="0"/>
+              <a:t>, a remote repository is automatically created in your local repository called “origin”</a:t>
             </a:r>
           </a:p>
           <a:p>
@@ -5085,29 +5111,14 @@
           <a:p>
             <a:r>
               <a:rPr lang="en-US" dirty="0"/>
-              <a:t>Fetching creates remote branches in your local repository for all branches in the remote repository.</a:t>
-            </a:r>
-          </a:p>
-          <a:p>
-            <a:pPr lvl="1"/>
-            <a:r>
-              <a:rPr lang="en-US" dirty="0"/>
-              <a:t>To fetch immediately after adding remote repository: </a:t>
-            </a:r>
-          </a:p>
-          <a:p>
-            <a:pPr lvl="2"/>
-            <a:r>
-              <a:rPr lang="en-US" dirty="0"/>
-              <a:t>git remote add –f &lt;</a:t>
-            </a:r>
-            <a:r>
-              <a:rPr lang="en-US" dirty="0" err="1"/>
-              <a:t>remote_name</a:t>
-            </a:r>
-            <a:r>
-              <a:rPr lang="en-US" dirty="0"/>
-              <a:t>&gt; &lt;</a:t>
+              <a:t>Git remote repositories can also be manually added</a:t>
+            </a:r>
+          </a:p>
+          <a:p>
+            <a:pPr lvl="1"/>
+            <a:r>
+              <a:rPr lang="en-US" dirty="0"/>
+              <a:t>git remote add &lt;name&gt; &lt;</a:t>
             </a:r>
             <a:r>
               <a:rPr lang="en-US" dirty="0" err="1"/>
@@ -5123,7 +5134,7 @@
     </p:spTree>
     <p:extLst>
       <p:ext uri="{BB962C8B-B14F-4D97-AF65-F5344CB8AC3E}">
-        <p14:creationId xmlns:p14="http://schemas.microsoft.com/office/powerpoint/2010/main" val="149172104"/>
+        <p14:creationId xmlns:p14="http://schemas.microsoft.com/office/powerpoint/2010/main" val="3943229938"/>
       </p:ext>
     </p:extLst>
   </p:cSld>
@@ -5155,7 +5166,7 @@
           <p:cNvPr id="2" name="Title 1">
             <a:extLst>
               <a:ext uri="{FF2B5EF4-FFF2-40B4-BE49-F238E27FC236}">
-                <a16:creationId xmlns:a16="http://schemas.microsoft.com/office/drawing/2014/main" id="{D235AA31-1C0C-4484-A92B-8FD77E481FEA}"/>
+                <a16:creationId xmlns:a16="http://schemas.microsoft.com/office/drawing/2014/main" xmlns="" id="{F4812184-508D-4F79-8A35-93F3FC1BF718}"/>
               </a:ext>
             </a:extLst>
           </p:cNvPr>
@@ -5173,7 +5184,7 @@
           <a:p>
             <a:r>
               <a:rPr lang="en-US" dirty="0"/>
-              <a:t>Merging Remote Branches</a:t>
+              <a:t>Fetching Remote Repositories</a:t>
             </a:r>
           </a:p>
         </p:txBody>
@@ -5183,7 +5194,7 @@
           <p:cNvPr id="3" name="Content Placeholder 2">
             <a:extLst>
               <a:ext uri="{FF2B5EF4-FFF2-40B4-BE49-F238E27FC236}">
-                <a16:creationId xmlns:a16="http://schemas.microsoft.com/office/drawing/2014/main" id="{4F016865-AA48-4D2D-BB54-5494C83D7C28}"/>
+                <a16:creationId xmlns:a16="http://schemas.microsoft.com/office/drawing/2014/main" xmlns="" id="{531F3493-BDD3-456A-9B53-7E1781337EFC}"/>
               </a:ext>
             </a:extLst>
           </p:cNvPr>
@@ -5201,69 +5212,66 @@
           <a:p>
             <a:r>
               <a:rPr lang="en-US" dirty="0"/>
-              <a:t>The commits on remote branches need to be moved to local branches before you can work with them easily on git.</a:t>
-            </a:r>
-          </a:p>
-          <a:p>
-            <a:pPr lvl="1"/>
-            <a:r>
-              <a:rPr lang="en-US" dirty="0"/>
-              <a:t>Checkout the remote branch as a local branch with the same name</a:t>
+              <a:t>To get the commit history for a remote repository, the fetch command is used.</a:t>
+            </a:r>
+          </a:p>
+          <a:p>
+            <a:pPr lvl="1"/>
+            <a:r>
+              <a:rPr lang="en-US" dirty="0"/>
+              <a:t>git fetch &lt;</a:t>
+            </a:r>
+            <a:r>
+              <a:rPr lang="en-US" i="1" dirty="0" err="1"/>
+              <a:t>remote_name</a:t>
+            </a:r>
+            <a:r>
+              <a:rPr lang="en-US" i="1" dirty="0"/>
+              <a:t>&gt;</a:t>
+            </a:r>
+            <a:r>
+              <a:rPr lang="en-US" dirty="0"/>
+              <a:t> </a:t>
+            </a:r>
+          </a:p>
+          <a:p>
+            <a:pPr lvl="1"/>
+            <a:endParaRPr lang="en-US" dirty="0"/>
+          </a:p>
+          <a:p>
+            <a:r>
+              <a:rPr lang="en-US" dirty="0"/>
+              <a:t>Fetching creates remote branches in your local repository for all branches in the remote repository.</a:t>
+            </a:r>
+          </a:p>
+          <a:p>
+            <a:pPr lvl="1"/>
+            <a:r>
+              <a:rPr lang="en-US" dirty="0"/>
+              <a:t>To fetch immediately after adding remote repository: </a:t>
             </a:r>
           </a:p>
           <a:p>
             <a:pPr lvl="2"/>
             <a:r>
               <a:rPr lang="en-US" dirty="0"/>
-              <a:t>git checkout --track &lt;remote&gt;/&lt;</a:t>
+              <a:t>git remote add –f &lt;</a:t>
             </a:r>
             <a:r>
               <a:rPr lang="en-US" dirty="0" err="1"/>
-              <a:t>remote_branch</a:t>
+              <a:t>remote_name</a:t>
+            </a:r>
+            <a:r>
+              <a:rPr lang="en-US" dirty="0"/>
+              <a:t>&gt; &lt;</a:t>
+            </a:r>
+            <a:r>
+              <a:rPr lang="en-US" dirty="0" err="1"/>
+              <a:t>url</a:t>
             </a:r>
             <a:r>
               <a:rPr lang="en-US" dirty="0"/>
               <a:t>&gt;</a:t>
-            </a:r>
-          </a:p>
-          <a:p>
-            <a:pPr lvl="1"/>
-            <a:r>
-              <a:rPr lang="en-US" dirty="0"/>
-              <a:t>If there is already a local branch with common history, you can just merge the branches.</a:t>
-            </a:r>
-          </a:p>
-          <a:p>
-            <a:pPr lvl="2"/>
-            <a:r>
-              <a:rPr lang="en-US" dirty="0"/>
-              <a:t>git checkout &lt;</a:t>
-            </a:r>
-            <a:r>
-              <a:rPr lang="en-US" dirty="0" err="1"/>
-              <a:t>local_branch</a:t>
-            </a:r>
-            <a:r>
-              <a:rPr lang="en-US" dirty="0"/>
-              <a:t>&gt;; git merge &lt;remote&gt;/&lt;</a:t>
-            </a:r>
-            <a:r>
-              <a:rPr lang="en-US" dirty="0" err="1"/>
-              <a:t>remote_branch</a:t>
-            </a:r>
-            <a:r>
-              <a:rPr lang="en-US" dirty="0"/>
-              <a:t>&gt;;</a:t>
-            </a:r>
-          </a:p>
-          <a:p>
-            <a:pPr lvl="2"/>
-            <a:endParaRPr lang="en-US" dirty="0"/>
-          </a:p>
-          <a:p>
-            <a:r>
-              <a:rPr lang="en-US" dirty="0"/>
-              <a:t>Creating a branch in the first method makes that branch a tracking branch.</a:t>
             </a:r>
           </a:p>
         </p:txBody>
@@ -5271,7 +5279,7 @@
     </p:spTree>
     <p:extLst>
       <p:ext uri="{BB962C8B-B14F-4D97-AF65-F5344CB8AC3E}">
-        <p14:creationId xmlns:p14="http://schemas.microsoft.com/office/powerpoint/2010/main" val="3045227541"/>
+        <p14:creationId xmlns:p14="http://schemas.microsoft.com/office/powerpoint/2010/main" val="149172104"/>
       </p:ext>
     </p:extLst>
   </p:cSld>
@@ -5300,13 +5308,7 @@
       </p:grpSpPr>
       <p:sp>
         <p:nvSpPr>
-          <p:cNvPr id="2" name="Title 1">
-            <a:extLst>
-              <a:ext uri="{FF2B5EF4-FFF2-40B4-BE49-F238E27FC236}">
-                <a16:creationId xmlns:a16="http://schemas.microsoft.com/office/drawing/2014/main" id="{ECC01A0F-FCD4-4394-8D60-876BBCD8B82E}"/>
-              </a:ext>
-            </a:extLst>
-          </p:cNvPr>
+          <p:cNvPr id="2" name="Title 1"/>
           <p:cNvSpPr>
             <a:spLocks noGrp="1"/>
           </p:cNvSpPr>
@@ -5321,20 +5323,27 @@
           <a:p>
             <a:r>
               <a:rPr lang="en-US" dirty="0"/>
-              <a:t>Git Setup</a:t>
-            </a:r>
-          </a:p>
-        </p:txBody>
-      </p:sp>
-      <p:sp>
-        <p:nvSpPr>
-          <p:cNvPr id="3" name="Content Placeholder 2">
-            <a:extLst>
-              <a:ext uri="{FF2B5EF4-FFF2-40B4-BE49-F238E27FC236}">
-                <a16:creationId xmlns:a16="http://schemas.microsoft.com/office/drawing/2014/main" id="{4ED7927D-2797-4320-BCDF-1AAD1114E323}"/>
-              </a:ext>
-            </a:extLst>
-          </p:cNvPr>
+              <a:t>What are </a:t>
+            </a:r>
+            <a:r>
+              <a:rPr lang="en-US" dirty="0" err="1"/>
+              <a:t>Git</a:t>
+            </a:r>
+            <a:r>
+              <a:rPr lang="en-US" dirty="0"/>
+              <a:t> &amp; </a:t>
+            </a:r>
+            <a:r>
+              <a:rPr lang="en-US" dirty="0" err="1"/>
+              <a:t>GitHub</a:t>
+            </a:r>
+            <a:endParaRPr lang="en-US" dirty="0"/>
+          </a:p>
+        </p:txBody>
+      </p:sp>
+      <p:sp>
+        <p:nvSpPr>
+          <p:cNvPr id="3" name="Content Placeholder 2"/>
           <p:cNvSpPr>
             <a:spLocks noGrp="1"/>
           </p:cNvSpPr>
@@ -5347,12 +5356,46 @@
           <a:bodyPr/>
           <a:lstStyle/>
           <a:p>
+            <a:pPr fontAlgn="base"/>
+            <a:r>
+              <a:rPr lang="en-US" b="1" dirty="0" err="1"/>
+              <a:t>Git</a:t>
+            </a:r>
+            <a:r>
+              <a:rPr lang="en-US" dirty="0"/>
+              <a:t> is a version control system(VCS), a tool to manage your source code history.</a:t>
+            </a:r>
+          </a:p>
+          <a:p>
+            <a:pPr fontAlgn="base"/>
+            <a:r>
+              <a:rPr lang="en-US" b="1" dirty="0" err="1"/>
+              <a:t>GitHub</a:t>
+            </a:r>
+            <a:r>
+              <a:rPr lang="en-US" dirty="0"/>
+              <a:t> is a hosting service for </a:t>
+            </a:r>
+            <a:r>
+              <a:rPr lang="en-US" dirty="0" err="1"/>
+              <a:t>Git</a:t>
+            </a:r>
+            <a:r>
+              <a:rPr lang="en-US" dirty="0"/>
+              <a:t> repositories.</a:t>
+            </a:r>
+          </a:p>
+          <a:p>
+            <a:pPr lvl="0"/>
             <a:r>
               <a:rPr lang="en-US" dirty="0"/>
               <a:t>Download at </a:t>
             </a:r>
             <a:r>
-              <a:rPr lang="en-US" dirty="0">
+              <a:rPr lang="en-US" u="sng" dirty="0">
+                <a:solidFill>
+                  <a:schemeClr val="hlink"/>
+                </a:solidFill>
                 <a:hlinkClick r:id="rId2"/>
               </a:rPr>
               <a:t>https://git-scm.com/downloads</a:t>
@@ -5360,59 +5403,58 @@
             <a:endParaRPr lang="en-US" dirty="0"/>
           </a:p>
           <a:p>
-            <a:r>
-              <a:rPr lang="en-US" dirty="0"/>
-              <a:t>Set name and email for commits</a:t>
-            </a:r>
-          </a:p>
-          <a:p>
-            <a:pPr lvl="1"/>
-            <a:r>
-              <a:rPr lang="en-US" dirty="0"/>
-              <a:t>To set for entire system, use --global option</a:t>
-            </a:r>
-          </a:p>
-          <a:p>
-            <a:pPr lvl="1"/>
-            <a:r>
-              <a:rPr lang="en-US" dirty="0"/>
-              <a:t>git config --global user.name "John Doe“</a:t>
-            </a:r>
-          </a:p>
-          <a:p>
-            <a:pPr lvl="1"/>
-            <a:r>
-              <a:rPr lang="en-US" dirty="0"/>
-              <a:t>git config --global </a:t>
-            </a:r>
-            <a:r>
-              <a:rPr lang="en-US" dirty="0" err="1"/>
-              <a:t>user.email</a:t>
-            </a:r>
-            <a:r>
-              <a:rPr lang="en-US" dirty="0"/>
-              <a:t> </a:t>
-            </a:r>
-            <a:r>
-              <a:rPr lang="en-US" dirty="0">
-                <a:hlinkClick r:id="rId3"/>
-              </a:rPr>
-              <a:t>johndoe@example.com</a:t>
-            </a:r>
             <a:endParaRPr lang="en-US" dirty="0"/>
           </a:p>
           <a:p>
-            <a:r>
-              <a:rPr lang="en-US" dirty="0"/>
-              <a:t>Enter git config --list to view entered settings</a:t>
-            </a:r>
-          </a:p>
-        </p:txBody>
-      </p:sp>
+            <a:endParaRPr lang="en-US" dirty="0"/>
+          </a:p>
+        </p:txBody>
+      </p:sp>
+      <p:pic>
+        <p:nvPicPr>
+          <p:cNvPr id="4" name="Picture 2" descr="https://cdn-images-1.medium.com/max/1200/1*9PnPjPI65fGwLiMfluVLrw.jpeg"/>
+          <p:cNvPicPr>
+            <a:picLocks noChangeAspect="1" noChangeArrowheads="1"/>
+          </p:cNvPicPr>
+          <p:nvPr/>
+        </p:nvPicPr>
+        <p:blipFill>
+          <a:blip r:embed="rId3" cstate="print">
+            <a:extLst>
+              <a:ext uri="{28A0092B-C50C-407E-A947-70E740481C1C}">
+                <a14:useLocalDpi xmlns:a14="http://schemas.microsoft.com/office/drawing/2010/main" val="0"/>
+              </a:ext>
+            </a:extLst>
+          </a:blip>
+          <a:srcRect/>
+          <a:stretch>
+            <a:fillRect/>
+          </a:stretch>
+        </p:blipFill>
+        <p:spPr bwMode="auto">
+          <a:xfrm>
+            <a:off x="6533804" y="3853415"/>
+            <a:ext cx="4801920" cy="2165000"/>
+          </a:xfrm>
+          <a:prstGeom prst="rect">
+            <a:avLst/>
+          </a:prstGeom>
+          <a:noFill/>
+          <a:extLst>
+            <a:ext uri="{909E8E84-426E-40DD-AFC4-6F175D3DCCD1}">
+              <a14:hiddenFill xmlns:a14="http://schemas.microsoft.com/office/drawing/2010/main">
+                <a:solidFill>
+                  <a:srgbClr val="FFFFFF"/>
+                </a:solidFill>
+              </a14:hiddenFill>
+            </a:ext>
+          </a:extLst>
+        </p:spPr>
+      </p:pic>
     </p:spTree>
     <p:extLst>
       <p:ext uri="{BB962C8B-B14F-4D97-AF65-F5344CB8AC3E}">
-        <p14:creationId xmlns:p14="http://schemas.microsoft.com/office/powerpoint/2010/main" val="1758932948"/>
+        <p14:creationId xmlns:p14="http://schemas.microsoft.com/office/powerpoint/2010/main" val="2745798174"/>
       </p:ext>
     </p:extLst>
   </p:cSld>
@@ -5444,7 +5486,7 @@
           <p:cNvPr id="2" name="Title 1">
             <a:extLst>
               <a:ext uri="{FF2B5EF4-FFF2-40B4-BE49-F238E27FC236}">
-                <a16:creationId xmlns:a16="http://schemas.microsoft.com/office/drawing/2014/main" id="{7CC8A1B4-5AD8-4D9D-B726-61D8096C06B0}"/>
+                <a16:creationId xmlns:a16="http://schemas.microsoft.com/office/drawing/2014/main" xmlns="" id="{D235AA31-1C0C-4484-A92B-8FD77E481FEA}"/>
               </a:ext>
             </a:extLst>
           </p:cNvPr>
@@ -5462,7 +5504,7 @@
           <a:p>
             <a:r>
               <a:rPr lang="en-US" dirty="0"/>
-              <a:t>Local Tracking Branch</a:t>
+              <a:t>Merging Remote Branches</a:t>
             </a:r>
           </a:p>
         </p:txBody>
@@ -5472,7 +5514,7 @@
           <p:cNvPr id="3" name="Content Placeholder 2">
             <a:extLst>
               <a:ext uri="{FF2B5EF4-FFF2-40B4-BE49-F238E27FC236}">
-                <a16:creationId xmlns:a16="http://schemas.microsoft.com/office/drawing/2014/main" id="{072BF4A4-26C6-41D1-BACF-A9543485E8E4}"/>
+                <a16:creationId xmlns:a16="http://schemas.microsoft.com/office/drawing/2014/main" xmlns="" id="{4F016865-AA48-4D2D-BB54-5494C83D7C28}"/>
               </a:ext>
             </a:extLst>
           </p:cNvPr>
@@ -5490,30 +5532,21 @@
           <a:p>
             <a:r>
               <a:rPr lang="en-US" dirty="0"/>
-              <a:t>A tracking branch is a local branch connected to a remote branch. When using a tracking branch, git can infer the remote branch you want to use.</a:t>
-            </a:r>
-          </a:p>
-          <a:p>
-            <a:pPr lvl="1"/>
-            <a:r>
-              <a:rPr lang="en-US" dirty="0"/>
-              <a:t>Differences in commit history are also shown in git status and when the branch is checked out.</a:t>
-            </a:r>
-          </a:p>
-          <a:p>
-            <a:endParaRPr lang="en-US" dirty="0"/>
-          </a:p>
-          <a:p>
-            <a:r>
-              <a:rPr lang="en-US" dirty="0"/>
-              <a:t>To set the current branch to track a remote branch, use the branch option</a:t>
-            </a:r>
-          </a:p>
-          <a:p>
-            <a:pPr lvl="1"/>
-            <a:r>
-              <a:rPr lang="en-US" dirty="0"/>
-              <a:t>git branch –u &lt;remote&gt;/&lt;</a:t>
+              <a:t>The commits on remote branches need to be moved to local branches before you can work with them easily on git.</a:t>
+            </a:r>
+          </a:p>
+          <a:p>
+            <a:pPr lvl="1"/>
+            <a:r>
+              <a:rPr lang="en-US" dirty="0"/>
+              <a:t>Checkout the remote branch as a local branch with the same name</a:t>
+            </a:r>
+          </a:p>
+          <a:p>
+            <a:pPr lvl="2"/>
+            <a:r>
+              <a:rPr lang="en-US" dirty="0"/>
+              <a:t>git checkout --track &lt;remote&gt;/&lt;</a:t>
             </a:r>
             <a:r>
               <a:rPr lang="en-US" dirty="0" err="1"/>
@@ -5522,6 +5555,46 @@
             <a:r>
               <a:rPr lang="en-US" dirty="0"/>
               <a:t>&gt;</a:t>
+            </a:r>
+          </a:p>
+          <a:p>
+            <a:pPr lvl="1"/>
+            <a:r>
+              <a:rPr lang="en-US" dirty="0"/>
+              <a:t>If there is already a local branch with common history, you can just merge the branches.</a:t>
+            </a:r>
+          </a:p>
+          <a:p>
+            <a:pPr lvl="2"/>
+            <a:r>
+              <a:rPr lang="en-US" dirty="0"/>
+              <a:t>git checkout &lt;</a:t>
+            </a:r>
+            <a:r>
+              <a:rPr lang="en-US" dirty="0" err="1"/>
+              <a:t>local_branch</a:t>
+            </a:r>
+            <a:r>
+              <a:rPr lang="en-US" dirty="0"/>
+              <a:t>&gt;; git merge &lt;remote&gt;/&lt;</a:t>
+            </a:r>
+            <a:r>
+              <a:rPr lang="en-US" dirty="0" err="1"/>
+              <a:t>remote_branch</a:t>
+            </a:r>
+            <a:r>
+              <a:rPr lang="en-US" dirty="0"/>
+              <a:t>&gt;;</a:t>
+            </a:r>
+          </a:p>
+          <a:p>
+            <a:pPr lvl="2"/>
+            <a:endParaRPr lang="en-US" dirty="0"/>
+          </a:p>
+          <a:p>
+            <a:r>
+              <a:rPr lang="en-US" dirty="0"/>
+              <a:t>Creating a branch in the first method makes that branch a tracking branch.</a:t>
             </a:r>
           </a:p>
         </p:txBody>
@@ -5529,7 +5602,7 @@
     </p:spTree>
     <p:extLst>
       <p:ext uri="{BB962C8B-B14F-4D97-AF65-F5344CB8AC3E}">
-        <p14:creationId xmlns:p14="http://schemas.microsoft.com/office/powerpoint/2010/main" val="3005718073"/>
+        <p14:creationId xmlns:p14="http://schemas.microsoft.com/office/powerpoint/2010/main" val="3045227541"/>
       </p:ext>
     </p:extLst>
   </p:cSld>
@@ -5561,7 +5634,7 @@
           <p:cNvPr id="2" name="Title 1">
             <a:extLst>
               <a:ext uri="{FF2B5EF4-FFF2-40B4-BE49-F238E27FC236}">
-                <a16:creationId xmlns:a16="http://schemas.microsoft.com/office/drawing/2014/main" id="{D5CCCEAE-AA15-4A82-9467-B6E011480A8A}"/>
+                <a16:creationId xmlns:a16="http://schemas.microsoft.com/office/drawing/2014/main" xmlns="" id="{7CC8A1B4-5AD8-4D9D-B726-61D8096C06B0}"/>
               </a:ext>
             </a:extLst>
           </p:cNvPr>
@@ -5579,7 +5652,7 @@
           <a:p>
             <a:r>
               <a:rPr lang="en-US" dirty="0"/>
-              <a:t>Pushing Branches</a:t>
+              <a:t>Local Tracking Branch</a:t>
             </a:r>
           </a:p>
         </p:txBody>
@@ -5589,7 +5662,7 @@
           <p:cNvPr id="3" name="Content Placeholder 2">
             <a:extLst>
               <a:ext uri="{FF2B5EF4-FFF2-40B4-BE49-F238E27FC236}">
-                <a16:creationId xmlns:a16="http://schemas.microsoft.com/office/drawing/2014/main" id="{8888002E-8D0E-4B1C-B0C7-E9541D406037}"/>
+                <a16:creationId xmlns:a16="http://schemas.microsoft.com/office/drawing/2014/main" xmlns="" id="{072BF4A4-26C6-41D1-BACF-A9543485E8E4}"/>
               </a:ext>
             </a:extLst>
           </p:cNvPr>
@@ -5607,30 +5680,30 @@
           <a:p>
             <a:r>
               <a:rPr lang="en-US" dirty="0"/>
-              <a:t>Adding new commits to the remote repository requires the push command.</a:t>
-            </a:r>
-          </a:p>
-          <a:p>
-            <a:pPr lvl="1"/>
-            <a:r>
-              <a:rPr lang="en-US" dirty="0"/>
-              <a:t>git push &lt;</a:t>
-            </a:r>
-            <a:r>
-              <a:rPr lang="en-US" dirty="0" err="1"/>
-              <a:t>remote_name</a:t>
-            </a:r>
-            <a:r>
-              <a:rPr lang="en-US" dirty="0"/>
-              <a:t>&gt; &lt;</a:t>
-            </a:r>
-            <a:r>
-              <a:rPr lang="en-US" dirty="0" err="1"/>
-              <a:t>local_branch</a:t>
-            </a:r>
-            <a:r>
-              <a:rPr lang="en-US" dirty="0"/>
-              <a:t>&gt;:&lt;</a:t>
+              <a:t>A tracking branch is a local branch connected to a remote branch. When using a tracking branch, git can infer the remote branch you want to use.</a:t>
+            </a:r>
+          </a:p>
+          <a:p>
+            <a:pPr lvl="1"/>
+            <a:r>
+              <a:rPr lang="en-US" dirty="0"/>
+              <a:t>Differences in commit history are also shown in git status and when the branch is checked out.</a:t>
+            </a:r>
+          </a:p>
+          <a:p>
+            <a:endParaRPr lang="en-US" dirty="0"/>
+          </a:p>
+          <a:p>
+            <a:r>
+              <a:rPr lang="en-US" dirty="0"/>
+              <a:t>To set the current branch to track a remote branch, use the branch option</a:t>
+            </a:r>
+          </a:p>
+          <a:p>
+            <a:pPr lvl="1"/>
+            <a:r>
+              <a:rPr lang="en-US" dirty="0"/>
+              <a:t>git branch –u &lt;remote&gt;/&lt;</a:t>
             </a:r>
             <a:r>
               <a:rPr lang="en-US" dirty="0" err="1"/>
@@ -5640,74 +5713,13 @@
               <a:rPr lang="en-US" dirty="0"/>
               <a:t>&gt;</a:t>
             </a:r>
-          </a:p>
-          <a:p>
-            <a:pPr lvl="1"/>
-            <a:r>
-              <a:rPr lang="en-US" dirty="0"/>
-              <a:t>If branch names are the same, :&lt;</a:t>
-            </a:r>
-            <a:r>
-              <a:rPr lang="en-US" dirty="0" err="1"/>
-              <a:t>remote_branch</a:t>
-            </a:r>
-            <a:r>
-              <a:rPr lang="en-US" dirty="0"/>
-              <a:t>&gt; is not needed</a:t>
-            </a:r>
-          </a:p>
-          <a:p>
-            <a:pPr lvl="1"/>
-            <a:endParaRPr lang="en-US" dirty="0"/>
-          </a:p>
-          <a:p>
-            <a:r>
-              <a:rPr lang="en-US" dirty="0"/>
-              <a:t>To create a new branch on the remote repository, push with no branch name.</a:t>
-            </a:r>
-          </a:p>
-          <a:p>
-            <a:pPr lvl="1"/>
-            <a:r>
-              <a:rPr lang="en-US" dirty="0"/>
-              <a:t>git push -u &lt;</a:t>
-            </a:r>
-            <a:r>
-              <a:rPr lang="en-US" dirty="0" err="1"/>
-              <a:t>remote_name</a:t>
-            </a:r>
-            <a:r>
-              <a:rPr lang="en-US" dirty="0"/>
-              <a:t>&gt;</a:t>
-            </a:r>
-          </a:p>
-          <a:p>
-            <a:pPr lvl="1"/>
-            <a:r>
-              <a:rPr lang="en-US" dirty="0"/>
-              <a:t>-u sets the local branch as a tracking branch </a:t>
-            </a:r>
-          </a:p>
-          <a:p>
-            <a:pPr lvl="1"/>
-            <a:endParaRPr lang="en-US" dirty="0"/>
-          </a:p>
-          <a:p>
-            <a:pPr lvl="1"/>
-            <a:endParaRPr lang="en-US" dirty="0"/>
-          </a:p>
-          <a:p>
-            <a:pPr marL="0" indent="0">
-              <a:buNone/>
-            </a:pPr>
-            <a:endParaRPr lang="en-US" dirty="0"/>
           </a:p>
         </p:txBody>
       </p:sp>
     </p:spTree>
     <p:extLst>
       <p:ext uri="{BB962C8B-B14F-4D97-AF65-F5344CB8AC3E}">
-        <p14:creationId xmlns:p14="http://schemas.microsoft.com/office/powerpoint/2010/main" val="4037131626"/>
+        <p14:creationId xmlns:p14="http://schemas.microsoft.com/office/powerpoint/2010/main" val="3005718073"/>
       </p:ext>
     </p:extLst>
   </p:cSld>
@@ -5739,7 +5751,7 @@
           <p:cNvPr id="2" name="Title 1">
             <a:extLst>
               <a:ext uri="{FF2B5EF4-FFF2-40B4-BE49-F238E27FC236}">
-                <a16:creationId xmlns:a16="http://schemas.microsoft.com/office/drawing/2014/main" id="{CF9D7726-63C6-4371-93C3-EBB8F76A0807}"/>
+                <a16:creationId xmlns:a16="http://schemas.microsoft.com/office/drawing/2014/main" xmlns="" id="{D5CCCEAE-AA15-4A82-9467-B6E011480A8A}"/>
               </a:ext>
             </a:extLst>
           </p:cNvPr>
@@ -5767,7 +5779,7 @@
           <p:cNvPr id="3" name="Content Placeholder 2">
             <a:extLst>
               <a:ext uri="{FF2B5EF4-FFF2-40B4-BE49-F238E27FC236}">
-                <a16:creationId xmlns:a16="http://schemas.microsoft.com/office/drawing/2014/main" id="{C8F6ECAB-8EDE-48E4-B5E1-C9CF403B1253}"/>
+                <a16:creationId xmlns:a16="http://schemas.microsoft.com/office/drawing/2014/main" xmlns="" id="{8888002E-8D0E-4B1C-B0C7-E9541D406037}"/>
               </a:ext>
             </a:extLst>
           </p:cNvPr>
@@ -5785,14 +5797,14 @@
           <a:p>
             <a:r>
               <a:rPr lang="en-US" dirty="0"/>
-              <a:t>Push all local branches to a remote branch</a:t>
-            </a:r>
-          </a:p>
-          <a:p>
-            <a:pPr lvl="1"/>
-            <a:r>
-              <a:rPr lang="en-US" dirty="0"/>
-              <a:t>git push -u &lt;</a:t>
+              <a:t>Adding new commits to the remote repository requires the push command.</a:t>
+            </a:r>
+          </a:p>
+          <a:p>
+            <a:pPr lvl="1"/>
+            <a:r>
+              <a:rPr lang="en-US" dirty="0"/>
+              <a:t>git push &lt;</a:t>
             </a:r>
             <a:r>
               <a:rPr lang="en-US" dirty="0" err="1"/>
@@ -5800,26 +5812,84 @@
             </a:r>
             <a:r>
               <a:rPr lang="en-US" dirty="0"/>
-              <a:t>&gt; --all</a:t>
-            </a:r>
-          </a:p>
-          <a:p>
+              <a:t>&gt; &lt;</a:t>
+            </a:r>
+            <a:r>
+              <a:rPr lang="en-US" dirty="0" err="1"/>
+              <a:t>local_branch</a:t>
+            </a:r>
+            <a:r>
+              <a:rPr lang="en-US" dirty="0"/>
+              <a:t>&gt;:&lt;</a:t>
+            </a:r>
+            <a:r>
+              <a:rPr lang="en-US" dirty="0" err="1"/>
+              <a:t>remote_branch</a:t>
+            </a:r>
+            <a:r>
+              <a:rPr lang="en-US" dirty="0"/>
+              <a:t>&gt;</a:t>
+            </a:r>
+          </a:p>
+          <a:p>
+            <a:pPr lvl="1"/>
+            <a:r>
+              <a:rPr lang="en-US" dirty="0"/>
+              <a:t>If branch names are the same, :&lt;</a:t>
+            </a:r>
+            <a:r>
+              <a:rPr lang="en-US" dirty="0" err="1"/>
+              <a:t>remote_branch</a:t>
+            </a:r>
+            <a:r>
+              <a:rPr lang="en-US" dirty="0"/>
+              <a:t>&gt; is not needed</a:t>
+            </a:r>
+          </a:p>
+          <a:p>
+            <a:pPr lvl="1"/>
             <a:endParaRPr lang="en-US" dirty="0"/>
           </a:p>
           <a:p>
             <a:r>
               <a:rPr lang="en-US" dirty="0"/>
-              <a:t>Pushing to a remote branch is only allowed when your branch is ahead of the remote branch.</a:t>
-            </a:r>
-          </a:p>
-          <a:p>
-            <a:pPr lvl="1"/>
-            <a:r>
-              <a:rPr lang="en-US" dirty="0"/>
-              <a:t>If remote branch is ahead, merge remote branches commits to local branch first.</a:t>
-            </a:r>
-          </a:p>
-          <a:p>
+              <a:t>To create a new branch on the remote repository, push with no branch name.</a:t>
+            </a:r>
+          </a:p>
+          <a:p>
+            <a:pPr lvl="1"/>
+            <a:r>
+              <a:rPr lang="en-US" dirty="0"/>
+              <a:t>git push -u &lt;</a:t>
+            </a:r>
+            <a:r>
+              <a:rPr lang="en-US" dirty="0" err="1"/>
+              <a:t>remote_name</a:t>
+            </a:r>
+            <a:r>
+              <a:rPr lang="en-US" dirty="0"/>
+              <a:t>&gt;</a:t>
+            </a:r>
+          </a:p>
+          <a:p>
+            <a:pPr lvl="1"/>
+            <a:r>
+              <a:rPr lang="en-US" dirty="0"/>
+              <a:t>-u sets the local branch as a tracking branch </a:t>
+            </a:r>
+          </a:p>
+          <a:p>
+            <a:pPr lvl="1"/>
+            <a:endParaRPr lang="en-US" dirty="0"/>
+          </a:p>
+          <a:p>
+            <a:pPr lvl="1"/>
+            <a:endParaRPr lang="en-US" dirty="0"/>
+          </a:p>
+          <a:p>
+            <a:pPr marL="0" indent="0">
+              <a:buNone/>
+            </a:pPr>
             <a:endParaRPr lang="en-US" dirty="0"/>
           </a:p>
         </p:txBody>
@@ -5827,7 +5897,7 @@
     </p:spTree>
     <p:extLst>
       <p:ext uri="{BB962C8B-B14F-4D97-AF65-F5344CB8AC3E}">
-        <p14:creationId xmlns:p14="http://schemas.microsoft.com/office/powerpoint/2010/main" val="1287790070"/>
+        <p14:creationId xmlns:p14="http://schemas.microsoft.com/office/powerpoint/2010/main" val="4037131626"/>
       </p:ext>
     </p:extLst>
   </p:cSld>
@@ -5859,7 +5929,7 @@
           <p:cNvPr id="2" name="Title 1">
             <a:extLst>
               <a:ext uri="{FF2B5EF4-FFF2-40B4-BE49-F238E27FC236}">
-                <a16:creationId xmlns:a16="http://schemas.microsoft.com/office/drawing/2014/main" id="{D89EA35C-B626-4F9C-AFC3-BEB32E82645F}"/>
+                <a16:creationId xmlns:a16="http://schemas.microsoft.com/office/drawing/2014/main" xmlns="" id="{CF9D7726-63C6-4371-93C3-EBB8F76A0807}"/>
               </a:ext>
             </a:extLst>
           </p:cNvPr>
@@ -5877,6 +5947,126 @@
           <a:p>
             <a:r>
               <a:rPr lang="en-US" dirty="0"/>
+              <a:t>Pushing Branches</a:t>
+            </a:r>
+          </a:p>
+        </p:txBody>
+      </p:sp>
+      <p:sp>
+        <p:nvSpPr>
+          <p:cNvPr id="3" name="Content Placeholder 2">
+            <a:extLst>
+              <a:ext uri="{FF2B5EF4-FFF2-40B4-BE49-F238E27FC236}">
+                <a16:creationId xmlns:a16="http://schemas.microsoft.com/office/drawing/2014/main" xmlns="" id="{C8F6ECAB-8EDE-48E4-B5E1-C9CF403B1253}"/>
+              </a:ext>
+            </a:extLst>
+          </p:cNvPr>
+          <p:cNvSpPr>
+            <a:spLocks noGrp="1"/>
+          </p:cNvSpPr>
+          <p:nvPr>
+            <p:ph idx="1"/>
+          </p:nvPr>
+        </p:nvSpPr>
+        <p:spPr/>
+        <p:txBody>
+          <a:bodyPr/>
+          <a:lstStyle/>
+          <a:p>
+            <a:r>
+              <a:rPr lang="en-US" dirty="0"/>
+              <a:t>Push all local branches to a remote branch</a:t>
+            </a:r>
+          </a:p>
+          <a:p>
+            <a:pPr lvl="1"/>
+            <a:r>
+              <a:rPr lang="en-US" dirty="0"/>
+              <a:t>git push -u &lt;</a:t>
+            </a:r>
+            <a:r>
+              <a:rPr lang="en-US" dirty="0" err="1"/>
+              <a:t>remote_name</a:t>
+            </a:r>
+            <a:r>
+              <a:rPr lang="en-US" dirty="0"/>
+              <a:t>&gt; --all</a:t>
+            </a:r>
+          </a:p>
+          <a:p>
+            <a:endParaRPr lang="en-US" dirty="0"/>
+          </a:p>
+          <a:p>
+            <a:r>
+              <a:rPr lang="en-US" dirty="0"/>
+              <a:t>Pushing to a remote branch is only allowed when your branch is ahead of the remote branch.</a:t>
+            </a:r>
+          </a:p>
+          <a:p>
+            <a:pPr lvl="1"/>
+            <a:r>
+              <a:rPr lang="en-US" dirty="0"/>
+              <a:t>If remote branch is ahead, merge remote branches commits to local branch first.</a:t>
+            </a:r>
+          </a:p>
+          <a:p>
+            <a:endParaRPr lang="en-US" dirty="0"/>
+          </a:p>
+        </p:txBody>
+      </p:sp>
+    </p:spTree>
+    <p:extLst>
+      <p:ext uri="{BB962C8B-B14F-4D97-AF65-F5344CB8AC3E}">
+        <p14:creationId xmlns:p14="http://schemas.microsoft.com/office/powerpoint/2010/main" val="1287790070"/>
+      </p:ext>
+    </p:extLst>
+  </p:cSld>
+  <p:clrMapOvr>
+    <a:masterClrMapping/>
+  </p:clrMapOvr>
+</p:sld>
+</file>
+
+<file path=ppt/slides/slide24.xml><?xml version="1.0" encoding="utf-8"?>
+<p:sld xmlns:a="http://schemas.openxmlformats.org/drawingml/2006/main" xmlns:r="http://schemas.openxmlformats.org/officeDocument/2006/relationships" xmlns:p="http://schemas.openxmlformats.org/presentationml/2006/main">
+  <p:cSld>
+    <p:spTree>
+      <p:nvGrpSpPr>
+        <p:cNvPr id="1" name=""/>
+        <p:cNvGrpSpPr/>
+        <p:nvPr/>
+      </p:nvGrpSpPr>
+      <p:grpSpPr>
+        <a:xfrm>
+          <a:off x="0" y="0"/>
+          <a:ext cx="0" cy="0"/>
+          <a:chOff x="0" y="0"/>
+          <a:chExt cx="0" cy="0"/>
+        </a:xfrm>
+      </p:grpSpPr>
+      <p:sp>
+        <p:nvSpPr>
+          <p:cNvPr id="2" name="Title 1">
+            <a:extLst>
+              <a:ext uri="{FF2B5EF4-FFF2-40B4-BE49-F238E27FC236}">
+                <a16:creationId xmlns:a16="http://schemas.microsoft.com/office/drawing/2014/main" xmlns="" id="{D89EA35C-B626-4F9C-AFC3-BEB32E82645F}"/>
+              </a:ext>
+            </a:extLst>
+          </p:cNvPr>
+          <p:cNvSpPr>
+            <a:spLocks noGrp="1"/>
+          </p:cNvSpPr>
+          <p:nvPr>
+            <p:ph type="title"/>
+          </p:nvPr>
+        </p:nvSpPr>
+        <p:spPr/>
+        <p:txBody>
+          <a:bodyPr/>
+          <a:lstStyle/>
+          <a:p>
+            <a:r>
+              <a:rPr lang="en-US" dirty="0"/>
               <a:t>Git Pull</a:t>
             </a:r>
           </a:p>
@@ -5887,7 +6077,7 @@
           <p:cNvPr id="3" name="Content Placeholder 2">
             <a:extLst>
               <a:ext uri="{FF2B5EF4-FFF2-40B4-BE49-F238E27FC236}">
-                <a16:creationId xmlns:a16="http://schemas.microsoft.com/office/drawing/2014/main" id="{840C4F2F-2497-42E7-85E0-C6E9573430D2}"/>
+                <a16:creationId xmlns:a16="http://schemas.microsoft.com/office/drawing/2014/main" xmlns="" id="{840C4F2F-2497-42E7-85E0-C6E9573430D2}"/>
               </a:ext>
             </a:extLst>
           </p:cNvPr>
@@ -5975,7 +6165,7 @@
           <p:cNvPr id="2" name="Title 1">
             <a:extLst>
               <a:ext uri="{FF2B5EF4-FFF2-40B4-BE49-F238E27FC236}">
-                <a16:creationId xmlns:a16="http://schemas.microsoft.com/office/drawing/2014/main" id="{8E7AB3C6-8195-43C3-914C-4EF6E03E3B91}"/>
+                <a16:creationId xmlns:a16="http://schemas.microsoft.com/office/drawing/2014/main" xmlns="" id="{ECC01A0F-FCD4-4394-8D60-876BBCD8B82E}"/>
               </a:ext>
             </a:extLst>
           </p:cNvPr>
@@ -5993,7 +6183,7 @@
           <a:p>
             <a:r>
               <a:rPr lang="en-US" dirty="0"/>
-              <a:t>Creating Repositories</a:t>
+              <a:t>Git Setup</a:t>
             </a:r>
           </a:p>
         </p:txBody>
@@ -6003,7 +6193,7 @@
           <p:cNvPr id="3" name="Content Placeholder 2">
             <a:extLst>
               <a:ext uri="{FF2B5EF4-FFF2-40B4-BE49-F238E27FC236}">
-                <a16:creationId xmlns:a16="http://schemas.microsoft.com/office/drawing/2014/main" id="{6EE4BA81-F24B-468F-B2C6-9D5668837203}"/>
+                <a16:creationId xmlns:a16="http://schemas.microsoft.com/office/drawing/2014/main" xmlns="" id="{4ED7927D-2797-4320-BCDF-1AAD1114E323}"/>
               </a:ext>
             </a:extLst>
           </p:cNvPr>
@@ -6021,72 +6211,70 @@
           <a:p>
             <a:r>
               <a:rPr lang="en-US" dirty="0"/>
-              <a:t>Add .git folder to any directory to beginning managing with git</a:t>
-            </a:r>
-          </a:p>
-          <a:p>
-            <a:pPr lvl="1"/>
-            <a:r>
-              <a:rPr lang="en-US" dirty="0"/>
-              <a:t>git </a:t>
+              <a:t>Download at </a:t>
+            </a:r>
+            <a:r>
+              <a:rPr lang="en-US" dirty="0">
+                <a:hlinkClick r:id="rId2"/>
+              </a:rPr>
+              <a:t>https://git-scm.com/downloads</a:t>
+            </a:r>
+            <a:endParaRPr lang="en-US" dirty="0"/>
+          </a:p>
+          <a:p>
+            <a:r>
+              <a:rPr lang="en-US" dirty="0"/>
+              <a:t>Set name and email for commits</a:t>
+            </a:r>
+          </a:p>
+          <a:p>
+            <a:pPr lvl="1"/>
+            <a:r>
+              <a:rPr lang="en-US" dirty="0"/>
+              <a:t>To set for entire system, use --global option</a:t>
+            </a:r>
+          </a:p>
+          <a:p>
+            <a:pPr lvl="1"/>
+            <a:r>
+              <a:rPr lang="en-US" dirty="0"/>
+              <a:t>git config --global user.name "John Doe“</a:t>
+            </a:r>
+          </a:p>
+          <a:p>
+            <a:pPr lvl="1"/>
+            <a:r>
+              <a:rPr lang="en-US" dirty="0"/>
+              <a:t>git config --global </a:t>
             </a:r>
             <a:r>
               <a:rPr lang="en-US" dirty="0" err="1"/>
-              <a:t>init</a:t>
+              <a:t>user.email</a:t>
+            </a:r>
+            <a:r>
+              <a:rPr lang="en-US" dirty="0"/>
+              <a:t> </a:t>
+            </a:r>
+            <a:r>
+              <a:rPr lang="en-US" dirty="0">
+                <a:hlinkClick r:id="rId3"/>
+              </a:rPr>
+              <a:t>johndoe@example.com</a:t>
             </a:r>
             <a:endParaRPr lang="en-US" dirty="0"/>
           </a:p>
           <a:p>
-            <a:pPr lvl="1"/>
-            <a:r>
-              <a:rPr lang="en-US" dirty="0"/>
-              <a:t>.git folder contains all internal objects and references git uses for project</a:t>
-            </a:r>
-          </a:p>
-          <a:p>
-            <a:pPr marL="457200" lvl="1" indent="0">
-              <a:buNone/>
-            </a:pPr>
-            <a:endParaRPr lang="en-US" dirty="0"/>
-          </a:p>
-          <a:p>
-            <a:r>
-              <a:rPr lang="en-US" dirty="0"/>
-              <a:t>Git tracks changes made to files in the directory automatically, but files must be added to the repository manually to save their history.</a:t>
-            </a:r>
-          </a:p>
-          <a:p>
-            <a:pPr lvl="1"/>
-            <a:endParaRPr lang="en-US" dirty="0"/>
-          </a:p>
-          <a:p>
-            <a:r>
-              <a:rPr lang="en-US" dirty="0"/>
-              <a:t>Clone creates a local copy of an existing git project, including the entire git history of the project</a:t>
-            </a:r>
-          </a:p>
-          <a:p>
-            <a:pPr lvl="1"/>
-            <a:r>
-              <a:rPr lang="en-US" dirty="0"/>
-              <a:t>git clone &lt;</a:t>
-            </a:r>
-            <a:r>
-              <a:rPr lang="en-US" i="1" dirty="0"/>
-              <a:t>path</a:t>
-            </a:r>
-            <a:r>
-              <a:rPr lang="en-US" sz="2800" i="1" dirty="0"/>
-              <a:t>&gt;</a:t>
-            </a:r>
-            <a:endParaRPr lang="en-US" dirty="0"/>
+            <a:r>
+              <a:rPr lang="en-US" dirty="0"/>
+              <a:t>Enter git config --list to view entered settings</a:t>
+            </a:r>
           </a:p>
         </p:txBody>
       </p:sp>
     </p:spTree>
     <p:extLst>
       <p:ext uri="{BB962C8B-B14F-4D97-AF65-F5344CB8AC3E}">
-        <p14:creationId xmlns:p14="http://schemas.microsoft.com/office/powerpoint/2010/main" val="2103325383"/>
+        <p14:creationId xmlns:p14="http://schemas.microsoft.com/office/powerpoint/2010/main" val="1758932948"/>
       </p:ext>
     </p:extLst>
   </p:cSld>
@@ -6118,7 +6306,7 @@
           <p:cNvPr id="2" name="Title 1">
             <a:extLst>
               <a:ext uri="{FF2B5EF4-FFF2-40B4-BE49-F238E27FC236}">
-                <a16:creationId xmlns:a16="http://schemas.microsoft.com/office/drawing/2014/main" id="{D12DF6AD-FF54-4A5E-97DB-7CA75751DDCD}"/>
+                <a16:creationId xmlns:a16="http://schemas.microsoft.com/office/drawing/2014/main" xmlns="" id="{8E7AB3C6-8195-43C3-914C-4EF6E03E3B91}"/>
               </a:ext>
             </a:extLst>
           </p:cNvPr>
@@ -6136,7 +6324,7 @@
           <a:p>
             <a:r>
               <a:rPr lang="en-US" dirty="0"/>
-              <a:t>Committing to Repository</a:t>
+              <a:t>Creating Repositories</a:t>
             </a:r>
           </a:p>
         </p:txBody>
@@ -6146,7 +6334,7 @@
           <p:cNvPr id="3" name="Content Placeholder 2">
             <a:extLst>
               <a:ext uri="{FF2B5EF4-FFF2-40B4-BE49-F238E27FC236}">
-                <a16:creationId xmlns:a16="http://schemas.microsoft.com/office/drawing/2014/main" id="{F236E314-3505-42EC-87E9-A0DF233B3D64}"/>
+                <a16:creationId xmlns:a16="http://schemas.microsoft.com/office/drawing/2014/main" xmlns="" id="{6EE4BA81-F24B-468F-B2C6-9D5668837203}"/>
               </a:ext>
             </a:extLst>
           </p:cNvPr>
@@ -6164,57 +6352,72 @@
           <a:p>
             <a:r>
               <a:rPr lang="en-US" dirty="0"/>
-              <a:t>Git uses commits to save changed files to the repository.</a:t>
-            </a:r>
-          </a:p>
-          <a:p>
-            <a:pPr lvl="1"/>
-            <a:r>
-              <a:rPr lang="en-US" dirty="0"/>
-              <a:t>Changes include new files, deleted files, and edited files.</a:t>
-            </a:r>
-          </a:p>
-          <a:p>
-            <a:pPr lvl="1"/>
+              <a:t>Add .git folder to any directory to beginning managing with git</a:t>
+            </a:r>
+          </a:p>
+          <a:p>
+            <a:pPr lvl="1"/>
+            <a:r>
+              <a:rPr lang="en-US" dirty="0"/>
+              <a:t>git </a:t>
+            </a:r>
+            <a:r>
+              <a:rPr lang="en-US" dirty="0" err="1"/>
+              <a:t>init</a:t>
+            </a:r>
             <a:endParaRPr lang="en-US" dirty="0"/>
           </a:p>
           <a:p>
-            <a:r>
-              <a:rPr lang="en-US" dirty="0"/>
-              <a:t>Git detects file changes in the directory automatically, but you must tell it which ones you want to save.</a:t>
-            </a:r>
-          </a:p>
-          <a:p>
-            <a:pPr lvl="1"/>
-            <a:r>
-              <a:rPr lang="en-US" dirty="0"/>
-              <a:t>git add &lt;</a:t>
+            <a:pPr lvl="1"/>
+            <a:r>
+              <a:rPr lang="en-US" dirty="0"/>
+              <a:t>.git folder contains all internal objects and references git uses for project</a:t>
+            </a:r>
+          </a:p>
+          <a:p>
+            <a:pPr marL="457200" lvl="1" indent="0">
+              <a:buNone/>
+            </a:pPr>
+            <a:endParaRPr lang="en-US" dirty="0"/>
+          </a:p>
+          <a:p>
+            <a:r>
+              <a:rPr lang="en-US" dirty="0"/>
+              <a:t>Git tracks changes made to files in the directory automatically, but files must be added to the repository manually to save their history.</a:t>
+            </a:r>
+          </a:p>
+          <a:p>
+            <a:pPr lvl="1"/>
+            <a:endParaRPr lang="en-US" dirty="0"/>
+          </a:p>
+          <a:p>
+            <a:r>
+              <a:rPr lang="en-US" dirty="0"/>
+              <a:t>Clone creates a local copy of an existing git project, including the entire git history of the project</a:t>
+            </a:r>
+          </a:p>
+          <a:p>
+            <a:pPr lvl="1"/>
+            <a:r>
+              <a:rPr lang="en-US" dirty="0"/>
+              <a:t>git clone &lt;</a:t>
             </a:r>
             <a:r>
               <a:rPr lang="en-US" i="1" dirty="0"/>
-              <a:t>filename&gt;</a:t>
-            </a:r>
-          </a:p>
-          <a:p>
-            <a:pPr lvl="1"/>
-            <a:r>
-              <a:rPr lang="en-US" dirty="0"/>
-              <a:t>Commits save a snapshot of all committed files.</a:t>
-            </a:r>
-          </a:p>
-          <a:p>
-            <a:pPr lvl="1"/>
-            <a:r>
-              <a:rPr lang="en-US" dirty="0"/>
-              <a:t>Commit also contains references to last committed version of other files in the repository.</a:t>
-            </a:r>
+              <a:t>path</a:t>
+            </a:r>
+            <a:r>
+              <a:rPr lang="en-US" sz="2800" i="1" dirty="0"/>
+              <a:t>&gt;</a:t>
+            </a:r>
+            <a:endParaRPr lang="en-US" dirty="0"/>
           </a:p>
         </p:txBody>
       </p:sp>
     </p:spTree>
     <p:extLst>
       <p:ext uri="{BB962C8B-B14F-4D97-AF65-F5344CB8AC3E}">
-        <p14:creationId xmlns:p14="http://schemas.microsoft.com/office/powerpoint/2010/main" val="3540820396"/>
+        <p14:creationId xmlns:p14="http://schemas.microsoft.com/office/powerpoint/2010/main" val="2103325383"/>
       </p:ext>
     </p:extLst>
   </p:cSld>
@@ -6246,7 +6449,7 @@
           <p:cNvPr id="2" name="Title 1">
             <a:extLst>
               <a:ext uri="{FF2B5EF4-FFF2-40B4-BE49-F238E27FC236}">
-                <a16:creationId xmlns:a16="http://schemas.microsoft.com/office/drawing/2014/main" id="{65A7A1E3-90C7-4C3A-8F2D-9559F514281C}"/>
+                <a16:creationId xmlns:a16="http://schemas.microsoft.com/office/drawing/2014/main" xmlns="" id="{D12DF6AD-FF54-4A5E-97DB-7CA75751DDCD}"/>
               </a:ext>
             </a:extLst>
           </p:cNvPr>
@@ -6274,7 +6477,7 @@
           <p:cNvPr id="3" name="Content Placeholder 2">
             <a:extLst>
               <a:ext uri="{FF2B5EF4-FFF2-40B4-BE49-F238E27FC236}">
-                <a16:creationId xmlns:a16="http://schemas.microsoft.com/office/drawing/2014/main" id="{504D2614-88CA-4F40-A1F8-154A41436372}"/>
+                <a16:creationId xmlns:a16="http://schemas.microsoft.com/office/drawing/2014/main" xmlns="" id="{F236E314-3505-42EC-87E9-A0DF233B3D64}"/>
               </a:ext>
             </a:extLst>
           </p:cNvPr>
@@ -6292,14 +6495,14 @@
           <a:p>
             <a:r>
               <a:rPr lang="en-US" dirty="0"/>
-              <a:t>When you are ready to commit your changed files, check the status of all your files before finalizing the commit.</a:t>
-            </a:r>
-          </a:p>
-          <a:p>
-            <a:pPr lvl="1"/>
-            <a:r>
-              <a:rPr lang="en-US" dirty="0"/>
-              <a:t>git status</a:t>
+              <a:t>Git uses commits to save changed files to the repository.</a:t>
+            </a:r>
+          </a:p>
+          <a:p>
+            <a:pPr lvl="1"/>
+            <a:r>
+              <a:rPr lang="en-US" dirty="0"/>
+              <a:t>Changes include new files, deleted files, and edited files.</a:t>
             </a:r>
           </a:p>
           <a:p>
@@ -6309,28 +6512,32 @@
           <a:p>
             <a:r>
               <a:rPr lang="en-US" dirty="0"/>
-              <a:t>The status command lists three types of changed files:</a:t>
-            </a:r>
-          </a:p>
-          <a:p>
-            <a:pPr lvl="1"/>
-            <a:r>
-              <a:rPr lang="en-US" dirty="0"/>
-              <a:t>Staged – file changes ready to be committed</a:t>
-            </a:r>
-          </a:p>
-          <a:p>
-            <a:pPr lvl="1"/>
-            <a:r>
-              <a:rPr lang="en-US" dirty="0"/>
-              <a:t>Modified – files that are changed but not added to the commit</a:t>
-            </a:r>
-          </a:p>
-          <a:p>
-            <a:pPr lvl="1"/>
-            <a:r>
-              <a:rPr lang="en-US" dirty="0"/>
-              <a:t>Untracked – files that are not added and have never been tracked in previous commits</a:t>
+              <a:t>Git detects file changes in the directory automatically, but you must tell it which ones you want to save.</a:t>
+            </a:r>
+          </a:p>
+          <a:p>
+            <a:pPr lvl="1"/>
+            <a:r>
+              <a:rPr lang="en-US" dirty="0"/>
+              <a:t>git add &lt;</a:t>
+            </a:r>
+            <a:r>
+              <a:rPr lang="en-US" i="1" dirty="0"/>
+              <a:t>filename&gt;</a:t>
+            </a:r>
+          </a:p>
+          <a:p>
+            <a:pPr lvl="1"/>
+            <a:r>
+              <a:rPr lang="en-US" dirty="0"/>
+              <a:t>Commits save a snapshot of all committed files.</a:t>
+            </a:r>
+          </a:p>
+          <a:p>
+            <a:pPr lvl="1"/>
+            <a:r>
+              <a:rPr lang="en-US" dirty="0"/>
+              <a:t>Commit also contains references to last committed version of other files in the repository.</a:t>
             </a:r>
           </a:p>
         </p:txBody>
@@ -6338,7 +6545,7 @@
     </p:spTree>
     <p:extLst>
       <p:ext uri="{BB962C8B-B14F-4D97-AF65-F5344CB8AC3E}">
-        <p14:creationId xmlns:p14="http://schemas.microsoft.com/office/powerpoint/2010/main" val="3064575432"/>
+        <p14:creationId xmlns:p14="http://schemas.microsoft.com/office/powerpoint/2010/main" val="3540820396"/>
       </p:ext>
     </p:extLst>
   </p:cSld>
@@ -6370,7 +6577,7 @@
           <p:cNvPr id="2" name="Title 1">
             <a:extLst>
               <a:ext uri="{FF2B5EF4-FFF2-40B4-BE49-F238E27FC236}">
-                <a16:creationId xmlns:a16="http://schemas.microsoft.com/office/drawing/2014/main" id="{7539442F-5431-4EAE-9BD1-5997FA22485C}"/>
+                <a16:creationId xmlns:a16="http://schemas.microsoft.com/office/drawing/2014/main" xmlns="" id="{65A7A1E3-90C7-4C3A-8F2D-9559F514281C}"/>
               </a:ext>
             </a:extLst>
           </p:cNvPr>
@@ -6398,7 +6605,7 @@
           <p:cNvPr id="3" name="Content Placeholder 2">
             <a:extLst>
               <a:ext uri="{FF2B5EF4-FFF2-40B4-BE49-F238E27FC236}">
-                <a16:creationId xmlns:a16="http://schemas.microsoft.com/office/drawing/2014/main" id="{673BD58E-EB9D-4E99-8B49-954B2F61A9EA}"/>
+                <a16:creationId xmlns:a16="http://schemas.microsoft.com/office/drawing/2014/main" xmlns="" id="{504D2614-88CA-4F40-A1F8-154A41436372}"/>
               </a:ext>
             </a:extLst>
           </p:cNvPr>
@@ -6416,14 +6623,14 @@
           <a:p>
             <a:r>
               <a:rPr lang="en-US" dirty="0"/>
-              <a:t>Modified or untracked files can be added using the git add command, and then the commit can be finalized.</a:t>
-            </a:r>
-          </a:p>
-          <a:p>
-            <a:pPr lvl="1"/>
-            <a:r>
-              <a:rPr lang="en-US" dirty="0"/>
-              <a:t>git commit</a:t>
+              <a:t>When you are ready to commit your changed files, check the status of all your files before finalizing the commit.</a:t>
+            </a:r>
+          </a:p>
+          <a:p>
+            <a:pPr lvl="1"/>
+            <a:r>
+              <a:rPr lang="en-US" dirty="0"/>
+              <a:t>git status</a:t>
             </a:r>
           </a:p>
           <a:p>
@@ -6433,28 +6640,28 @@
           <a:p>
             <a:r>
               <a:rPr lang="en-US" dirty="0"/>
-              <a:t>When committing, the assigned git text editor will open to assign a commit message.</a:t>
-            </a:r>
-          </a:p>
-          <a:p>
-            <a:pPr lvl="1"/>
-            <a:r>
-              <a:rPr lang="en-US" dirty="0"/>
-              <a:t>The message is required, and a blank message will cancel the commit</a:t>
-            </a:r>
-          </a:p>
-          <a:p>
-            <a:pPr lvl="1"/>
-            <a:r>
-              <a:rPr lang="en-US" dirty="0"/>
-              <a:t>A message can also be entered in the commit command</a:t>
-            </a:r>
-          </a:p>
-          <a:p>
-            <a:pPr lvl="1"/>
-            <a:r>
-              <a:rPr lang="en-US" dirty="0"/>
-              <a:t>git commit –m “&lt;message&gt;” </a:t>
+              <a:t>The status command lists three types of changed files:</a:t>
+            </a:r>
+          </a:p>
+          <a:p>
+            <a:pPr lvl="1"/>
+            <a:r>
+              <a:rPr lang="en-US" dirty="0"/>
+              <a:t>Staged – file changes ready to be committed</a:t>
+            </a:r>
+          </a:p>
+          <a:p>
+            <a:pPr lvl="1"/>
+            <a:r>
+              <a:rPr lang="en-US" dirty="0"/>
+              <a:t>Modified – files that are changed but not added to the commit</a:t>
+            </a:r>
+          </a:p>
+          <a:p>
+            <a:pPr lvl="1"/>
+            <a:r>
+              <a:rPr lang="en-US" dirty="0"/>
+              <a:t>Untracked – files that are not added and have never been tracked in previous commits</a:t>
             </a:r>
           </a:p>
         </p:txBody>
@@ -6462,7 +6669,7 @@
     </p:spTree>
     <p:extLst>
       <p:ext uri="{BB962C8B-B14F-4D97-AF65-F5344CB8AC3E}">
-        <p14:creationId xmlns:p14="http://schemas.microsoft.com/office/powerpoint/2010/main" val="3548853044"/>
+        <p14:creationId xmlns:p14="http://schemas.microsoft.com/office/powerpoint/2010/main" val="3064575432"/>
       </p:ext>
     </p:extLst>
   </p:cSld>
@@ -6494,7 +6701,7 @@
           <p:cNvPr id="2" name="Title 1">
             <a:extLst>
               <a:ext uri="{FF2B5EF4-FFF2-40B4-BE49-F238E27FC236}">
-                <a16:creationId xmlns:a16="http://schemas.microsoft.com/office/drawing/2014/main" id="{A1344963-DE3C-44DD-90BE-4441C1E71DA4}"/>
+                <a16:creationId xmlns:a16="http://schemas.microsoft.com/office/drawing/2014/main" xmlns="" id="{7539442F-5431-4EAE-9BD1-5997FA22485C}"/>
               </a:ext>
             </a:extLst>
           </p:cNvPr>
@@ -6512,7 +6719,7 @@
           <a:p>
             <a:r>
               <a:rPr lang="en-US" dirty="0"/>
-              <a:t>Viewing Commits</a:t>
+              <a:t>Committing to Repository</a:t>
             </a:r>
           </a:p>
         </p:txBody>
@@ -6522,7 +6729,7 @@
           <p:cNvPr id="3" name="Content Placeholder 2">
             <a:extLst>
               <a:ext uri="{FF2B5EF4-FFF2-40B4-BE49-F238E27FC236}">
-                <a16:creationId xmlns:a16="http://schemas.microsoft.com/office/drawing/2014/main" id="{15B94E98-2AEE-453F-A991-0C97FC6BF95B}"/>
+                <a16:creationId xmlns:a16="http://schemas.microsoft.com/office/drawing/2014/main" xmlns="" id="{673BD58E-EB9D-4E99-8B49-954B2F61A9EA}"/>
               </a:ext>
             </a:extLst>
           </p:cNvPr>
@@ -6540,62 +6747,53 @@
           <a:p>
             <a:r>
               <a:rPr lang="en-US" dirty="0"/>
-              <a:t>Git log lists details of all commits in the repository history.</a:t>
-            </a:r>
-          </a:p>
-          <a:p>
-            <a:pPr lvl="1"/>
-            <a:r>
-              <a:rPr lang="en-US" dirty="0"/>
-              <a:t>Add --</a:t>
-            </a:r>
-            <a:r>
-              <a:rPr lang="en-US" dirty="0" err="1"/>
-              <a:t>oneline</a:t>
-            </a:r>
-            <a:r>
-              <a:rPr lang="en-US" dirty="0"/>
-              <a:t> option to view history less information per commit</a:t>
-            </a:r>
-          </a:p>
-          <a:p>
-            <a:pPr lvl="1"/>
-            <a:r>
-              <a:rPr lang="en-US" dirty="0"/>
-              <a:t>git log --</a:t>
-            </a:r>
-            <a:r>
-              <a:rPr lang="en-US" dirty="0" err="1"/>
-              <a:t>oneline</a:t>
-            </a:r>
+              <a:t>Modified or untracked files can be added using the git add command, and then the commit can be finalized.</a:t>
+            </a:r>
+          </a:p>
+          <a:p>
+            <a:pPr lvl="1"/>
+            <a:r>
+              <a:rPr lang="en-US" dirty="0"/>
+              <a:t>git commit</a:t>
+            </a:r>
+          </a:p>
+          <a:p>
+            <a:pPr lvl="1"/>
             <a:endParaRPr lang="en-US" dirty="0"/>
           </a:p>
           <a:p>
-            <a:pPr lvl="1"/>
-            <a:endParaRPr lang="en-US" dirty="0"/>
-          </a:p>
-          <a:p>
-            <a:r>
-              <a:rPr lang="en-US" dirty="0"/>
-              <a:t>Git stores commits with a 40 character SHA-1 hash as its key</a:t>
-            </a:r>
-          </a:p>
-          <a:p>
-            <a:pPr lvl="1"/>
-            <a:r>
-              <a:rPr lang="en-US" dirty="0"/>
-              <a:t>Only a unique portion of the key is needed to reference the commit</a:t>
-            </a:r>
-          </a:p>
-          <a:p>
-            <a:endParaRPr lang="en-US" dirty="0"/>
+            <a:r>
+              <a:rPr lang="en-US" dirty="0"/>
+              <a:t>When committing, the assigned git text editor will open to assign a commit message.</a:t>
+            </a:r>
+          </a:p>
+          <a:p>
+            <a:pPr lvl="1"/>
+            <a:r>
+              <a:rPr lang="en-US" dirty="0"/>
+              <a:t>The message is required, and a blank message will cancel the commit</a:t>
+            </a:r>
+          </a:p>
+          <a:p>
+            <a:pPr lvl="1"/>
+            <a:r>
+              <a:rPr lang="en-US" dirty="0"/>
+              <a:t>A message can also be entered in the commit command</a:t>
+            </a:r>
+          </a:p>
+          <a:p>
+            <a:pPr lvl="1"/>
+            <a:r>
+              <a:rPr lang="en-US" dirty="0"/>
+              <a:t>git commit –m “&lt;message&gt;” </a:t>
+            </a:r>
           </a:p>
         </p:txBody>
       </p:sp>
     </p:spTree>
     <p:extLst>
       <p:ext uri="{BB962C8B-B14F-4D97-AF65-F5344CB8AC3E}">
-        <p14:creationId xmlns:p14="http://schemas.microsoft.com/office/powerpoint/2010/main" val="1616873237"/>
+        <p14:creationId xmlns:p14="http://schemas.microsoft.com/office/powerpoint/2010/main" val="3548853044"/>
       </p:ext>
     </p:extLst>
   </p:cSld>
@@ -6627,7 +6825,7 @@
           <p:cNvPr id="2" name="Title 1">
             <a:extLst>
               <a:ext uri="{FF2B5EF4-FFF2-40B4-BE49-F238E27FC236}">
-                <a16:creationId xmlns:a16="http://schemas.microsoft.com/office/drawing/2014/main" id="{14056B33-45E5-4A02-9D23-1B4DE0D73AEC}"/>
+                <a16:creationId xmlns:a16="http://schemas.microsoft.com/office/drawing/2014/main" xmlns="" id="{A1344963-DE3C-44DD-90BE-4441C1E71DA4}"/>
               </a:ext>
             </a:extLst>
           </p:cNvPr>
@@ -6645,7 +6843,7 @@
           <a:p>
             <a:r>
               <a:rPr lang="en-US" dirty="0"/>
-              <a:t>Checking Out Commits</a:t>
+              <a:t>Viewing Commits</a:t>
             </a:r>
           </a:p>
         </p:txBody>
@@ -6655,7 +6853,7 @@
           <p:cNvPr id="3" name="Content Placeholder 2">
             <a:extLst>
               <a:ext uri="{FF2B5EF4-FFF2-40B4-BE49-F238E27FC236}">
-                <a16:creationId xmlns:a16="http://schemas.microsoft.com/office/drawing/2014/main" id="{05996F04-3AB3-4D42-809E-AC4FA4871991}"/>
+                <a16:creationId xmlns:a16="http://schemas.microsoft.com/office/drawing/2014/main" xmlns="" id="{15B94E98-2AEE-453F-A991-0C97FC6BF95B}"/>
               </a:ext>
             </a:extLst>
           </p:cNvPr>
@@ -6673,43 +6871,62 @@
           <a:p>
             <a:r>
               <a:rPr lang="en-US" dirty="0"/>
-              <a:t>Any saved commit may be loaded into your directory using the checkout command</a:t>
-            </a:r>
-          </a:p>
-          <a:p>
-            <a:pPr lvl="1"/>
-            <a:r>
-              <a:rPr lang="en-US" dirty="0"/>
-              <a:t>git checkout </a:t>
-            </a:r>
-            <a:r>
-              <a:rPr lang="en-US" i="1" dirty="0"/>
-              <a:t>&lt;commit&gt;</a:t>
-            </a:r>
-          </a:p>
-          <a:p>
-            <a:pPr lvl="1"/>
-            <a:endParaRPr lang="en-US" i="1" dirty="0"/>
-          </a:p>
-          <a:p>
-            <a:r>
-              <a:rPr lang="en-US" dirty="0"/>
-              <a:t>The checkout command makes changes to your files. If you have uncommitted changes to the same files, the checkout will fail.</a:t>
-            </a:r>
-          </a:p>
-          <a:p>
-            <a:pPr lvl="1"/>
-            <a:r>
-              <a:rPr lang="en-US" dirty="0"/>
-              <a:t>Any other uncommitted changes you make will still be applied to the committed branch</a:t>
-            </a:r>
+              <a:t>Git log lists details of all commits in the repository history.</a:t>
+            </a:r>
+          </a:p>
+          <a:p>
+            <a:pPr lvl="1"/>
+            <a:r>
+              <a:rPr lang="en-US" dirty="0"/>
+              <a:t>Add --</a:t>
+            </a:r>
+            <a:r>
+              <a:rPr lang="en-US" dirty="0" err="1"/>
+              <a:t>oneline</a:t>
+            </a:r>
+            <a:r>
+              <a:rPr lang="en-US" dirty="0"/>
+              <a:t> option to view history less information per commit</a:t>
+            </a:r>
+          </a:p>
+          <a:p>
+            <a:pPr lvl="1"/>
+            <a:r>
+              <a:rPr lang="en-US" dirty="0"/>
+              <a:t>git log --</a:t>
+            </a:r>
+            <a:r>
+              <a:rPr lang="en-US" dirty="0" err="1"/>
+              <a:t>oneline</a:t>
+            </a:r>
+            <a:endParaRPr lang="en-US" dirty="0"/>
+          </a:p>
+          <a:p>
+            <a:pPr lvl="1"/>
+            <a:endParaRPr lang="en-US" dirty="0"/>
+          </a:p>
+          <a:p>
+            <a:r>
+              <a:rPr lang="en-US" dirty="0"/>
+              <a:t>Git stores commits with a 40 character SHA-1 hash as its key</a:t>
+            </a:r>
+          </a:p>
+          <a:p>
+            <a:pPr lvl="1"/>
+            <a:r>
+              <a:rPr lang="en-US" dirty="0"/>
+              <a:t>Only a unique portion of the key is needed to reference the commit</a:t>
+            </a:r>
+          </a:p>
+          <a:p>
+            <a:endParaRPr lang="en-US" dirty="0"/>
           </a:p>
         </p:txBody>
       </p:sp>
     </p:spTree>
     <p:extLst>
       <p:ext uri="{BB962C8B-B14F-4D97-AF65-F5344CB8AC3E}">
-        <p14:creationId xmlns:p14="http://schemas.microsoft.com/office/powerpoint/2010/main" val="671258223"/>
+        <p14:creationId xmlns:p14="http://schemas.microsoft.com/office/powerpoint/2010/main" val="1616873237"/>
       </p:ext>
     </p:extLst>
   </p:cSld>
@@ -6741,7 +6958,7 @@
           <p:cNvPr id="2" name="Title 1">
             <a:extLst>
               <a:ext uri="{FF2B5EF4-FFF2-40B4-BE49-F238E27FC236}">
-                <a16:creationId xmlns:a16="http://schemas.microsoft.com/office/drawing/2014/main" id="{E872F28C-D38C-4540-839F-24D0C5FD6590}"/>
+                <a16:creationId xmlns:a16="http://schemas.microsoft.com/office/drawing/2014/main" xmlns="" id="{14056B33-45E5-4A02-9D23-1B4DE0D73AEC}"/>
               </a:ext>
             </a:extLst>
           </p:cNvPr>
@@ -6759,7 +6976,7 @@
           <a:p>
             <a:r>
               <a:rPr lang="en-US" dirty="0"/>
-              <a:t>Git Branching</a:t>
+              <a:t>Checking Out Commits</a:t>
             </a:r>
           </a:p>
         </p:txBody>
@@ -6769,7 +6986,7 @@
           <p:cNvPr id="3" name="Content Placeholder 2">
             <a:extLst>
               <a:ext uri="{FF2B5EF4-FFF2-40B4-BE49-F238E27FC236}">
-                <a16:creationId xmlns:a16="http://schemas.microsoft.com/office/drawing/2014/main" id="{C4A875DD-85D8-48B2-9B66-EFE643EDAE59}"/>
+                <a16:creationId xmlns:a16="http://schemas.microsoft.com/office/drawing/2014/main" xmlns="" id="{05996F04-3AB3-4D42-809E-AC4FA4871991}"/>
               </a:ext>
             </a:extLst>
           </p:cNvPr>
@@ -6787,84 +7004,43 @@
           <a:p>
             <a:r>
               <a:rPr lang="en-US" dirty="0"/>
-              <a:t>Git branches are named references to a commit</a:t>
-            </a:r>
-          </a:p>
-          <a:p>
-            <a:pPr lvl="1"/>
-            <a:r>
-              <a:rPr lang="en-US" dirty="0"/>
-              <a:t>git branch &lt;</a:t>
-            </a:r>
-            <a:r>
-              <a:rPr lang="en-US" i="1" dirty="0" err="1"/>
-              <a:t>branchname</a:t>
+              <a:t>Any saved commit may be loaded into your directory using the checkout command</a:t>
+            </a:r>
+          </a:p>
+          <a:p>
+            <a:pPr lvl="1"/>
+            <a:r>
+              <a:rPr lang="en-US" dirty="0"/>
+              <a:t>git checkout </a:t>
             </a:r>
             <a:r>
               <a:rPr lang="en-US" i="1" dirty="0"/>
-              <a:t>&gt;</a:t>
-            </a:r>
-            <a:endParaRPr lang="en-US" dirty="0"/>
-          </a:p>
-          <a:p>
-            <a:pPr marL="457200" lvl="1" indent="0">
-              <a:buNone/>
-            </a:pPr>
-            <a:endParaRPr lang="en-US" dirty="0"/>
-          </a:p>
-          <a:p>
-            <a:r>
-              <a:rPr lang="en-US" dirty="0"/>
-              <a:t>Branches must be checked out to use them, and only one branch can be checked out at a time.</a:t>
-            </a:r>
-          </a:p>
-          <a:p>
-            <a:pPr lvl="1"/>
-            <a:r>
-              <a:rPr lang="en-US" dirty="0"/>
-              <a:t>git checkout &lt;</a:t>
-            </a:r>
-            <a:r>
-              <a:rPr lang="en-US" i="1" dirty="0" err="1"/>
-              <a:t>branchname</a:t>
-            </a:r>
-            <a:r>
-              <a:rPr lang="en-US" i="1" dirty="0"/>
-              <a:t>&gt;</a:t>
-            </a:r>
-          </a:p>
-          <a:p>
-            <a:pPr lvl="1"/>
-            <a:r>
-              <a:rPr lang="en-US" dirty="0"/>
-              <a:t>Branches can be created and checked out in one command</a:t>
-            </a:r>
-          </a:p>
-          <a:p>
-            <a:pPr lvl="1"/>
-            <a:r>
-              <a:rPr lang="en-US" dirty="0"/>
-              <a:t>git checkout –b &lt;</a:t>
-            </a:r>
-            <a:r>
-              <a:rPr lang="en-US" dirty="0" err="1"/>
-              <a:t>branchname</a:t>
-            </a:r>
-            <a:r>
-              <a:rPr lang="en-US" dirty="0"/>
-              <a:t>&gt;</a:t>
-            </a:r>
-          </a:p>
-          <a:p>
-            <a:pPr lvl="1"/>
-            <a:endParaRPr lang="en-US" dirty="0"/>
+              <a:t>&lt;commit&gt;</a:t>
+            </a:r>
+          </a:p>
+          <a:p>
+            <a:pPr lvl="1"/>
+            <a:endParaRPr lang="en-US" i="1" dirty="0"/>
+          </a:p>
+          <a:p>
+            <a:r>
+              <a:rPr lang="en-US" dirty="0"/>
+              <a:t>The checkout command makes changes to your files. If you have uncommitted changes to the same files, the checkout will fail.</a:t>
+            </a:r>
+          </a:p>
+          <a:p>
+            <a:pPr lvl="1"/>
+            <a:r>
+              <a:rPr lang="en-US" dirty="0"/>
+              <a:t>Any other uncommitted changes you make will still be applied to the committed branch</a:t>
+            </a:r>
           </a:p>
         </p:txBody>
       </p:sp>
     </p:spTree>
     <p:extLst>
       <p:ext uri="{BB962C8B-B14F-4D97-AF65-F5344CB8AC3E}">
-        <p14:creationId xmlns:p14="http://schemas.microsoft.com/office/powerpoint/2010/main" val="3926436728"/>
+        <p14:creationId xmlns:p14="http://schemas.microsoft.com/office/powerpoint/2010/main" val="671258223"/>
       </p:ext>
     </p:extLst>
   </p:cSld>

--- a/Git.pptx
+++ b/Git.pptx
@@ -5,7 +5,7 @@
     <p:sldMasterId id="2147483648" r:id="rId1"/>
   </p:sldMasterIdLst>
   <p:notesMasterIdLst>
-    <p:notesMasterId r:id="rId26"/>
+    <p:notesMasterId r:id="rId25"/>
   </p:notesMasterIdLst>
   <p:sldIdLst>
     <p:sldId id="256" r:id="rId2"/>
@@ -27,11 +27,10 @@
     <p:sldId id="270" r:id="rId18"/>
     <p:sldId id="272" r:id="rId19"/>
     <p:sldId id="274" r:id="rId20"/>
-    <p:sldId id="276" r:id="rId21"/>
-    <p:sldId id="277" r:id="rId22"/>
-    <p:sldId id="273" r:id="rId23"/>
-    <p:sldId id="279" r:id="rId24"/>
-    <p:sldId id="278" r:id="rId25"/>
+    <p:sldId id="277" r:id="rId21"/>
+    <p:sldId id="273" r:id="rId22"/>
+    <p:sldId id="279" r:id="rId23"/>
+    <p:sldId id="276" r:id="rId24"/>
   </p:sldIdLst>
   <p:sldSz cx="12192000" cy="6858000"/>
   <p:notesSz cx="6858000" cy="9144000"/>
@@ -677,7 +676,7 @@
           <p:cNvPr id="2" name="Title 1">
             <a:extLst>
               <a:ext uri="{FF2B5EF4-FFF2-40B4-BE49-F238E27FC236}">
-                <a16:creationId xmlns:a16="http://schemas.microsoft.com/office/drawing/2014/main" xmlns="" id="{CC2D256A-135D-49D5-8B1B-DBA08B0BEE74}"/>
+                <a16:creationId xmlns:a16="http://schemas.microsoft.com/office/drawing/2014/main" id="{CC2D256A-135D-49D5-8B1B-DBA08B0BEE74}"/>
               </a:ext>
             </a:extLst>
           </p:cNvPr>
@@ -714,7 +713,7 @@
           <p:cNvPr id="3" name="Subtitle 2">
             <a:extLst>
               <a:ext uri="{FF2B5EF4-FFF2-40B4-BE49-F238E27FC236}">
-                <a16:creationId xmlns:a16="http://schemas.microsoft.com/office/drawing/2014/main" xmlns="" id="{32B0ABE7-CA0A-4EBD-AC20-2C4F8B73007E}"/>
+                <a16:creationId xmlns:a16="http://schemas.microsoft.com/office/drawing/2014/main" id="{32B0ABE7-CA0A-4EBD-AC20-2C4F8B73007E}"/>
               </a:ext>
             </a:extLst>
           </p:cNvPr>
@@ -784,7 +783,7 @@
           <p:cNvPr id="4" name="Date Placeholder 3">
             <a:extLst>
               <a:ext uri="{FF2B5EF4-FFF2-40B4-BE49-F238E27FC236}">
-                <a16:creationId xmlns:a16="http://schemas.microsoft.com/office/drawing/2014/main" xmlns="" id="{1B54A4F0-D72F-412E-9E26-D2A54F3CB35B}"/>
+                <a16:creationId xmlns:a16="http://schemas.microsoft.com/office/drawing/2014/main" id="{1B54A4F0-D72F-412E-9E26-D2A54F3CB35B}"/>
               </a:ext>
             </a:extLst>
           </p:cNvPr>
@@ -813,7 +812,7 @@
           <p:cNvPr id="5" name="Footer Placeholder 4">
             <a:extLst>
               <a:ext uri="{FF2B5EF4-FFF2-40B4-BE49-F238E27FC236}">
-                <a16:creationId xmlns:a16="http://schemas.microsoft.com/office/drawing/2014/main" xmlns="" id="{800288C6-8D32-40CA-A521-24E3D3362714}"/>
+                <a16:creationId xmlns:a16="http://schemas.microsoft.com/office/drawing/2014/main" id="{800288C6-8D32-40CA-A521-24E3D3362714}"/>
               </a:ext>
             </a:extLst>
           </p:cNvPr>
@@ -838,7 +837,7 @@
           <p:cNvPr id="6" name="Slide Number Placeholder 5">
             <a:extLst>
               <a:ext uri="{FF2B5EF4-FFF2-40B4-BE49-F238E27FC236}">
-                <a16:creationId xmlns:a16="http://schemas.microsoft.com/office/drawing/2014/main" xmlns="" id="{44CC9D34-EE9B-4582-9A92-C46DF966459E}"/>
+                <a16:creationId xmlns:a16="http://schemas.microsoft.com/office/drawing/2014/main" id="{44CC9D34-EE9B-4582-9A92-C46DF966459E}"/>
               </a:ext>
             </a:extLst>
           </p:cNvPr>
@@ -897,7 +896,7 @@
           <p:cNvPr id="2" name="Title 1">
             <a:extLst>
               <a:ext uri="{FF2B5EF4-FFF2-40B4-BE49-F238E27FC236}">
-                <a16:creationId xmlns:a16="http://schemas.microsoft.com/office/drawing/2014/main" xmlns="" id="{936C87F3-2AF7-4003-8F24-191BBBF27306}"/>
+                <a16:creationId xmlns:a16="http://schemas.microsoft.com/office/drawing/2014/main" id="{936C87F3-2AF7-4003-8F24-191BBBF27306}"/>
               </a:ext>
             </a:extLst>
           </p:cNvPr>
@@ -925,7 +924,7 @@
           <p:cNvPr id="3" name="Vertical Text Placeholder 2">
             <a:extLst>
               <a:ext uri="{FF2B5EF4-FFF2-40B4-BE49-F238E27FC236}">
-                <a16:creationId xmlns:a16="http://schemas.microsoft.com/office/drawing/2014/main" xmlns="" id="{E091D61F-39AE-4C04-BA63-54513FA74A42}"/>
+                <a16:creationId xmlns:a16="http://schemas.microsoft.com/office/drawing/2014/main" id="{E091D61F-39AE-4C04-BA63-54513FA74A42}"/>
               </a:ext>
             </a:extLst>
           </p:cNvPr>
@@ -982,7 +981,7 @@
           <p:cNvPr id="4" name="Date Placeholder 3">
             <a:extLst>
               <a:ext uri="{FF2B5EF4-FFF2-40B4-BE49-F238E27FC236}">
-                <a16:creationId xmlns:a16="http://schemas.microsoft.com/office/drawing/2014/main" xmlns="" id="{AC3079D5-3ABD-40FF-96F6-1CDC9B3DC308}"/>
+                <a16:creationId xmlns:a16="http://schemas.microsoft.com/office/drawing/2014/main" id="{AC3079D5-3ABD-40FF-96F6-1CDC9B3DC308}"/>
               </a:ext>
             </a:extLst>
           </p:cNvPr>
@@ -1011,7 +1010,7 @@
           <p:cNvPr id="5" name="Footer Placeholder 4">
             <a:extLst>
               <a:ext uri="{FF2B5EF4-FFF2-40B4-BE49-F238E27FC236}">
-                <a16:creationId xmlns:a16="http://schemas.microsoft.com/office/drawing/2014/main" xmlns="" id="{376E03D5-7075-43E5-9491-5F83CEF4B15E}"/>
+                <a16:creationId xmlns:a16="http://schemas.microsoft.com/office/drawing/2014/main" id="{376E03D5-7075-43E5-9491-5F83CEF4B15E}"/>
               </a:ext>
             </a:extLst>
           </p:cNvPr>
@@ -1036,7 +1035,7 @@
           <p:cNvPr id="6" name="Slide Number Placeholder 5">
             <a:extLst>
               <a:ext uri="{FF2B5EF4-FFF2-40B4-BE49-F238E27FC236}">
-                <a16:creationId xmlns:a16="http://schemas.microsoft.com/office/drawing/2014/main" xmlns="" id="{5B14AA74-6CB9-4356-BB2C-1B4D76497E50}"/>
+                <a16:creationId xmlns:a16="http://schemas.microsoft.com/office/drawing/2014/main" id="{5B14AA74-6CB9-4356-BB2C-1B4D76497E50}"/>
               </a:ext>
             </a:extLst>
           </p:cNvPr>
@@ -1095,7 +1094,7 @@
           <p:cNvPr id="2" name="Vertical Title 1">
             <a:extLst>
               <a:ext uri="{FF2B5EF4-FFF2-40B4-BE49-F238E27FC236}">
-                <a16:creationId xmlns:a16="http://schemas.microsoft.com/office/drawing/2014/main" xmlns="" id="{5A9AE0C6-74A6-4427-B207-828FD41904FF}"/>
+                <a16:creationId xmlns:a16="http://schemas.microsoft.com/office/drawing/2014/main" id="{5A9AE0C6-74A6-4427-B207-828FD41904FF}"/>
               </a:ext>
             </a:extLst>
           </p:cNvPr>
@@ -1128,7 +1127,7 @@
           <p:cNvPr id="3" name="Vertical Text Placeholder 2">
             <a:extLst>
               <a:ext uri="{FF2B5EF4-FFF2-40B4-BE49-F238E27FC236}">
-                <a16:creationId xmlns:a16="http://schemas.microsoft.com/office/drawing/2014/main" xmlns="" id="{3E6F6CEF-A769-4953-BCCA-E4C565C7402B}"/>
+                <a16:creationId xmlns:a16="http://schemas.microsoft.com/office/drawing/2014/main" id="{3E6F6CEF-A769-4953-BCCA-E4C565C7402B}"/>
               </a:ext>
             </a:extLst>
           </p:cNvPr>
@@ -1190,7 +1189,7 @@
           <p:cNvPr id="4" name="Date Placeholder 3">
             <a:extLst>
               <a:ext uri="{FF2B5EF4-FFF2-40B4-BE49-F238E27FC236}">
-                <a16:creationId xmlns:a16="http://schemas.microsoft.com/office/drawing/2014/main" xmlns="" id="{793713A0-A161-4C6E-8800-2346FF3E2506}"/>
+                <a16:creationId xmlns:a16="http://schemas.microsoft.com/office/drawing/2014/main" id="{793713A0-A161-4C6E-8800-2346FF3E2506}"/>
               </a:ext>
             </a:extLst>
           </p:cNvPr>
@@ -1219,7 +1218,7 @@
           <p:cNvPr id="5" name="Footer Placeholder 4">
             <a:extLst>
               <a:ext uri="{FF2B5EF4-FFF2-40B4-BE49-F238E27FC236}">
-                <a16:creationId xmlns:a16="http://schemas.microsoft.com/office/drawing/2014/main" xmlns="" id="{6EBF9E0C-2C69-4554-89FA-71D19F0F7BEA}"/>
+                <a16:creationId xmlns:a16="http://schemas.microsoft.com/office/drawing/2014/main" id="{6EBF9E0C-2C69-4554-89FA-71D19F0F7BEA}"/>
               </a:ext>
             </a:extLst>
           </p:cNvPr>
@@ -1244,7 +1243,7 @@
           <p:cNvPr id="6" name="Slide Number Placeholder 5">
             <a:extLst>
               <a:ext uri="{FF2B5EF4-FFF2-40B4-BE49-F238E27FC236}">
-                <a16:creationId xmlns:a16="http://schemas.microsoft.com/office/drawing/2014/main" xmlns="" id="{C5A00BEC-864C-45D4-91D3-4D659FC4ECC1}"/>
+                <a16:creationId xmlns:a16="http://schemas.microsoft.com/office/drawing/2014/main" id="{C5A00BEC-864C-45D4-91D3-4D659FC4ECC1}"/>
               </a:ext>
             </a:extLst>
           </p:cNvPr>
@@ -1303,7 +1302,7 @@
           <p:cNvPr id="2" name="Title 1">
             <a:extLst>
               <a:ext uri="{FF2B5EF4-FFF2-40B4-BE49-F238E27FC236}">
-                <a16:creationId xmlns:a16="http://schemas.microsoft.com/office/drawing/2014/main" xmlns="" id="{8B19B675-4B2C-4471-B90F-3ECA1B12778A}"/>
+                <a16:creationId xmlns:a16="http://schemas.microsoft.com/office/drawing/2014/main" id="{8B19B675-4B2C-4471-B90F-3ECA1B12778A}"/>
               </a:ext>
             </a:extLst>
           </p:cNvPr>
@@ -1331,7 +1330,7 @@
           <p:cNvPr id="3" name="Content Placeholder 2">
             <a:extLst>
               <a:ext uri="{FF2B5EF4-FFF2-40B4-BE49-F238E27FC236}">
-                <a16:creationId xmlns:a16="http://schemas.microsoft.com/office/drawing/2014/main" xmlns="" id="{1F113C16-B9DC-4721-884E-4F0313556AA1}"/>
+                <a16:creationId xmlns:a16="http://schemas.microsoft.com/office/drawing/2014/main" id="{1F113C16-B9DC-4721-884E-4F0313556AA1}"/>
               </a:ext>
             </a:extLst>
           </p:cNvPr>
@@ -1388,7 +1387,7 @@
           <p:cNvPr id="4" name="Date Placeholder 3">
             <a:extLst>
               <a:ext uri="{FF2B5EF4-FFF2-40B4-BE49-F238E27FC236}">
-                <a16:creationId xmlns:a16="http://schemas.microsoft.com/office/drawing/2014/main" xmlns="" id="{017B5D9B-FB04-4E0C-90A5-2CF8C88B2E1A}"/>
+                <a16:creationId xmlns:a16="http://schemas.microsoft.com/office/drawing/2014/main" id="{017B5D9B-FB04-4E0C-90A5-2CF8C88B2E1A}"/>
               </a:ext>
             </a:extLst>
           </p:cNvPr>
@@ -1417,7 +1416,7 @@
           <p:cNvPr id="5" name="Footer Placeholder 4">
             <a:extLst>
               <a:ext uri="{FF2B5EF4-FFF2-40B4-BE49-F238E27FC236}">
-                <a16:creationId xmlns:a16="http://schemas.microsoft.com/office/drawing/2014/main" xmlns="" id="{D079B496-ED47-4FE4-8197-BC38F6FEA284}"/>
+                <a16:creationId xmlns:a16="http://schemas.microsoft.com/office/drawing/2014/main" id="{D079B496-ED47-4FE4-8197-BC38F6FEA284}"/>
               </a:ext>
             </a:extLst>
           </p:cNvPr>
@@ -1442,7 +1441,7 @@
           <p:cNvPr id="6" name="Slide Number Placeholder 5">
             <a:extLst>
               <a:ext uri="{FF2B5EF4-FFF2-40B4-BE49-F238E27FC236}">
-                <a16:creationId xmlns:a16="http://schemas.microsoft.com/office/drawing/2014/main" xmlns="" id="{CA4C0928-0CF2-4548-A701-FDACC4639DEA}"/>
+                <a16:creationId xmlns:a16="http://schemas.microsoft.com/office/drawing/2014/main" id="{CA4C0928-0CF2-4548-A701-FDACC4639DEA}"/>
               </a:ext>
             </a:extLst>
           </p:cNvPr>
@@ -1501,7 +1500,7 @@
           <p:cNvPr id="2" name="Title 1">
             <a:extLst>
               <a:ext uri="{FF2B5EF4-FFF2-40B4-BE49-F238E27FC236}">
-                <a16:creationId xmlns:a16="http://schemas.microsoft.com/office/drawing/2014/main" xmlns="" id="{EEB9BA2D-F51B-45A6-BE61-D2801D7776BF}"/>
+                <a16:creationId xmlns:a16="http://schemas.microsoft.com/office/drawing/2014/main" id="{EEB9BA2D-F51B-45A6-BE61-D2801D7776BF}"/>
               </a:ext>
             </a:extLst>
           </p:cNvPr>
@@ -1538,7 +1537,7 @@
           <p:cNvPr id="3" name="Text Placeholder 2">
             <a:extLst>
               <a:ext uri="{FF2B5EF4-FFF2-40B4-BE49-F238E27FC236}">
-                <a16:creationId xmlns:a16="http://schemas.microsoft.com/office/drawing/2014/main" xmlns="" id="{9ADF59B7-8C00-4DDA-99D1-23EA2EA2E7A6}"/>
+                <a16:creationId xmlns:a16="http://schemas.microsoft.com/office/drawing/2014/main" id="{9ADF59B7-8C00-4DDA-99D1-23EA2EA2E7A6}"/>
               </a:ext>
             </a:extLst>
           </p:cNvPr>
@@ -1663,7 +1662,7 @@
           <p:cNvPr id="4" name="Date Placeholder 3">
             <a:extLst>
               <a:ext uri="{FF2B5EF4-FFF2-40B4-BE49-F238E27FC236}">
-                <a16:creationId xmlns:a16="http://schemas.microsoft.com/office/drawing/2014/main" xmlns="" id="{3ABBBF98-5C50-4680-B08C-8A6159C8EF6C}"/>
+                <a16:creationId xmlns:a16="http://schemas.microsoft.com/office/drawing/2014/main" id="{3ABBBF98-5C50-4680-B08C-8A6159C8EF6C}"/>
               </a:ext>
             </a:extLst>
           </p:cNvPr>
@@ -1692,7 +1691,7 @@
           <p:cNvPr id="5" name="Footer Placeholder 4">
             <a:extLst>
               <a:ext uri="{FF2B5EF4-FFF2-40B4-BE49-F238E27FC236}">
-                <a16:creationId xmlns:a16="http://schemas.microsoft.com/office/drawing/2014/main" xmlns="" id="{A37E2982-C1BD-475B-9F14-16414AB693A2}"/>
+                <a16:creationId xmlns:a16="http://schemas.microsoft.com/office/drawing/2014/main" id="{A37E2982-C1BD-475B-9F14-16414AB693A2}"/>
               </a:ext>
             </a:extLst>
           </p:cNvPr>
@@ -1717,7 +1716,7 @@
           <p:cNvPr id="6" name="Slide Number Placeholder 5">
             <a:extLst>
               <a:ext uri="{FF2B5EF4-FFF2-40B4-BE49-F238E27FC236}">
-                <a16:creationId xmlns:a16="http://schemas.microsoft.com/office/drawing/2014/main" xmlns="" id="{E27BF2DA-5501-44CE-91D0-93D94995E145}"/>
+                <a16:creationId xmlns:a16="http://schemas.microsoft.com/office/drawing/2014/main" id="{E27BF2DA-5501-44CE-91D0-93D94995E145}"/>
               </a:ext>
             </a:extLst>
           </p:cNvPr>
@@ -1776,7 +1775,7 @@
           <p:cNvPr id="2" name="Title 1">
             <a:extLst>
               <a:ext uri="{FF2B5EF4-FFF2-40B4-BE49-F238E27FC236}">
-                <a16:creationId xmlns:a16="http://schemas.microsoft.com/office/drawing/2014/main" xmlns="" id="{A30AFAAD-995B-4604-9212-156B8959C891}"/>
+                <a16:creationId xmlns:a16="http://schemas.microsoft.com/office/drawing/2014/main" id="{A30AFAAD-995B-4604-9212-156B8959C891}"/>
               </a:ext>
             </a:extLst>
           </p:cNvPr>
@@ -1804,7 +1803,7 @@
           <p:cNvPr id="3" name="Content Placeholder 2">
             <a:extLst>
               <a:ext uri="{FF2B5EF4-FFF2-40B4-BE49-F238E27FC236}">
-                <a16:creationId xmlns:a16="http://schemas.microsoft.com/office/drawing/2014/main" xmlns="" id="{C6B3622F-212A-4A9A-8843-3E433ADFC815}"/>
+                <a16:creationId xmlns:a16="http://schemas.microsoft.com/office/drawing/2014/main" id="{C6B3622F-212A-4A9A-8843-3E433ADFC815}"/>
               </a:ext>
             </a:extLst>
           </p:cNvPr>
@@ -1866,7 +1865,7 @@
           <p:cNvPr id="4" name="Content Placeholder 3">
             <a:extLst>
               <a:ext uri="{FF2B5EF4-FFF2-40B4-BE49-F238E27FC236}">
-                <a16:creationId xmlns:a16="http://schemas.microsoft.com/office/drawing/2014/main" xmlns="" id="{BF0BE2ED-93E4-4A03-AE9E-C0A133903495}"/>
+                <a16:creationId xmlns:a16="http://schemas.microsoft.com/office/drawing/2014/main" id="{BF0BE2ED-93E4-4A03-AE9E-C0A133903495}"/>
               </a:ext>
             </a:extLst>
           </p:cNvPr>
@@ -1928,7 +1927,7 @@
           <p:cNvPr id="5" name="Date Placeholder 4">
             <a:extLst>
               <a:ext uri="{FF2B5EF4-FFF2-40B4-BE49-F238E27FC236}">
-                <a16:creationId xmlns:a16="http://schemas.microsoft.com/office/drawing/2014/main" xmlns="" id="{005BA092-402C-4F8C-B94F-EAC62CAA5280}"/>
+                <a16:creationId xmlns:a16="http://schemas.microsoft.com/office/drawing/2014/main" id="{005BA092-402C-4F8C-B94F-EAC62CAA5280}"/>
               </a:ext>
             </a:extLst>
           </p:cNvPr>
@@ -1957,7 +1956,7 @@
           <p:cNvPr id="6" name="Footer Placeholder 5">
             <a:extLst>
               <a:ext uri="{FF2B5EF4-FFF2-40B4-BE49-F238E27FC236}">
-                <a16:creationId xmlns:a16="http://schemas.microsoft.com/office/drawing/2014/main" xmlns="" id="{F346F13A-B77B-4767-BC2C-F40B7F7B321B}"/>
+                <a16:creationId xmlns:a16="http://schemas.microsoft.com/office/drawing/2014/main" id="{F346F13A-B77B-4767-BC2C-F40B7F7B321B}"/>
               </a:ext>
             </a:extLst>
           </p:cNvPr>
@@ -1982,7 +1981,7 @@
           <p:cNvPr id="7" name="Slide Number Placeholder 6">
             <a:extLst>
               <a:ext uri="{FF2B5EF4-FFF2-40B4-BE49-F238E27FC236}">
-                <a16:creationId xmlns:a16="http://schemas.microsoft.com/office/drawing/2014/main" xmlns="" id="{A4DFB410-7477-423A-A51C-C7A81A435AB9}"/>
+                <a16:creationId xmlns:a16="http://schemas.microsoft.com/office/drawing/2014/main" id="{A4DFB410-7477-423A-A51C-C7A81A435AB9}"/>
               </a:ext>
             </a:extLst>
           </p:cNvPr>
@@ -2041,7 +2040,7 @@
           <p:cNvPr id="2" name="Title 1">
             <a:extLst>
               <a:ext uri="{FF2B5EF4-FFF2-40B4-BE49-F238E27FC236}">
-                <a16:creationId xmlns:a16="http://schemas.microsoft.com/office/drawing/2014/main" xmlns="" id="{DF789BDF-9887-4E48-AB55-826BA6529FFC}"/>
+                <a16:creationId xmlns:a16="http://schemas.microsoft.com/office/drawing/2014/main" id="{DF789BDF-9887-4E48-AB55-826BA6529FFC}"/>
               </a:ext>
             </a:extLst>
           </p:cNvPr>
@@ -2074,7 +2073,7 @@
           <p:cNvPr id="3" name="Text Placeholder 2">
             <a:extLst>
               <a:ext uri="{FF2B5EF4-FFF2-40B4-BE49-F238E27FC236}">
-                <a16:creationId xmlns:a16="http://schemas.microsoft.com/office/drawing/2014/main" xmlns="" id="{CAE0F728-3D80-4E94-9D84-387F2A6ADC6E}"/>
+                <a16:creationId xmlns:a16="http://schemas.microsoft.com/office/drawing/2014/main" id="{CAE0F728-3D80-4E94-9D84-387F2A6ADC6E}"/>
               </a:ext>
             </a:extLst>
           </p:cNvPr>
@@ -2145,7 +2144,7 @@
           <p:cNvPr id="4" name="Content Placeholder 3">
             <a:extLst>
               <a:ext uri="{FF2B5EF4-FFF2-40B4-BE49-F238E27FC236}">
-                <a16:creationId xmlns:a16="http://schemas.microsoft.com/office/drawing/2014/main" xmlns="" id="{15FC668B-0F96-4AAC-8F26-E7B9C7CDC61A}"/>
+                <a16:creationId xmlns:a16="http://schemas.microsoft.com/office/drawing/2014/main" id="{15FC668B-0F96-4AAC-8F26-E7B9C7CDC61A}"/>
               </a:ext>
             </a:extLst>
           </p:cNvPr>
@@ -2207,7 +2206,7 @@
           <p:cNvPr id="5" name="Text Placeholder 4">
             <a:extLst>
               <a:ext uri="{FF2B5EF4-FFF2-40B4-BE49-F238E27FC236}">
-                <a16:creationId xmlns:a16="http://schemas.microsoft.com/office/drawing/2014/main" xmlns="" id="{E7A98BE7-91C1-4ED1-A598-D93DE15FAA7C}"/>
+                <a16:creationId xmlns:a16="http://schemas.microsoft.com/office/drawing/2014/main" id="{E7A98BE7-91C1-4ED1-A598-D93DE15FAA7C}"/>
               </a:ext>
             </a:extLst>
           </p:cNvPr>
@@ -2278,7 +2277,7 @@
           <p:cNvPr id="6" name="Content Placeholder 5">
             <a:extLst>
               <a:ext uri="{FF2B5EF4-FFF2-40B4-BE49-F238E27FC236}">
-                <a16:creationId xmlns:a16="http://schemas.microsoft.com/office/drawing/2014/main" xmlns="" id="{5A79F57F-C82A-418E-BB71-D55B20C61CF5}"/>
+                <a16:creationId xmlns:a16="http://schemas.microsoft.com/office/drawing/2014/main" id="{5A79F57F-C82A-418E-BB71-D55B20C61CF5}"/>
               </a:ext>
             </a:extLst>
           </p:cNvPr>
@@ -2340,7 +2339,7 @@
           <p:cNvPr id="7" name="Date Placeholder 6">
             <a:extLst>
               <a:ext uri="{FF2B5EF4-FFF2-40B4-BE49-F238E27FC236}">
-                <a16:creationId xmlns:a16="http://schemas.microsoft.com/office/drawing/2014/main" xmlns="" id="{BDA0434A-823B-4C2B-A311-57EFD867D157}"/>
+                <a16:creationId xmlns:a16="http://schemas.microsoft.com/office/drawing/2014/main" id="{BDA0434A-823B-4C2B-A311-57EFD867D157}"/>
               </a:ext>
             </a:extLst>
           </p:cNvPr>
@@ -2369,7 +2368,7 @@
           <p:cNvPr id="8" name="Footer Placeholder 7">
             <a:extLst>
               <a:ext uri="{FF2B5EF4-FFF2-40B4-BE49-F238E27FC236}">
-                <a16:creationId xmlns:a16="http://schemas.microsoft.com/office/drawing/2014/main" xmlns="" id="{D2F5CB75-1EBC-4F44-A7EA-518788A2982C}"/>
+                <a16:creationId xmlns:a16="http://schemas.microsoft.com/office/drawing/2014/main" id="{D2F5CB75-1EBC-4F44-A7EA-518788A2982C}"/>
               </a:ext>
             </a:extLst>
           </p:cNvPr>
@@ -2394,7 +2393,7 @@
           <p:cNvPr id="9" name="Slide Number Placeholder 8">
             <a:extLst>
               <a:ext uri="{FF2B5EF4-FFF2-40B4-BE49-F238E27FC236}">
-                <a16:creationId xmlns:a16="http://schemas.microsoft.com/office/drawing/2014/main" xmlns="" id="{C955013A-3F29-450C-A9E6-DF4A9486F7F7}"/>
+                <a16:creationId xmlns:a16="http://schemas.microsoft.com/office/drawing/2014/main" id="{C955013A-3F29-450C-A9E6-DF4A9486F7F7}"/>
               </a:ext>
             </a:extLst>
           </p:cNvPr>
@@ -2453,7 +2452,7 @@
           <p:cNvPr id="2" name="Title 1">
             <a:extLst>
               <a:ext uri="{FF2B5EF4-FFF2-40B4-BE49-F238E27FC236}">
-                <a16:creationId xmlns:a16="http://schemas.microsoft.com/office/drawing/2014/main" xmlns="" id="{5403475F-47BD-4F4B-B811-D06CF5DC0F49}"/>
+                <a16:creationId xmlns:a16="http://schemas.microsoft.com/office/drawing/2014/main" id="{5403475F-47BD-4F4B-B811-D06CF5DC0F49}"/>
               </a:ext>
             </a:extLst>
           </p:cNvPr>
@@ -2481,7 +2480,7 @@
           <p:cNvPr id="3" name="Date Placeholder 2">
             <a:extLst>
               <a:ext uri="{FF2B5EF4-FFF2-40B4-BE49-F238E27FC236}">
-                <a16:creationId xmlns:a16="http://schemas.microsoft.com/office/drawing/2014/main" xmlns="" id="{1A004AF1-9DA6-43EE-948B-FC7E9B5BE895}"/>
+                <a16:creationId xmlns:a16="http://schemas.microsoft.com/office/drawing/2014/main" id="{1A004AF1-9DA6-43EE-948B-FC7E9B5BE895}"/>
               </a:ext>
             </a:extLst>
           </p:cNvPr>
@@ -2510,7 +2509,7 @@
           <p:cNvPr id="4" name="Footer Placeholder 3">
             <a:extLst>
               <a:ext uri="{FF2B5EF4-FFF2-40B4-BE49-F238E27FC236}">
-                <a16:creationId xmlns:a16="http://schemas.microsoft.com/office/drawing/2014/main" xmlns="" id="{41FD9F41-E00F-4AEB-A88A-4130D5F6C94E}"/>
+                <a16:creationId xmlns:a16="http://schemas.microsoft.com/office/drawing/2014/main" id="{41FD9F41-E00F-4AEB-A88A-4130D5F6C94E}"/>
               </a:ext>
             </a:extLst>
           </p:cNvPr>
@@ -2535,7 +2534,7 @@
           <p:cNvPr id="5" name="Slide Number Placeholder 4">
             <a:extLst>
               <a:ext uri="{FF2B5EF4-FFF2-40B4-BE49-F238E27FC236}">
-                <a16:creationId xmlns:a16="http://schemas.microsoft.com/office/drawing/2014/main" xmlns="" id="{7A09C890-9D27-4E5F-B400-5B09121380EB}"/>
+                <a16:creationId xmlns:a16="http://schemas.microsoft.com/office/drawing/2014/main" id="{7A09C890-9D27-4E5F-B400-5B09121380EB}"/>
               </a:ext>
             </a:extLst>
           </p:cNvPr>
@@ -2594,7 +2593,7 @@
           <p:cNvPr id="2" name="Date Placeholder 1">
             <a:extLst>
               <a:ext uri="{FF2B5EF4-FFF2-40B4-BE49-F238E27FC236}">
-                <a16:creationId xmlns:a16="http://schemas.microsoft.com/office/drawing/2014/main" xmlns="" id="{47A64776-A7C7-47CE-8372-D9695AB5C91A}"/>
+                <a16:creationId xmlns:a16="http://schemas.microsoft.com/office/drawing/2014/main" id="{47A64776-A7C7-47CE-8372-D9695AB5C91A}"/>
               </a:ext>
             </a:extLst>
           </p:cNvPr>
@@ -2623,7 +2622,7 @@
           <p:cNvPr id="3" name="Footer Placeholder 2">
             <a:extLst>
               <a:ext uri="{FF2B5EF4-FFF2-40B4-BE49-F238E27FC236}">
-                <a16:creationId xmlns:a16="http://schemas.microsoft.com/office/drawing/2014/main" xmlns="" id="{DE44850C-BB73-495D-BF8F-B35FDC4FA111}"/>
+                <a16:creationId xmlns:a16="http://schemas.microsoft.com/office/drawing/2014/main" id="{DE44850C-BB73-495D-BF8F-B35FDC4FA111}"/>
               </a:ext>
             </a:extLst>
           </p:cNvPr>
@@ -2648,7 +2647,7 @@
           <p:cNvPr id="4" name="Slide Number Placeholder 3">
             <a:extLst>
               <a:ext uri="{FF2B5EF4-FFF2-40B4-BE49-F238E27FC236}">
-                <a16:creationId xmlns:a16="http://schemas.microsoft.com/office/drawing/2014/main" xmlns="" id="{3874982A-DFF2-4757-8829-D7B517A1977C}"/>
+                <a16:creationId xmlns:a16="http://schemas.microsoft.com/office/drawing/2014/main" id="{3874982A-DFF2-4757-8829-D7B517A1977C}"/>
               </a:ext>
             </a:extLst>
           </p:cNvPr>
@@ -2707,7 +2706,7 @@
           <p:cNvPr id="2" name="Title 1">
             <a:extLst>
               <a:ext uri="{FF2B5EF4-FFF2-40B4-BE49-F238E27FC236}">
-                <a16:creationId xmlns:a16="http://schemas.microsoft.com/office/drawing/2014/main" xmlns="" id="{22857FB8-D400-4CDE-A72A-9F8395DABFF7}"/>
+                <a16:creationId xmlns:a16="http://schemas.microsoft.com/office/drawing/2014/main" id="{22857FB8-D400-4CDE-A72A-9F8395DABFF7}"/>
               </a:ext>
             </a:extLst>
           </p:cNvPr>
@@ -2744,7 +2743,7 @@
           <p:cNvPr id="3" name="Content Placeholder 2">
             <a:extLst>
               <a:ext uri="{FF2B5EF4-FFF2-40B4-BE49-F238E27FC236}">
-                <a16:creationId xmlns:a16="http://schemas.microsoft.com/office/drawing/2014/main" xmlns="" id="{F8737B03-CE8E-4FF4-84C0-E26EBAA9B98C}"/>
+                <a16:creationId xmlns:a16="http://schemas.microsoft.com/office/drawing/2014/main" id="{F8737B03-CE8E-4FF4-84C0-E26EBAA9B98C}"/>
               </a:ext>
             </a:extLst>
           </p:cNvPr>
@@ -2834,7 +2833,7 @@
           <p:cNvPr id="4" name="Text Placeholder 3">
             <a:extLst>
               <a:ext uri="{FF2B5EF4-FFF2-40B4-BE49-F238E27FC236}">
-                <a16:creationId xmlns:a16="http://schemas.microsoft.com/office/drawing/2014/main" xmlns="" id="{E247548C-B405-41D1-AC24-03ED05E955EA}"/>
+                <a16:creationId xmlns:a16="http://schemas.microsoft.com/office/drawing/2014/main" id="{E247548C-B405-41D1-AC24-03ED05E955EA}"/>
               </a:ext>
             </a:extLst>
           </p:cNvPr>
@@ -2905,7 +2904,7 @@
           <p:cNvPr id="5" name="Date Placeholder 4">
             <a:extLst>
               <a:ext uri="{FF2B5EF4-FFF2-40B4-BE49-F238E27FC236}">
-                <a16:creationId xmlns:a16="http://schemas.microsoft.com/office/drawing/2014/main" xmlns="" id="{9234E1DA-AC50-4D0B-B0F1-3527F6F307B0}"/>
+                <a16:creationId xmlns:a16="http://schemas.microsoft.com/office/drawing/2014/main" id="{9234E1DA-AC50-4D0B-B0F1-3527F6F307B0}"/>
               </a:ext>
             </a:extLst>
           </p:cNvPr>
@@ -2934,7 +2933,7 @@
           <p:cNvPr id="6" name="Footer Placeholder 5">
             <a:extLst>
               <a:ext uri="{FF2B5EF4-FFF2-40B4-BE49-F238E27FC236}">
-                <a16:creationId xmlns:a16="http://schemas.microsoft.com/office/drawing/2014/main" xmlns="" id="{8CAD98F7-086A-486A-BBED-E108DA9B8ACF}"/>
+                <a16:creationId xmlns:a16="http://schemas.microsoft.com/office/drawing/2014/main" id="{8CAD98F7-086A-486A-BBED-E108DA9B8ACF}"/>
               </a:ext>
             </a:extLst>
           </p:cNvPr>
@@ -2959,7 +2958,7 @@
           <p:cNvPr id="7" name="Slide Number Placeholder 6">
             <a:extLst>
               <a:ext uri="{FF2B5EF4-FFF2-40B4-BE49-F238E27FC236}">
-                <a16:creationId xmlns:a16="http://schemas.microsoft.com/office/drawing/2014/main" xmlns="" id="{656E4DFA-5A05-4C62-A419-DD6C15623FA7}"/>
+                <a16:creationId xmlns:a16="http://schemas.microsoft.com/office/drawing/2014/main" id="{656E4DFA-5A05-4C62-A419-DD6C15623FA7}"/>
               </a:ext>
             </a:extLst>
           </p:cNvPr>
@@ -3018,7 +3017,7 @@
           <p:cNvPr id="2" name="Title 1">
             <a:extLst>
               <a:ext uri="{FF2B5EF4-FFF2-40B4-BE49-F238E27FC236}">
-                <a16:creationId xmlns:a16="http://schemas.microsoft.com/office/drawing/2014/main" xmlns="" id="{E3F93F11-B4C4-44EB-8497-5FD9F6F7BBDA}"/>
+                <a16:creationId xmlns:a16="http://schemas.microsoft.com/office/drawing/2014/main" id="{E3F93F11-B4C4-44EB-8497-5FD9F6F7BBDA}"/>
               </a:ext>
             </a:extLst>
           </p:cNvPr>
@@ -3055,7 +3054,7 @@
           <p:cNvPr id="3" name="Picture Placeholder 2">
             <a:extLst>
               <a:ext uri="{FF2B5EF4-FFF2-40B4-BE49-F238E27FC236}">
-                <a16:creationId xmlns:a16="http://schemas.microsoft.com/office/drawing/2014/main" xmlns="" id="{2C529FE8-60F3-41B7-9B8A-F7FE207366B4}"/>
+                <a16:creationId xmlns:a16="http://schemas.microsoft.com/office/drawing/2014/main" id="{2C529FE8-60F3-41B7-9B8A-F7FE207366B4}"/>
               </a:ext>
             </a:extLst>
           </p:cNvPr>
@@ -3122,7 +3121,7 @@
           <p:cNvPr id="4" name="Text Placeholder 3">
             <a:extLst>
               <a:ext uri="{FF2B5EF4-FFF2-40B4-BE49-F238E27FC236}">
-                <a16:creationId xmlns:a16="http://schemas.microsoft.com/office/drawing/2014/main" xmlns="" id="{330DABBB-3F34-4491-9E0A-B3C384B29307}"/>
+                <a16:creationId xmlns:a16="http://schemas.microsoft.com/office/drawing/2014/main" id="{330DABBB-3F34-4491-9E0A-B3C384B29307}"/>
               </a:ext>
             </a:extLst>
           </p:cNvPr>
@@ -3193,7 +3192,7 @@
           <p:cNvPr id="5" name="Date Placeholder 4">
             <a:extLst>
               <a:ext uri="{FF2B5EF4-FFF2-40B4-BE49-F238E27FC236}">
-                <a16:creationId xmlns:a16="http://schemas.microsoft.com/office/drawing/2014/main" xmlns="" id="{C745AC4C-52DA-45ED-8C4F-BAF914D1BB5E}"/>
+                <a16:creationId xmlns:a16="http://schemas.microsoft.com/office/drawing/2014/main" id="{C745AC4C-52DA-45ED-8C4F-BAF914D1BB5E}"/>
               </a:ext>
             </a:extLst>
           </p:cNvPr>
@@ -3222,7 +3221,7 @@
           <p:cNvPr id="6" name="Footer Placeholder 5">
             <a:extLst>
               <a:ext uri="{FF2B5EF4-FFF2-40B4-BE49-F238E27FC236}">
-                <a16:creationId xmlns:a16="http://schemas.microsoft.com/office/drawing/2014/main" xmlns="" id="{D300B29F-F10D-4B51-9131-D34A1703C10A}"/>
+                <a16:creationId xmlns:a16="http://schemas.microsoft.com/office/drawing/2014/main" id="{D300B29F-F10D-4B51-9131-D34A1703C10A}"/>
               </a:ext>
             </a:extLst>
           </p:cNvPr>
@@ -3247,7 +3246,7 @@
           <p:cNvPr id="7" name="Slide Number Placeholder 6">
             <a:extLst>
               <a:ext uri="{FF2B5EF4-FFF2-40B4-BE49-F238E27FC236}">
-                <a16:creationId xmlns:a16="http://schemas.microsoft.com/office/drawing/2014/main" xmlns="" id="{03B21FFE-0419-4871-A270-563F8A38E656}"/>
+                <a16:creationId xmlns:a16="http://schemas.microsoft.com/office/drawing/2014/main" id="{03B21FFE-0419-4871-A270-563F8A38E656}"/>
               </a:ext>
             </a:extLst>
           </p:cNvPr>
@@ -3311,7 +3310,7 @@
           <p:cNvPr id="2" name="Title Placeholder 1">
             <a:extLst>
               <a:ext uri="{FF2B5EF4-FFF2-40B4-BE49-F238E27FC236}">
-                <a16:creationId xmlns:a16="http://schemas.microsoft.com/office/drawing/2014/main" xmlns="" id="{75FE5171-193B-4890-BA34-3936E6F5EFFB}"/>
+                <a16:creationId xmlns:a16="http://schemas.microsoft.com/office/drawing/2014/main" id="{75FE5171-193B-4890-BA34-3936E6F5EFFB}"/>
               </a:ext>
             </a:extLst>
           </p:cNvPr>
@@ -3349,7 +3348,7 @@
           <p:cNvPr id="3" name="Text Placeholder 2">
             <a:extLst>
               <a:ext uri="{FF2B5EF4-FFF2-40B4-BE49-F238E27FC236}">
-                <a16:creationId xmlns:a16="http://schemas.microsoft.com/office/drawing/2014/main" xmlns="" id="{B7BC1E7E-9B81-4541-A9FF-4090CFAD0C38}"/>
+                <a16:creationId xmlns:a16="http://schemas.microsoft.com/office/drawing/2014/main" id="{B7BC1E7E-9B81-4541-A9FF-4090CFAD0C38}"/>
               </a:ext>
             </a:extLst>
           </p:cNvPr>
@@ -3416,7 +3415,7 @@
           <p:cNvPr id="4" name="Date Placeholder 3">
             <a:extLst>
               <a:ext uri="{FF2B5EF4-FFF2-40B4-BE49-F238E27FC236}">
-                <a16:creationId xmlns:a16="http://schemas.microsoft.com/office/drawing/2014/main" xmlns="" id="{05683D45-D2E9-4AB3-8962-7C3C367D820E}"/>
+                <a16:creationId xmlns:a16="http://schemas.microsoft.com/office/drawing/2014/main" id="{05683D45-D2E9-4AB3-8962-7C3C367D820E}"/>
               </a:ext>
             </a:extLst>
           </p:cNvPr>
@@ -3463,7 +3462,7 @@
           <p:cNvPr id="5" name="Footer Placeholder 4">
             <a:extLst>
               <a:ext uri="{FF2B5EF4-FFF2-40B4-BE49-F238E27FC236}">
-                <a16:creationId xmlns:a16="http://schemas.microsoft.com/office/drawing/2014/main" xmlns="" id="{E29C4EAB-AECB-4FF6-A578-57041E87BC4D}"/>
+                <a16:creationId xmlns:a16="http://schemas.microsoft.com/office/drawing/2014/main" id="{E29C4EAB-AECB-4FF6-A578-57041E87BC4D}"/>
               </a:ext>
             </a:extLst>
           </p:cNvPr>
@@ -3506,7 +3505,7 @@
           <p:cNvPr id="6" name="Slide Number Placeholder 5">
             <a:extLst>
               <a:ext uri="{FF2B5EF4-FFF2-40B4-BE49-F238E27FC236}">
-                <a16:creationId xmlns:a16="http://schemas.microsoft.com/office/drawing/2014/main" xmlns="" id="{286168DF-8243-4490-B3C5-076A0AF18F02}"/>
+                <a16:creationId xmlns:a16="http://schemas.microsoft.com/office/drawing/2014/main" id="{286168DF-8243-4490-B3C5-076A0AF18F02}"/>
               </a:ext>
             </a:extLst>
           </p:cNvPr>
@@ -3874,7 +3873,7 @@
           <p:cNvPr id="2" name="Title 1">
             <a:extLst>
               <a:ext uri="{FF2B5EF4-FFF2-40B4-BE49-F238E27FC236}">
-                <a16:creationId xmlns:a16="http://schemas.microsoft.com/office/drawing/2014/main" xmlns="" id="{165A896C-9413-48AF-8D22-A688D583E8E6}"/>
+                <a16:creationId xmlns:a16="http://schemas.microsoft.com/office/drawing/2014/main" id="{165A896C-9413-48AF-8D22-A688D583E8E6}"/>
               </a:ext>
             </a:extLst>
           </p:cNvPr>
@@ -3902,7 +3901,7 @@
           <p:cNvPr id="3" name="Subtitle 2">
             <a:extLst>
               <a:ext uri="{FF2B5EF4-FFF2-40B4-BE49-F238E27FC236}">
-                <a16:creationId xmlns:a16="http://schemas.microsoft.com/office/drawing/2014/main" xmlns="" id="{E1DF4835-1414-40BF-89BE-829E809DC678}"/>
+                <a16:creationId xmlns:a16="http://schemas.microsoft.com/office/drawing/2014/main" id="{E1DF4835-1414-40BF-89BE-829E809DC678}"/>
               </a:ext>
             </a:extLst>
           </p:cNvPr>
@@ -3960,7 +3959,7 @@
           <p:cNvPr id="2" name="Title 1">
             <a:extLst>
               <a:ext uri="{FF2B5EF4-FFF2-40B4-BE49-F238E27FC236}">
-                <a16:creationId xmlns:a16="http://schemas.microsoft.com/office/drawing/2014/main" xmlns="" id="{E872F28C-D38C-4540-839F-24D0C5FD6590}"/>
+                <a16:creationId xmlns:a16="http://schemas.microsoft.com/office/drawing/2014/main" id="{E872F28C-D38C-4540-839F-24D0C5FD6590}"/>
               </a:ext>
             </a:extLst>
           </p:cNvPr>
@@ -3988,7 +3987,7 @@
           <p:cNvPr id="3" name="Content Placeholder 2">
             <a:extLst>
               <a:ext uri="{FF2B5EF4-FFF2-40B4-BE49-F238E27FC236}">
-                <a16:creationId xmlns:a16="http://schemas.microsoft.com/office/drawing/2014/main" xmlns="" id="{C4A875DD-85D8-48B2-9B66-EFE643EDAE59}"/>
+                <a16:creationId xmlns:a16="http://schemas.microsoft.com/office/drawing/2014/main" id="{C4A875DD-85D8-48B2-9B66-EFE643EDAE59}"/>
               </a:ext>
             </a:extLst>
           </p:cNvPr>
@@ -4115,7 +4114,7 @@
           <p:cNvPr id="2" name="Title 1">
             <a:extLst>
               <a:ext uri="{FF2B5EF4-FFF2-40B4-BE49-F238E27FC236}">
-                <a16:creationId xmlns:a16="http://schemas.microsoft.com/office/drawing/2014/main" xmlns="" id="{538DACAF-65EC-4B8C-B3FD-1F2F0DDA3F39}"/>
+                <a16:creationId xmlns:a16="http://schemas.microsoft.com/office/drawing/2014/main" id="{538DACAF-65EC-4B8C-B3FD-1F2F0DDA3F39}"/>
               </a:ext>
             </a:extLst>
           </p:cNvPr>
@@ -4143,7 +4142,7 @@
           <p:cNvPr id="3" name="Content Placeholder 2">
             <a:extLst>
               <a:ext uri="{FF2B5EF4-FFF2-40B4-BE49-F238E27FC236}">
-                <a16:creationId xmlns:a16="http://schemas.microsoft.com/office/drawing/2014/main" xmlns="" id="{EA67FDCD-AF45-421A-BAD9-238083DD81D1}"/>
+                <a16:creationId xmlns:a16="http://schemas.microsoft.com/office/drawing/2014/main" id="{EA67FDCD-AF45-421A-BAD9-238083DD81D1}"/>
               </a:ext>
             </a:extLst>
           </p:cNvPr>
@@ -4225,7 +4224,7 @@
           <p:cNvPr id="2" name="Title 1">
             <a:extLst>
               <a:ext uri="{FF2B5EF4-FFF2-40B4-BE49-F238E27FC236}">
-                <a16:creationId xmlns:a16="http://schemas.microsoft.com/office/drawing/2014/main" xmlns="" id="{07CDFC1B-34A5-4533-85A1-529C016A7990}"/>
+                <a16:creationId xmlns:a16="http://schemas.microsoft.com/office/drawing/2014/main" id="{07CDFC1B-34A5-4533-85A1-529C016A7990}"/>
               </a:ext>
             </a:extLst>
           </p:cNvPr>
@@ -4253,7 +4252,7 @@
           <p:cNvPr id="3" name="Content Placeholder 2">
             <a:extLst>
               <a:ext uri="{FF2B5EF4-FFF2-40B4-BE49-F238E27FC236}">
-                <a16:creationId xmlns:a16="http://schemas.microsoft.com/office/drawing/2014/main" xmlns="" id="{70193525-A955-4C86-8224-EAE29A552654}"/>
+                <a16:creationId xmlns:a16="http://schemas.microsoft.com/office/drawing/2014/main" id="{70193525-A955-4C86-8224-EAE29A552654}"/>
               </a:ext>
             </a:extLst>
           </p:cNvPr>
@@ -4352,7 +4351,7 @@
           <p:cNvPr id="2" name="Title 1">
             <a:extLst>
               <a:ext uri="{FF2B5EF4-FFF2-40B4-BE49-F238E27FC236}">
-                <a16:creationId xmlns:a16="http://schemas.microsoft.com/office/drawing/2014/main" xmlns="" id="{598E376B-BB73-43DA-9D07-50379448F4B4}"/>
+                <a16:creationId xmlns:a16="http://schemas.microsoft.com/office/drawing/2014/main" id="{598E376B-BB73-43DA-9D07-50379448F4B4}"/>
               </a:ext>
             </a:extLst>
           </p:cNvPr>
@@ -4380,7 +4379,7 @@
           <p:cNvPr id="3" name="Content Placeholder 2">
             <a:extLst>
               <a:ext uri="{FF2B5EF4-FFF2-40B4-BE49-F238E27FC236}">
-                <a16:creationId xmlns:a16="http://schemas.microsoft.com/office/drawing/2014/main" xmlns="" id="{F1C03BEB-D286-4B8F-B996-D5E6DAF51B5E}"/>
+                <a16:creationId xmlns:a16="http://schemas.microsoft.com/office/drawing/2014/main" id="{F1C03BEB-D286-4B8F-B996-D5E6DAF51B5E}"/>
               </a:ext>
             </a:extLst>
           </p:cNvPr>
@@ -4481,7 +4480,7 @@
           <p:cNvPr id="2" name="Title 1">
             <a:extLst>
               <a:ext uri="{FF2B5EF4-FFF2-40B4-BE49-F238E27FC236}">
-                <a16:creationId xmlns:a16="http://schemas.microsoft.com/office/drawing/2014/main" xmlns="" id="{433812C3-77B3-4361-A9FD-AF455950FD3D}"/>
+                <a16:creationId xmlns:a16="http://schemas.microsoft.com/office/drawing/2014/main" id="{433812C3-77B3-4361-A9FD-AF455950FD3D}"/>
               </a:ext>
             </a:extLst>
           </p:cNvPr>
@@ -4509,7 +4508,7 @@
           <p:cNvPr id="3" name="Content Placeholder 2">
             <a:extLst>
               <a:ext uri="{FF2B5EF4-FFF2-40B4-BE49-F238E27FC236}">
-                <a16:creationId xmlns:a16="http://schemas.microsoft.com/office/drawing/2014/main" xmlns="" id="{D974E8C5-1EE7-4E8C-B905-A027DDD00B62}"/>
+                <a16:creationId xmlns:a16="http://schemas.microsoft.com/office/drawing/2014/main" id="{D974E8C5-1EE7-4E8C-B905-A027DDD00B62}"/>
               </a:ext>
             </a:extLst>
           </p:cNvPr>
@@ -4636,7 +4635,7 @@
           <p:cNvPr id="2" name="Title 1">
             <a:extLst>
               <a:ext uri="{FF2B5EF4-FFF2-40B4-BE49-F238E27FC236}">
-                <a16:creationId xmlns:a16="http://schemas.microsoft.com/office/drawing/2014/main" xmlns="" id="{F48FFDBB-E476-4A84-B75B-16145604EC8C}"/>
+                <a16:creationId xmlns:a16="http://schemas.microsoft.com/office/drawing/2014/main" id="{F48FFDBB-E476-4A84-B75B-16145604EC8C}"/>
               </a:ext>
             </a:extLst>
           </p:cNvPr>
@@ -4665,7 +4664,7 @@
           <p:cNvPr id="3" name="Content Placeholder 2">
             <a:extLst>
               <a:ext uri="{FF2B5EF4-FFF2-40B4-BE49-F238E27FC236}">
-                <a16:creationId xmlns:a16="http://schemas.microsoft.com/office/drawing/2014/main" xmlns="" id="{5E71D35C-2A18-437F-B50A-FDE3E7BDF612}"/>
+                <a16:creationId xmlns:a16="http://schemas.microsoft.com/office/drawing/2014/main" id="{5E71D35C-2A18-437F-B50A-FDE3E7BDF612}"/>
               </a:ext>
             </a:extLst>
           </p:cNvPr>
@@ -4781,7 +4780,7 @@
           <p:cNvPr id="2" name="Title 1">
             <a:extLst>
               <a:ext uri="{FF2B5EF4-FFF2-40B4-BE49-F238E27FC236}">
-                <a16:creationId xmlns:a16="http://schemas.microsoft.com/office/drawing/2014/main" xmlns="" id="{7D61D8D7-81FC-4A52-9EB1-BDDB2CF6D490}"/>
+                <a16:creationId xmlns:a16="http://schemas.microsoft.com/office/drawing/2014/main" id="{7D61D8D7-81FC-4A52-9EB1-BDDB2CF6D490}"/>
               </a:ext>
             </a:extLst>
           </p:cNvPr>
@@ -4813,7 +4812,7 @@
           <p:cNvPr id="3" name="Content Placeholder 2">
             <a:extLst>
               <a:ext uri="{FF2B5EF4-FFF2-40B4-BE49-F238E27FC236}">
-                <a16:creationId xmlns:a16="http://schemas.microsoft.com/office/drawing/2014/main" xmlns="" id="{4548D1EC-1095-45DE-A6CD-B1EEE1F05DC5}"/>
+                <a16:creationId xmlns:a16="http://schemas.microsoft.com/office/drawing/2014/main" id="{4548D1EC-1095-45DE-A6CD-B1EEE1F05DC5}"/>
               </a:ext>
             </a:extLst>
           </p:cNvPr>
@@ -4910,7 +4909,7 @@
           <p:cNvPr id="2" name="Title 1">
             <a:extLst>
               <a:ext uri="{FF2B5EF4-FFF2-40B4-BE49-F238E27FC236}">
-                <a16:creationId xmlns:a16="http://schemas.microsoft.com/office/drawing/2014/main" xmlns="" id="{3100F95D-9512-4522-9C09-8173520F6C18}"/>
+                <a16:creationId xmlns:a16="http://schemas.microsoft.com/office/drawing/2014/main" id="{3100F95D-9512-4522-9C09-8173520F6C18}"/>
               </a:ext>
             </a:extLst>
           </p:cNvPr>
@@ -4942,7 +4941,7 @@
           <p:cNvPr id="3" name="Content Placeholder 2">
             <a:extLst>
               <a:ext uri="{FF2B5EF4-FFF2-40B4-BE49-F238E27FC236}">
-                <a16:creationId xmlns:a16="http://schemas.microsoft.com/office/drawing/2014/main" xmlns="" id="{7E1EA454-2C70-41EC-A4EE-C0D746FE7190}"/>
+                <a16:creationId xmlns:a16="http://schemas.microsoft.com/office/drawing/2014/main" id="{7E1EA454-2C70-41EC-A4EE-C0D746FE7190}"/>
               </a:ext>
             </a:extLst>
           </p:cNvPr>
@@ -5032,7 +5031,7 @@
           <p:cNvPr id="2" name="Title 1">
             <a:extLst>
               <a:ext uri="{FF2B5EF4-FFF2-40B4-BE49-F238E27FC236}">
-                <a16:creationId xmlns:a16="http://schemas.microsoft.com/office/drawing/2014/main" xmlns="" id="{A67FC9D6-5183-4693-903F-32360C467B34}"/>
+                <a16:creationId xmlns:a16="http://schemas.microsoft.com/office/drawing/2014/main" id="{A67FC9D6-5183-4693-903F-32360C467B34}"/>
               </a:ext>
             </a:extLst>
           </p:cNvPr>
@@ -5060,7 +5059,7 @@
           <p:cNvPr id="3" name="Content Placeholder 2">
             <a:extLst>
               <a:ext uri="{FF2B5EF4-FFF2-40B4-BE49-F238E27FC236}">
-                <a16:creationId xmlns:a16="http://schemas.microsoft.com/office/drawing/2014/main" xmlns="" id="{97472CC3-EFEA-4ACB-80C5-9F6FCEC40299}"/>
+                <a16:creationId xmlns:a16="http://schemas.microsoft.com/office/drawing/2014/main" id="{97472CC3-EFEA-4ACB-80C5-9F6FCEC40299}"/>
               </a:ext>
             </a:extLst>
           </p:cNvPr>
@@ -5166,7 +5165,7 @@
           <p:cNvPr id="2" name="Title 1">
             <a:extLst>
               <a:ext uri="{FF2B5EF4-FFF2-40B4-BE49-F238E27FC236}">
-                <a16:creationId xmlns:a16="http://schemas.microsoft.com/office/drawing/2014/main" xmlns="" id="{F4812184-508D-4F79-8A35-93F3FC1BF718}"/>
+                <a16:creationId xmlns:a16="http://schemas.microsoft.com/office/drawing/2014/main" id="{F4812184-508D-4F79-8A35-93F3FC1BF718}"/>
               </a:ext>
             </a:extLst>
           </p:cNvPr>
@@ -5194,7 +5193,7 @@
           <p:cNvPr id="3" name="Content Placeholder 2">
             <a:extLst>
               <a:ext uri="{FF2B5EF4-FFF2-40B4-BE49-F238E27FC236}">
-                <a16:creationId xmlns:a16="http://schemas.microsoft.com/office/drawing/2014/main" xmlns="" id="{531F3493-BDD3-456A-9B53-7E1781337EFC}"/>
+                <a16:creationId xmlns:a16="http://schemas.microsoft.com/office/drawing/2014/main" id="{531F3493-BDD3-456A-9B53-7E1781337EFC}"/>
               </a:ext>
             </a:extLst>
           </p:cNvPr>
@@ -5212,7 +5211,7 @@
           <a:p>
             <a:r>
               <a:rPr lang="en-US" dirty="0"/>
-              <a:t>To get the commit history for a remote repository, the fetch command is used.</a:t>
+              <a:t>Fetch creates or updates all remote branches of the local repository with the content from the remote repository.</a:t>
             </a:r>
           </a:p>
           <a:p>
@@ -5241,18 +5240,11 @@
           <a:p>
             <a:r>
               <a:rPr lang="en-US" dirty="0"/>
-              <a:t>Fetching creates remote branches in your local repository for all branches in the remote repository.</a:t>
-            </a:r>
-          </a:p>
-          <a:p>
-            <a:pPr lvl="1"/>
-            <a:r>
-              <a:rPr lang="en-US" dirty="0"/>
               <a:t>To fetch immediately after adding remote repository: </a:t>
             </a:r>
           </a:p>
           <a:p>
-            <a:pPr lvl="2"/>
+            <a:pPr lvl="1"/>
             <a:r>
               <a:rPr lang="en-US" dirty="0"/>
               <a:t>git remote add –f &lt;</a:t>
@@ -5486,7 +5478,7 @@
           <p:cNvPr id="2" name="Title 1">
             <a:extLst>
               <a:ext uri="{FF2B5EF4-FFF2-40B4-BE49-F238E27FC236}">
-                <a16:creationId xmlns:a16="http://schemas.microsoft.com/office/drawing/2014/main" xmlns="" id="{D235AA31-1C0C-4484-A92B-8FD77E481FEA}"/>
+                <a16:creationId xmlns:a16="http://schemas.microsoft.com/office/drawing/2014/main" id="{7CC8A1B4-5AD8-4D9D-B726-61D8096C06B0}"/>
               </a:ext>
             </a:extLst>
           </p:cNvPr>
@@ -5504,7 +5496,7 @@
           <a:p>
             <a:r>
               <a:rPr lang="en-US" dirty="0"/>
-              <a:t>Merging Remote Branches</a:t>
+              <a:t>Local Tracking Branch</a:t>
             </a:r>
           </a:p>
         </p:txBody>
@@ -5514,7 +5506,7 @@
           <p:cNvPr id="3" name="Content Placeholder 2">
             <a:extLst>
               <a:ext uri="{FF2B5EF4-FFF2-40B4-BE49-F238E27FC236}">
-                <a16:creationId xmlns:a16="http://schemas.microsoft.com/office/drawing/2014/main" xmlns="" id="{4F016865-AA48-4D2D-BB54-5494C83D7C28}"/>
+                <a16:creationId xmlns:a16="http://schemas.microsoft.com/office/drawing/2014/main" id="{072BF4A4-26C6-41D1-BACF-A9543485E8E4}"/>
               </a:ext>
             </a:extLst>
           </p:cNvPr>
@@ -5532,21 +5524,30 @@
           <a:p>
             <a:r>
               <a:rPr lang="en-US" dirty="0"/>
-              <a:t>The commits on remote branches need to be moved to local branches before you can work with them easily on git.</a:t>
-            </a:r>
-          </a:p>
-          <a:p>
-            <a:pPr lvl="1"/>
-            <a:r>
-              <a:rPr lang="en-US" dirty="0"/>
-              <a:t>Checkout the remote branch as a local branch with the same name</a:t>
-            </a:r>
-          </a:p>
-          <a:p>
-            <a:pPr lvl="2"/>
-            <a:r>
-              <a:rPr lang="en-US" dirty="0"/>
-              <a:t>git checkout --track &lt;remote&gt;/&lt;</a:t>
+              <a:t>A tracking branch is a local branch connected to a remote branch. When using a tracking branch, git can infer the remote branch you want to use.</a:t>
+            </a:r>
+          </a:p>
+          <a:p>
+            <a:pPr lvl="1"/>
+            <a:r>
+              <a:rPr lang="en-US" dirty="0"/>
+              <a:t>Differences in commit history are also shown in git status and when the branch is checked out. </a:t>
+            </a:r>
+          </a:p>
+          <a:p>
+            <a:endParaRPr lang="en-US" dirty="0"/>
+          </a:p>
+          <a:p>
+            <a:r>
+              <a:rPr lang="en-US" dirty="0"/>
+              <a:t>To set the current branch to track a remote branch, use the branch option</a:t>
+            </a:r>
+          </a:p>
+          <a:p>
+            <a:pPr lvl="1"/>
+            <a:r>
+              <a:rPr lang="en-US" dirty="0"/>
+              <a:t>git branch –u &lt;remote&gt;/&lt;</a:t>
             </a:r>
             <a:r>
               <a:rPr lang="en-US" dirty="0" err="1"/>
@@ -5555,46 +5556,6 @@
             <a:r>
               <a:rPr lang="en-US" dirty="0"/>
               <a:t>&gt;</a:t>
-            </a:r>
-          </a:p>
-          <a:p>
-            <a:pPr lvl="1"/>
-            <a:r>
-              <a:rPr lang="en-US" dirty="0"/>
-              <a:t>If there is already a local branch with common history, you can just merge the branches.</a:t>
-            </a:r>
-          </a:p>
-          <a:p>
-            <a:pPr lvl="2"/>
-            <a:r>
-              <a:rPr lang="en-US" dirty="0"/>
-              <a:t>git checkout &lt;</a:t>
-            </a:r>
-            <a:r>
-              <a:rPr lang="en-US" dirty="0" err="1"/>
-              <a:t>local_branch</a:t>
-            </a:r>
-            <a:r>
-              <a:rPr lang="en-US" dirty="0"/>
-              <a:t>&gt;; git merge &lt;remote&gt;/&lt;</a:t>
-            </a:r>
-            <a:r>
-              <a:rPr lang="en-US" dirty="0" err="1"/>
-              <a:t>remote_branch</a:t>
-            </a:r>
-            <a:r>
-              <a:rPr lang="en-US" dirty="0"/>
-              <a:t>&gt;;</a:t>
-            </a:r>
-          </a:p>
-          <a:p>
-            <a:pPr lvl="2"/>
-            <a:endParaRPr lang="en-US" dirty="0"/>
-          </a:p>
-          <a:p>
-            <a:r>
-              <a:rPr lang="en-US" dirty="0"/>
-              <a:t>Creating a branch in the first method makes that branch a tracking branch.</a:t>
             </a:r>
           </a:p>
         </p:txBody>
@@ -5602,7 +5563,7 @@
     </p:spTree>
     <p:extLst>
       <p:ext uri="{BB962C8B-B14F-4D97-AF65-F5344CB8AC3E}">
-        <p14:creationId xmlns:p14="http://schemas.microsoft.com/office/powerpoint/2010/main" val="3045227541"/>
+        <p14:creationId xmlns:p14="http://schemas.microsoft.com/office/powerpoint/2010/main" val="3005718073"/>
       </p:ext>
     </p:extLst>
   </p:cSld>
@@ -5634,7 +5595,7 @@
           <p:cNvPr id="2" name="Title 1">
             <a:extLst>
               <a:ext uri="{FF2B5EF4-FFF2-40B4-BE49-F238E27FC236}">
-                <a16:creationId xmlns:a16="http://schemas.microsoft.com/office/drawing/2014/main" xmlns="" id="{7CC8A1B4-5AD8-4D9D-B726-61D8096C06B0}"/>
+                <a16:creationId xmlns:a16="http://schemas.microsoft.com/office/drawing/2014/main" id="{D5CCCEAE-AA15-4A82-9467-B6E011480A8A}"/>
               </a:ext>
             </a:extLst>
           </p:cNvPr>
@@ -5652,7 +5613,7 @@
           <a:p>
             <a:r>
               <a:rPr lang="en-US" dirty="0"/>
-              <a:t>Local Tracking Branch</a:t>
+              <a:t>Pushing Branches</a:t>
             </a:r>
           </a:p>
         </p:txBody>
@@ -5662,7 +5623,7 @@
           <p:cNvPr id="3" name="Content Placeholder 2">
             <a:extLst>
               <a:ext uri="{FF2B5EF4-FFF2-40B4-BE49-F238E27FC236}">
-                <a16:creationId xmlns:a16="http://schemas.microsoft.com/office/drawing/2014/main" xmlns="" id="{072BF4A4-26C6-41D1-BACF-A9543485E8E4}"/>
+                <a16:creationId xmlns:a16="http://schemas.microsoft.com/office/drawing/2014/main" id="{8888002E-8D0E-4B1C-B0C7-E9541D406037}"/>
               </a:ext>
             </a:extLst>
           </p:cNvPr>
@@ -5680,30 +5641,30 @@
           <a:p>
             <a:r>
               <a:rPr lang="en-US" dirty="0"/>
-              <a:t>A tracking branch is a local branch connected to a remote branch. When using a tracking branch, git can infer the remote branch you want to use.</a:t>
-            </a:r>
-          </a:p>
-          <a:p>
-            <a:pPr lvl="1"/>
-            <a:r>
-              <a:rPr lang="en-US" dirty="0"/>
-              <a:t>Differences in commit history are also shown in git status and when the branch is checked out.</a:t>
-            </a:r>
-          </a:p>
-          <a:p>
-            <a:endParaRPr lang="en-US" dirty="0"/>
-          </a:p>
-          <a:p>
-            <a:r>
-              <a:rPr lang="en-US" dirty="0"/>
-              <a:t>To set the current branch to track a remote branch, use the branch option</a:t>
-            </a:r>
-          </a:p>
-          <a:p>
-            <a:pPr lvl="1"/>
-            <a:r>
-              <a:rPr lang="en-US" dirty="0"/>
-              <a:t>git branch –u &lt;remote&gt;/&lt;</a:t>
+              <a:t>Adding new commits to the remote repository requires the push command.</a:t>
+            </a:r>
+          </a:p>
+          <a:p>
+            <a:pPr lvl="1"/>
+            <a:r>
+              <a:rPr lang="en-US" dirty="0"/>
+              <a:t>git push &lt;</a:t>
+            </a:r>
+            <a:r>
+              <a:rPr lang="en-US" dirty="0" err="1"/>
+              <a:t>remote_name</a:t>
+            </a:r>
+            <a:r>
+              <a:rPr lang="en-US" dirty="0"/>
+              <a:t>&gt; &lt;</a:t>
+            </a:r>
+            <a:r>
+              <a:rPr lang="en-US" dirty="0" err="1"/>
+              <a:t>local_branch</a:t>
+            </a:r>
+            <a:r>
+              <a:rPr lang="en-US" dirty="0"/>
+              <a:t>&gt;:&lt;</a:t>
             </a:r>
             <a:r>
               <a:rPr lang="en-US" dirty="0" err="1"/>
@@ -5713,13 +5674,74 @@
               <a:rPr lang="en-US" dirty="0"/>
               <a:t>&gt;</a:t>
             </a:r>
+          </a:p>
+          <a:p>
+            <a:pPr lvl="1"/>
+            <a:r>
+              <a:rPr lang="en-US" dirty="0"/>
+              <a:t>If branch names are the same, :&lt;</a:t>
+            </a:r>
+            <a:r>
+              <a:rPr lang="en-US" dirty="0" err="1"/>
+              <a:t>remote_branch</a:t>
+            </a:r>
+            <a:r>
+              <a:rPr lang="en-US" dirty="0"/>
+              <a:t>&gt; is not needed</a:t>
+            </a:r>
+          </a:p>
+          <a:p>
+            <a:pPr lvl="1"/>
+            <a:endParaRPr lang="en-US" dirty="0"/>
+          </a:p>
+          <a:p>
+            <a:r>
+              <a:rPr lang="en-US" dirty="0"/>
+              <a:t>To create a new branch on the remote repository, push with no branch name.</a:t>
+            </a:r>
+          </a:p>
+          <a:p>
+            <a:pPr lvl="1"/>
+            <a:r>
+              <a:rPr lang="en-US" dirty="0"/>
+              <a:t>git push -u &lt;</a:t>
+            </a:r>
+            <a:r>
+              <a:rPr lang="en-US" dirty="0" err="1"/>
+              <a:t>remote_name</a:t>
+            </a:r>
+            <a:r>
+              <a:rPr lang="en-US" dirty="0"/>
+              <a:t>&gt;</a:t>
+            </a:r>
+          </a:p>
+          <a:p>
+            <a:pPr lvl="1"/>
+            <a:r>
+              <a:rPr lang="en-US" dirty="0"/>
+              <a:t>-u sets the local branch as a tracking branch </a:t>
+            </a:r>
+          </a:p>
+          <a:p>
+            <a:pPr lvl="1"/>
+            <a:endParaRPr lang="en-US" dirty="0"/>
+          </a:p>
+          <a:p>
+            <a:pPr lvl="1"/>
+            <a:endParaRPr lang="en-US" dirty="0"/>
+          </a:p>
+          <a:p>
+            <a:pPr marL="0" indent="0">
+              <a:buNone/>
+            </a:pPr>
+            <a:endParaRPr lang="en-US" dirty="0"/>
           </a:p>
         </p:txBody>
       </p:sp>
     </p:spTree>
     <p:extLst>
       <p:ext uri="{BB962C8B-B14F-4D97-AF65-F5344CB8AC3E}">
-        <p14:creationId xmlns:p14="http://schemas.microsoft.com/office/powerpoint/2010/main" val="3005718073"/>
+        <p14:creationId xmlns:p14="http://schemas.microsoft.com/office/powerpoint/2010/main" val="4037131626"/>
       </p:ext>
     </p:extLst>
   </p:cSld>
@@ -5751,7 +5773,7 @@
           <p:cNvPr id="2" name="Title 1">
             <a:extLst>
               <a:ext uri="{FF2B5EF4-FFF2-40B4-BE49-F238E27FC236}">
-                <a16:creationId xmlns:a16="http://schemas.microsoft.com/office/drawing/2014/main" xmlns="" id="{D5CCCEAE-AA15-4A82-9467-B6E011480A8A}"/>
+                <a16:creationId xmlns:a16="http://schemas.microsoft.com/office/drawing/2014/main" id="{CF9D7726-63C6-4371-93C3-EBB8F76A0807}"/>
               </a:ext>
             </a:extLst>
           </p:cNvPr>
@@ -5779,7 +5801,7 @@
           <p:cNvPr id="3" name="Content Placeholder 2">
             <a:extLst>
               <a:ext uri="{FF2B5EF4-FFF2-40B4-BE49-F238E27FC236}">
-                <a16:creationId xmlns:a16="http://schemas.microsoft.com/office/drawing/2014/main" xmlns="" id="{8888002E-8D0E-4B1C-B0C7-E9541D406037}"/>
+                <a16:creationId xmlns:a16="http://schemas.microsoft.com/office/drawing/2014/main" id="{C8F6ECAB-8EDE-48E4-B5E1-C9CF403B1253}"/>
               </a:ext>
             </a:extLst>
           </p:cNvPr>
@@ -5797,14 +5819,14 @@
           <a:p>
             <a:r>
               <a:rPr lang="en-US" dirty="0"/>
-              <a:t>Adding new commits to the remote repository requires the push command.</a:t>
-            </a:r>
-          </a:p>
-          <a:p>
-            <a:pPr lvl="1"/>
-            <a:r>
-              <a:rPr lang="en-US" dirty="0"/>
-              <a:t>git push &lt;</a:t>
+              <a:t>Push all local branches to a remote branch</a:t>
+            </a:r>
+          </a:p>
+          <a:p>
+            <a:pPr lvl="1"/>
+            <a:r>
+              <a:rPr lang="en-US" dirty="0"/>
+              <a:t>git push -u &lt;</a:t>
             </a:r>
             <a:r>
               <a:rPr lang="en-US" dirty="0" err="1"/>
@@ -5812,84 +5834,26 @@
             </a:r>
             <a:r>
               <a:rPr lang="en-US" dirty="0"/>
-              <a:t>&gt; &lt;</a:t>
-            </a:r>
-            <a:r>
-              <a:rPr lang="en-US" dirty="0" err="1"/>
-              <a:t>local_branch</a:t>
-            </a:r>
-            <a:r>
-              <a:rPr lang="en-US" dirty="0"/>
-              <a:t>&gt;:&lt;</a:t>
-            </a:r>
-            <a:r>
-              <a:rPr lang="en-US" dirty="0" err="1"/>
-              <a:t>remote_branch</a:t>
-            </a:r>
-            <a:r>
-              <a:rPr lang="en-US" dirty="0"/>
-              <a:t>&gt;</a:t>
-            </a:r>
-          </a:p>
-          <a:p>
-            <a:pPr lvl="1"/>
-            <a:r>
-              <a:rPr lang="en-US" dirty="0"/>
-              <a:t>If branch names are the same, :&lt;</a:t>
-            </a:r>
-            <a:r>
-              <a:rPr lang="en-US" dirty="0" err="1"/>
-              <a:t>remote_branch</a:t>
-            </a:r>
-            <a:r>
-              <a:rPr lang="en-US" dirty="0"/>
-              <a:t>&gt; is not needed</a:t>
-            </a:r>
-          </a:p>
-          <a:p>
-            <a:pPr lvl="1"/>
+              <a:t>&gt; --all</a:t>
+            </a:r>
+          </a:p>
+          <a:p>
             <a:endParaRPr lang="en-US" dirty="0"/>
           </a:p>
           <a:p>
             <a:r>
               <a:rPr lang="en-US" dirty="0"/>
-              <a:t>To create a new branch on the remote repository, push with no branch name.</a:t>
-            </a:r>
-          </a:p>
-          <a:p>
-            <a:pPr lvl="1"/>
-            <a:r>
-              <a:rPr lang="en-US" dirty="0"/>
-              <a:t>git push -u &lt;</a:t>
-            </a:r>
-            <a:r>
-              <a:rPr lang="en-US" dirty="0" err="1"/>
-              <a:t>remote_name</a:t>
-            </a:r>
-            <a:r>
-              <a:rPr lang="en-US" dirty="0"/>
-              <a:t>&gt;</a:t>
-            </a:r>
-          </a:p>
-          <a:p>
-            <a:pPr lvl="1"/>
-            <a:r>
-              <a:rPr lang="en-US" dirty="0"/>
-              <a:t>-u sets the local branch as a tracking branch </a:t>
-            </a:r>
-          </a:p>
-          <a:p>
-            <a:pPr lvl="1"/>
-            <a:endParaRPr lang="en-US" dirty="0"/>
-          </a:p>
-          <a:p>
-            <a:pPr lvl="1"/>
-            <a:endParaRPr lang="en-US" dirty="0"/>
-          </a:p>
-          <a:p>
-            <a:pPr marL="0" indent="0">
-              <a:buNone/>
-            </a:pPr>
+              <a:t>Pushing to a remote branch is only allowed when your branch is ahead of the remote branch.</a:t>
+            </a:r>
+          </a:p>
+          <a:p>
+            <a:pPr lvl="1"/>
+            <a:r>
+              <a:rPr lang="en-US" dirty="0"/>
+              <a:t>If remote branch is ahead, merge remote branches commits to local branch first.</a:t>
+            </a:r>
+          </a:p>
+          <a:p>
             <a:endParaRPr lang="en-US" dirty="0"/>
           </a:p>
         </p:txBody>
@@ -5897,7 +5861,7 @@
     </p:spTree>
     <p:extLst>
       <p:ext uri="{BB962C8B-B14F-4D97-AF65-F5344CB8AC3E}">
-        <p14:creationId xmlns:p14="http://schemas.microsoft.com/office/powerpoint/2010/main" val="4037131626"/>
+        <p14:creationId xmlns:p14="http://schemas.microsoft.com/office/powerpoint/2010/main" val="1287790070"/>
       </p:ext>
     </p:extLst>
   </p:cSld>
@@ -5929,7 +5893,7 @@
           <p:cNvPr id="2" name="Title 1">
             <a:extLst>
               <a:ext uri="{FF2B5EF4-FFF2-40B4-BE49-F238E27FC236}">
-                <a16:creationId xmlns:a16="http://schemas.microsoft.com/office/drawing/2014/main" xmlns="" id="{CF9D7726-63C6-4371-93C3-EBB8F76A0807}"/>
+                <a16:creationId xmlns:a16="http://schemas.microsoft.com/office/drawing/2014/main" id="{D235AA31-1C0C-4484-A92B-8FD77E481FEA}"/>
               </a:ext>
             </a:extLst>
           </p:cNvPr>
@@ -5947,7 +5911,7 @@
           <a:p>
             <a:r>
               <a:rPr lang="en-US" dirty="0"/>
-              <a:t>Pushing Branches</a:t>
+              <a:t>Merging Remote Branches</a:t>
             </a:r>
           </a:p>
         </p:txBody>
@@ -5957,7 +5921,7 @@
           <p:cNvPr id="3" name="Content Placeholder 2">
             <a:extLst>
               <a:ext uri="{FF2B5EF4-FFF2-40B4-BE49-F238E27FC236}">
-                <a16:creationId xmlns:a16="http://schemas.microsoft.com/office/drawing/2014/main" xmlns="" id="{C8F6ECAB-8EDE-48E4-B5E1-C9CF403B1253}"/>
+                <a16:creationId xmlns:a16="http://schemas.microsoft.com/office/drawing/2014/main" id="{4F016865-AA48-4D2D-BB54-5494C83D7C28}"/>
               </a:ext>
             </a:extLst>
           </p:cNvPr>
@@ -5975,39 +5939,71 @@
           <a:p>
             <a:r>
               <a:rPr lang="en-US" dirty="0"/>
-              <a:t>Push all local branches to a remote branch</a:t>
-            </a:r>
-          </a:p>
-          <a:p>
-            <a:pPr lvl="1"/>
-            <a:r>
-              <a:rPr lang="en-US" dirty="0"/>
-              <a:t>git push -u &lt;</a:t>
+              <a:t>The commits on remote branches need to be moved to local branches before you can work with them easily on git.</a:t>
+            </a:r>
+          </a:p>
+          <a:p>
+            <a:pPr lvl="1"/>
+            <a:r>
+              <a:rPr lang="en-US" dirty="0"/>
+              <a:t>If there is already a local branch with common history, you can just merge the branches.</a:t>
+            </a:r>
+          </a:p>
+          <a:p>
+            <a:pPr lvl="2"/>
+            <a:r>
+              <a:rPr lang="en-US" dirty="0"/>
+              <a:t>git checkout &lt;</a:t>
             </a:r>
             <a:r>
               <a:rPr lang="en-US" dirty="0" err="1"/>
-              <a:t>remote_name</a:t>
-            </a:r>
-            <a:r>
-              <a:rPr lang="en-US" dirty="0"/>
-              <a:t>&gt; --all</a:t>
-            </a:r>
-          </a:p>
-          <a:p>
+              <a:t>local_branch</a:t>
+            </a:r>
+            <a:r>
+              <a:rPr lang="en-US" dirty="0"/>
+              <a:t>&gt;; git merge &lt;remote&gt;/&lt;</a:t>
+            </a:r>
+            <a:r>
+              <a:rPr lang="en-US" dirty="0" err="1"/>
+              <a:t>remote_branch</a:t>
+            </a:r>
+            <a:r>
+              <a:rPr lang="en-US" dirty="0"/>
+              <a:t>&gt;;</a:t>
+            </a:r>
+          </a:p>
+          <a:p>
+            <a:pPr marL="914400" lvl="2" indent="0">
+              <a:buNone/>
+            </a:pPr>
             <a:endParaRPr lang="en-US" dirty="0"/>
           </a:p>
           <a:p>
             <a:r>
               <a:rPr lang="en-US" dirty="0"/>
-              <a:t>Pushing to a remote branch is only allowed when your branch is ahead of the remote branch.</a:t>
-            </a:r>
-          </a:p>
-          <a:p>
-            <a:pPr lvl="1"/>
-            <a:r>
-              <a:rPr lang="en-US" dirty="0"/>
-              <a:t>If remote branch is ahead, merge remote branches commits to local branch first.</a:t>
-            </a:r>
+              <a:t>Git pull is a shortcut to update the current branch. Pull performs both a fetch of the remote repository and a merge to the current branch.</a:t>
+            </a:r>
+          </a:p>
+          <a:p>
+            <a:pPr lvl="1"/>
+            <a:r>
+              <a:rPr lang="en-US" dirty="0"/>
+              <a:t>git pull &lt;remote&gt; &lt;</a:t>
+            </a:r>
+            <a:r>
+              <a:rPr lang="en-US" dirty="0" err="1"/>
+              <a:t>remote_branch</a:t>
+            </a:r>
+            <a:r>
+              <a:rPr lang="en-US" dirty="0"/>
+              <a:t>&gt;</a:t>
+            </a:r>
+          </a:p>
+          <a:p>
+            <a:pPr marL="0" indent="0">
+              <a:buNone/>
+            </a:pPr>
+            <a:endParaRPr lang="en-US" dirty="0"/>
           </a:p>
           <a:p>
             <a:endParaRPr lang="en-US" dirty="0"/>
@@ -6017,123 +6013,7 @@
     </p:spTree>
     <p:extLst>
       <p:ext uri="{BB962C8B-B14F-4D97-AF65-F5344CB8AC3E}">
-        <p14:creationId xmlns:p14="http://schemas.microsoft.com/office/powerpoint/2010/main" val="1287790070"/>
-      </p:ext>
-    </p:extLst>
-  </p:cSld>
-  <p:clrMapOvr>
-    <a:masterClrMapping/>
-  </p:clrMapOvr>
-</p:sld>
-</file>
-
-<file path=ppt/slides/slide24.xml><?xml version="1.0" encoding="utf-8"?>
-<p:sld xmlns:a="http://schemas.openxmlformats.org/drawingml/2006/main" xmlns:r="http://schemas.openxmlformats.org/officeDocument/2006/relationships" xmlns:p="http://schemas.openxmlformats.org/presentationml/2006/main">
-  <p:cSld>
-    <p:spTree>
-      <p:nvGrpSpPr>
-        <p:cNvPr id="1" name=""/>
-        <p:cNvGrpSpPr/>
-        <p:nvPr/>
-      </p:nvGrpSpPr>
-      <p:grpSpPr>
-        <a:xfrm>
-          <a:off x="0" y="0"/>
-          <a:ext cx="0" cy="0"/>
-          <a:chOff x="0" y="0"/>
-          <a:chExt cx="0" cy="0"/>
-        </a:xfrm>
-      </p:grpSpPr>
-      <p:sp>
-        <p:nvSpPr>
-          <p:cNvPr id="2" name="Title 1">
-            <a:extLst>
-              <a:ext uri="{FF2B5EF4-FFF2-40B4-BE49-F238E27FC236}">
-                <a16:creationId xmlns:a16="http://schemas.microsoft.com/office/drawing/2014/main" xmlns="" id="{D89EA35C-B626-4F9C-AFC3-BEB32E82645F}"/>
-              </a:ext>
-            </a:extLst>
-          </p:cNvPr>
-          <p:cNvSpPr>
-            <a:spLocks noGrp="1"/>
-          </p:cNvSpPr>
-          <p:nvPr>
-            <p:ph type="title"/>
-          </p:nvPr>
-        </p:nvSpPr>
-        <p:spPr/>
-        <p:txBody>
-          <a:bodyPr/>
-          <a:lstStyle/>
-          <a:p>
-            <a:r>
-              <a:rPr lang="en-US" dirty="0"/>
-              <a:t>Git Pull</a:t>
-            </a:r>
-          </a:p>
-        </p:txBody>
-      </p:sp>
-      <p:sp>
-        <p:nvSpPr>
-          <p:cNvPr id="3" name="Content Placeholder 2">
-            <a:extLst>
-              <a:ext uri="{FF2B5EF4-FFF2-40B4-BE49-F238E27FC236}">
-                <a16:creationId xmlns:a16="http://schemas.microsoft.com/office/drawing/2014/main" xmlns="" id="{840C4F2F-2497-42E7-85E0-C6E9573430D2}"/>
-              </a:ext>
-            </a:extLst>
-          </p:cNvPr>
-          <p:cNvSpPr>
-            <a:spLocks noGrp="1"/>
-          </p:cNvSpPr>
-          <p:nvPr>
-            <p:ph idx="1"/>
-          </p:nvPr>
-        </p:nvSpPr>
-        <p:spPr/>
-        <p:txBody>
-          <a:bodyPr/>
-          <a:lstStyle/>
-          <a:p>
-            <a:r>
-              <a:rPr lang="en-US" dirty="0"/>
-              <a:t>Git pull is a shortcut to update the current branch. Pull performs both a fetch of the remote repository and a merge to the current branch.</a:t>
-            </a:r>
-          </a:p>
-          <a:p>
-            <a:pPr lvl="1"/>
-            <a:r>
-              <a:rPr lang="en-US" dirty="0"/>
-              <a:t>git pull &lt;remote&gt; &lt;</a:t>
-            </a:r>
-            <a:r>
-              <a:rPr lang="en-US" dirty="0" err="1"/>
-              <a:t>remote_branch</a:t>
-            </a:r>
-            <a:r>
-              <a:rPr lang="en-US" dirty="0"/>
-              <a:t>&gt;</a:t>
-            </a:r>
-          </a:p>
-          <a:p>
-            <a:pPr lvl="1"/>
-            <a:endParaRPr lang="en-US" dirty="0"/>
-          </a:p>
-          <a:p>
-            <a:r>
-              <a:rPr lang="en-US" dirty="0"/>
-              <a:t>If the current branch is tracking the remote branch, the command is simply “</a:t>
-            </a:r>
-            <a:r>
-              <a:rPr lang="en-US"/>
-              <a:t>git pull”.</a:t>
-            </a:r>
-            <a:endParaRPr lang="en-US" dirty="0"/>
-          </a:p>
-        </p:txBody>
-      </p:sp>
-    </p:spTree>
-    <p:extLst>
-      <p:ext uri="{BB962C8B-B14F-4D97-AF65-F5344CB8AC3E}">
-        <p14:creationId xmlns:p14="http://schemas.microsoft.com/office/powerpoint/2010/main" val="1635336077"/>
+        <p14:creationId xmlns:p14="http://schemas.microsoft.com/office/powerpoint/2010/main" val="3045227541"/>
       </p:ext>
     </p:extLst>
   </p:cSld>
@@ -6165,7 +6045,7 @@
           <p:cNvPr id="2" name="Title 1">
             <a:extLst>
               <a:ext uri="{FF2B5EF4-FFF2-40B4-BE49-F238E27FC236}">
-                <a16:creationId xmlns:a16="http://schemas.microsoft.com/office/drawing/2014/main" xmlns="" id="{ECC01A0F-FCD4-4394-8D60-876BBCD8B82E}"/>
+                <a16:creationId xmlns:a16="http://schemas.microsoft.com/office/drawing/2014/main" id="{ECC01A0F-FCD4-4394-8D60-876BBCD8B82E}"/>
               </a:ext>
             </a:extLst>
           </p:cNvPr>
@@ -6193,7 +6073,7 @@
           <p:cNvPr id="3" name="Content Placeholder 2">
             <a:extLst>
               <a:ext uri="{FF2B5EF4-FFF2-40B4-BE49-F238E27FC236}">
-                <a16:creationId xmlns:a16="http://schemas.microsoft.com/office/drawing/2014/main" xmlns="" id="{4ED7927D-2797-4320-BCDF-1AAD1114E323}"/>
+                <a16:creationId xmlns:a16="http://schemas.microsoft.com/office/drawing/2014/main" id="{4ED7927D-2797-4320-BCDF-1AAD1114E323}"/>
               </a:ext>
             </a:extLst>
           </p:cNvPr>
@@ -6306,7 +6186,7 @@
           <p:cNvPr id="2" name="Title 1">
             <a:extLst>
               <a:ext uri="{FF2B5EF4-FFF2-40B4-BE49-F238E27FC236}">
-                <a16:creationId xmlns:a16="http://schemas.microsoft.com/office/drawing/2014/main" xmlns="" id="{8E7AB3C6-8195-43C3-914C-4EF6E03E3B91}"/>
+                <a16:creationId xmlns:a16="http://schemas.microsoft.com/office/drawing/2014/main" id="{8E7AB3C6-8195-43C3-914C-4EF6E03E3B91}"/>
               </a:ext>
             </a:extLst>
           </p:cNvPr>
@@ -6334,7 +6214,7 @@
           <p:cNvPr id="3" name="Content Placeholder 2">
             <a:extLst>
               <a:ext uri="{FF2B5EF4-FFF2-40B4-BE49-F238E27FC236}">
-                <a16:creationId xmlns:a16="http://schemas.microsoft.com/office/drawing/2014/main" xmlns="" id="{6EE4BA81-F24B-468F-B2C6-9D5668837203}"/>
+                <a16:creationId xmlns:a16="http://schemas.microsoft.com/office/drawing/2014/main" id="{6EE4BA81-F24B-468F-B2C6-9D5668837203}"/>
               </a:ext>
             </a:extLst>
           </p:cNvPr>
@@ -6449,7 +6329,7 @@
           <p:cNvPr id="2" name="Title 1">
             <a:extLst>
               <a:ext uri="{FF2B5EF4-FFF2-40B4-BE49-F238E27FC236}">
-                <a16:creationId xmlns:a16="http://schemas.microsoft.com/office/drawing/2014/main" xmlns="" id="{D12DF6AD-FF54-4A5E-97DB-7CA75751DDCD}"/>
+                <a16:creationId xmlns:a16="http://schemas.microsoft.com/office/drawing/2014/main" id="{D12DF6AD-FF54-4A5E-97DB-7CA75751DDCD}"/>
               </a:ext>
             </a:extLst>
           </p:cNvPr>
@@ -6477,7 +6357,7 @@
           <p:cNvPr id="3" name="Content Placeholder 2">
             <a:extLst>
               <a:ext uri="{FF2B5EF4-FFF2-40B4-BE49-F238E27FC236}">
-                <a16:creationId xmlns:a16="http://schemas.microsoft.com/office/drawing/2014/main" xmlns="" id="{F236E314-3505-42EC-87E9-A0DF233B3D64}"/>
+                <a16:creationId xmlns:a16="http://schemas.microsoft.com/office/drawing/2014/main" id="{F236E314-3505-42EC-87E9-A0DF233B3D64}"/>
               </a:ext>
             </a:extLst>
           </p:cNvPr>
@@ -6577,7 +6457,7 @@
           <p:cNvPr id="2" name="Title 1">
             <a:extLst>
               <a:ext uri="{FF2B5EF4-FFF2-40B4-BE49-F238E27FC236}">
-                <a16:creationId xmlns:a16="http://schemas.microsoft.com/office/drawing/2014/main" xmlns="" id="{65A7A1E3-90C7-4C3A-8F2D-9559F514281C}"/>
+                <a16:creationId xmlns:a16="http://schemas.microsoft.com/office/drawing/2014/main" id="{65A7A1E3-90C7-4C3A-8F2D-9559F514281C}"/>
               </a:ext>
             </a:extLst>
           </p:cNvPr>
@@ -6605,7 +6485,7 @@
           <p:cNvPr id="3" name="Content Placeholder 2">
             <a:extLst>
               <a:ext uri="{FF2B5EF4-FFF2-40B4-BE49-F238E27FC236}">
-                <a16:creationId xmlns:a16="http://schemas.microsoft.com/office/drawing/2014/main" xmlns="" id="{504D2614-88CA-4F40-A1F8-154A41436372}"/>
+                <a16:creationId xmlns:a16="http://schemas.microsoft.com/office/drawing/2014/main" id="{504D2614-88CA-4F40-A1F8-154A41436372}"/>
               </a:ext>
             </a:extLst>
           </p:cNvPr>
@@ -6701,7 +6581,7 @@
           <p:cNvPr id="2" name="Title 1">
             <a:extLst>
               <a:ext uri="{FF2B5EF4-FFF2-40B4-BE49-F238E27FC236}">
-                <a16:creationId xmlns:a16="http://schemas.microsoft.com/office/drawing/2014/main" xmlns="" id="{7539442F-5431-4EAE-9BD1-5997FA22485C}"/>
+                <a16:creationId xmlns:a16="http://schemas.microsoft.com/office/drawing/2014/main" id="{7539442F-5431-4EAE-9BD1-5997FA22485C}"/>
               </a:ext>
             </a:extLst>
           </p:cNvPr>
@@ -6729,7 +6609,7 @@
           <p:cNvPr id="3" name="Content Placeholder 2">
             <a:extLst>
               <a:ext uri="{FF2B5EF4-FFF2-40B4-BE49-F238E27FC236}">
-                <a16:creationId xmlns:a16="http://schemas.microsoft.com/office/drawing/2014/main" xmlns="" id="{673BD58E-EB9D-4E99-8B49-954B2F61A9EA}"/>
+                <a16:creationId xmlns:a16="http://schemas.microsoft.com/office/drawing/2014/main" id="{673BD58E-EB9D-4E99-8B49-954B2F61A9EA}"/>
               </a:ext>
             </a:extLst>
           </p:cNvPr>
@@ -6825,7 +6705,7 @@
           <p:cNvPr id="2" name="Title 1">
             <a:extLst>
               <a:ext uri="{FF2B5EF4-FFF2-40B4-BE49-F238E27FC236}">
-                <a16:creationId xmlns:a16="http://schemas.microsoft.com/office/drawing/2014/main" xmlns="" id="{A1344963-DE3C-44DD-90BE-4441C1E71DA4}"/>
+                <a16:creationId xmlns:a16="http://schemas.microsoft.com/office/drawing/2014/main" id="{A1344963-DE3C-44DD-90BE-4441C1E71DA4}"/>
               </a:ext>
             </a:extLst>
           </p:cNvPr>
@@ -6853,7 +6733,7 @@
           <p:cNvPr id="3" name="Content Placeholder 2">
             <a:extLst>
               <a:ext uri="{FF2B5EF4-FFF2-40B4-BE49-F238E27FC236}">
-                <a16:creationId xmlns:a16="http://schemas.microsoft.com/office/drawing/2014/main" xmlns="" id="{15B94E98-2AEE-453F-A991-0C97FC6BF95B}"/>
+                <a16:creationId xmlns:a16="http://schemas.microsoft.com/office/drawing/2014/main" id="{15B94E98-2AEE-453F-A991-0C97FC6BF95B}"/>
               </a:ext>
             </a:extLst>
           </p:cNvPr>
@@ -6958,7 +6838,7 @@
           <p:cNvPr id="2" name="Title 1">
             <a:extLst>
               <a:ext uri="{FF2B5EF4-FFF2-40B4-BE49-F238E27FC236}">
-                <a16:creationId xmlns:a16="http://schemas.microsoft.com/office/drawing/2014/main" xmlns="" id="{14056B33-45E5-4A02-9D23-1B4DE0D73AEC}"/>
+                <a16:creationId xmlns:a16="http://schemas.microsoft.com/office/drawing/2014/main" id="{14056B33-45E5-4A02-9D23-1B4DE0D73AEC}"/>
               </a:ext>
             </a:extLst>
           </p:cNvPr>
@@ -6986,7 +6866,7 @@
           <p:cNvPr id="3" name="Content Placeholder 2">
             <a:extLst>
               <a:ext uri="{FF2B5EF4-FFF2-40B4-BE49-F238E27FC236}">
-                <a16:creationId xmlns:a16="http://schemas.microsoft.com/office/drawing/2014/main" xmlns="" id="{05996F04-3AB3-4D42-809E-AC4FA4871991}"/>
+                <a16:creationId xmlns:a16="http://schemas.microsoft.com/office/drawing/2014/main" id="{05996F04-3AB3-4D42-809E-AC4FA4871991}"/>
               </a:ext>
             </a:extLst>
           </p:cNvPr>

--- a/Git.pptx
+++ b/Git.pptx
@@ -5697,7 +5697,7 @@
           <a:p>
             <a:r>
               <a:rPr lang="en-US" dirty="0"/>
-              <a:t>To create a new branch on the remote repository, push with no branch name.</a:t>
+              <a:t>To create a new branch on the remote repository, push with the local branch</a:t>
             </a:r>
           </a:p>
           <a:p>
@@ -5709,6 +5709,14 @@
             <a:r>
               <a:rPr lang="en-US" dirty="0" err="1"/>
               <a:t>remote_name</a:t>
+            </a:r>
+            <a:r>
+              <a:rPr lang="en-US" dirty="0"/>
+              <a:t>&gt; &lt;</a:t>
+            </a:r>
+            <a:r>
+              <a:rPr lang="en-US" dirty="0" err="1"/>
+              <a:t>local_branch</a:t>
             </a:r>
             <a:r>
               <a:rPr lang="en-US" dirty="0"/>
@@ -5947,6 +5955,21 @@
             <a:r>
               <a:rPr lang="en-US" dirty="0"/>
               <a:t>If there is already a local branch with common history, you can just merge the branches.</a:t>
+            </a:r>
+          </a:p>
+          <a:p>
+            <a:pPr lvl="2"/>
+            <a:r>
+              <a:rPr lang="en-US" dirty="0"/>
+              <a:t>Compare differences with git diff &lt;local branch&gt; &lt;remote&gt;/&lt;</a:t>
+            </a:r>
+            <a:r>
+              <a:rPr lang="en-US" dirty="0" err="1"/>
+              <a:t>remote_branch</a:t>
+            </a:r>
+            <a:r>
+              <a:rPr lang="en-US" dirty="0"/>
+              <a:t>&gt;</a:t>
             </a:r>
           </a:p>
           <a:p>

--- a/Git.pptx
+++ b/Git.pptx
@@ -6502,21 +6502,13 @@
               </a:rPr>
               <a:t>branchB</a:t>
             </a:r>
-            <a:endParaRPr lang="en-US" sz="2000" dirty="0">
-              <a:solidFill>
-                <a:srgbClr val="FFFFFF"/>
-              </a:solidFill>
-            </a:endParaRPr>
-          </a:p>
-          <a:p>
-            <a:pPr lvl="3"/>
             <a:r>
               <a:rPr lang="en-US" sz="2000" dirty="0">
                 <a:solidFill>
                   <a:srgbClr val="FFFFFF"/>
                 </a:solidFill>
               </a:rPr>
-              <a:t>git merge </a:t>
+              <a:t>; git merge </a:t>
             </a:r>
             <a:r>
               <a:rPr lang="en-US" sz="2000" dirty="0" err="1">
@@ -14695,7 +14687,7 @@
                   <a:srgbClr val="FFFFFF"/>
                 </a:solidFill>
               </a:rPr>
-              <a:t>The checkout command makes changes to your files. If you have uncommitted changes to the same files, the checkout will fail.</a:t>
+              <a:t>The checkout command makes changes to your files. If you have uncommitted changes to the files the commit will change, the checkout will fail.</a:t>
             </a:r>
           </a:p>
           <a:p>

--- a/Git.pptx
+++ b/Git.pptx
@@ -186,7 +186,7 @@
             </a:lvl1pPr>
           </a:lstStyle>
           <a:p>
-            <a:endParaRPr lang="en-US"/>
+            <a:endParaRPr lang="en-US" dirty="0"/>
           </a:p>
         </p:txBody>
       </p:sp>
@@ -221,7 +221,7 @@
               <a:rPr lang="en-US" smtClean="0"/>
               <a:t>1/25/2019</a:t>
             </a:fld>
-            <a:endParaRPr lang="en-US"/>
+            <a:endParaRPr lang="en-US" dirty="0"/>
           </a:p>
         </p:txBody>
       </p:sp>
@@ -254,7 +254,7 @@
           <a:bodyPr vert="horz" lIns="91440" tIns="45720" rIns="91440" bIns="45720" rtlCol="0" anchor="ctr"/>
           <a:lstStyle/>
           <a:p>
-            <a:endParaRPr lang="en-US"/>
+            <a:endParaRPr lang="en-US" dirty="0"/>
           </a:p>
         </p:txBody>
       </p:sp>
@@ -344,7 +344,7 @@
             </a:lvl1pPr>
           </a:lstStyle>
           <a:p>
-            <a:endParaRPr lang="en-US"/>
+            <a:endParaRPr lang="en-US" dirty="0"/>
           </a:p>
         </p:txBody>
       </p:sp>
@@ -379,7 +379,7 @@
               <a:rPr lang="en-US" smtClean="0"/>
               <a:t>‹#›</a:t>
             </a:fld>
-            <a:endParaRPr lang="en-US"/>
+            <a:endParaRPr lang="en-US" dirty="0"/>
           </a:p>
         </p:txBody>
       </p:sp>
@@ -553,7 +553,7 @@
               <a:rPr lang="en-US" smtClean="0"/>
               <a:t>8</a:t>
             </a:fld>
-            <a:endParaRPr lang="en-US"/>
+            <a:endParaRPr lang="en-US" dirty="0"/>
           </a:p>
         </p:txBody>
       </p:sp>
@@ -637,7 +637,7 @@
               <a:rPr lang="en-US" smtClean="0"/>
               <a:t>9</a:t>
             </a:fld>
-            <a:endParaRPr lang="en-US"/>
+            <a:endParaRPr lang="en-US" dirty="0"/>
           </a:p>
         </p:txBody>
       </p:sp>
@@ -803,7 +803,7 @@
               <a:rPr lang="en-US" smtClean="0"/>
               <a:t>1/25/2019</a:t>
             </a:fld>
-            <a:endParaRPr lang="en-US"/>
+            <a:endParaRPr lang="en-US" dirty="0"/>
           </a:p>
         </p:txBody>
       </p:sp>
@@ -828,7 +828,7 @@
           <a:bodyPr/>
           <a:lstStyle/>
           <a:p>
-            <a:endParaRPr lang="en-US"/>
+            <a:endParaRPr lang="en-US" dirty="0"/>
           </a:p>
         </p:txBody>
       </p:sp>
@@ -857,7 +857,7 @@
               <a:rPr lang="en-US" smtClean="0"/>
               <a:t>‹#›</a:t>
             </a:fld>
-            <a:endParaRPr lang="en-US"/>
+            <a:endParaRPr lang="en-US" dirty="0"/>
           </a:p>
         </p:txBody>
       </p:sp>
@@ -1001,7 +1001,7 @@
               <a:rPr lang="en-US" smtClean="0"/>
               <a:t>1/25/2019</a:t>
             </a:fld>
-            <a:endParaRPr lang="en-US"/>
+            <a:endParaRPr lang="en-US" dirty="0"/>
           </a:p>
         </p:txBody>
       </p:sp>
@@ -1026,7 +1026,7 @@
           <a:bodyPr/>
           <a:lstStyle/>
           <a:p>
-            <a:endParaRPr lang="en-US"/>
+            <a:endParaRPr lang="en-US" dirty="0"/>
           </a:p>
         </p:txBody>
       </p:sp>
@@ -1055,7 +1055,7 @@
               <a:rPr lang="en-US" smtClean="0"/>
               <a:t>‹#›</a:t>
             </a:fld>
-            <a:endParaRPr lang="en-US"/>
+            <a:endParaRPr lang="en-US" dirty="0"/>
           </a:p>
         </p:txBody>
       </p:sp>
@@ -1209,7 +1209,7 @@
               <a:rPr lang="en-US" smtClean="0"/>
               <a:t>1/25/2019</a:t>
             </a:fld>
-            <a:endParaRPr lang="en-US"/>
+            <a:endParaRPr lang="en-US" dirty="0"/>
           </a:p>
         </p:txBody>
       </p:sp>
@@ -1234,7 +1234,7 @@
           <a:bodyPr/>
           <a:lstStyle/>
           <a:p>
-            <a:endParaRPr lang="en-US"/>
+            <a:endParaRPr lang="en-US" dirty="0"/>
           </a:p>
         </p:txBody>
       </p:sp>
@@ -1263,7 +1263,7 @@
               <a:rPr lang="en-US" smtClean="0"/>
               <a:t>‹#›</a:t>
             </a:fld>
-            <a:endParaRPr lang="en-US"/>
+            <a:endParaRPr lang="en-US" dirty="0"/>
           </a:p>
         </p:txBody>
       </p:sp>
@@ -1407,7 +1407,7 @@
               <a:rPr lang="en-US" smtClean="0"/>
               <a:t>1/25/2019</a:t>
             </a:fld>
-            <a:endParaRPr lang="en-US"/>
+            <a:endParaRPr lang="en-US" dirty="0"/>
           </a:p>
         </p:txBody>
       </p:sp>
@@ -1432,7 +1432,7 @@
           <a:bodyPr/>
           <a:lstStyle/>
           <a:p>
-            <a:endParaRPr lang="en-US"/>
+            <a:endParaRPr lang="en-US" dirty="0"/>
           </a:p>
         </p:txBody>
       </p:sp>
@@ -1461,7 +1461,7 @@
               <a:rPr lang="en-US" smtClean="0"/>
               <a:t>‹#›</a:t>
             </a:fld>
-            <a:endParaRPr lang="en-US"/>
+            <a:endParaRPr lang="en-US" dirty="0"/>
           </a:p>
         </p:txBody>
       </p:sp>
@@ -1682,7 +1682,7 @@
               <a:rPr lang="en-US" smtClean="0"/>
               <a:t>1/25/2019</a:t>
             </a:fld>
-            <a:endParaRPr lang="en-US"/>
+            <a:endParaRPr lang="en-US" dirty="0"/>
           </a:p>
         </p:txBody>
       </p:sp>
@@ -1707,7 +1707,7 @@
           <a:bodyPr/>
           <a:lstStyle/>
           <a:p>
-            <a:endParaRPr lang="en-US"/>
+            <a:endParaRPr lang="en-US" dirty="0"/>
           </a:p>
         </p:txBody>
       </p:sp>
@@ -1736,7 +1736,7 @@
               <a:rPr lang="en-US" smtClean="0"/>
               <a:t>‹#›</a:t>
             </a:fld>
-            <a:endParaRPr lang="en-US"/>
+            <a:endParaRPr lang="en-US" dirty="0"/>
           </a:p>
         </p:txBody>
       </p:sp>
@@ -1947,7 +1947,7 @@
               <a:rPr lang="en-US" smtClean="0"/>
               <a:t>1/25/2019</a:t>
             </a:fld>
-            <a:endParaRPr lang="en-US"/>
+            <a:endParaRPr lang="en-US" dirty="0"/>
           </a:p>
         </p:txBody>
       </p:sp>
@@ -1972,7 +1972,7 @@
           <a:bodyPr/>
           <a:lstStyle/>
           <a:p>
-            <a:endParaRPr lang="en-US"/>
+            <a:endParaRPr lang="en-US" dirty="0"/>
           </a:p>
         </p:txBody>
       </p:sp>
@@ -2001,7 +2001,7 @@
               <a:rPr lang="en-US" smtClean="0"/>
               <a:t>‹#›</a:t>
             </a:fld>
-            <a:endParaRPr lang="en-US"/>
+            <a:endParaRPr lang="en-US" dirty="0"/>
           </a:p>
         </p:txBody>
       </p:sp>
@@ -2359,7 +2359,7 @@
               <a:rPr lang="en-US" smtClean="0"/>
               <a:t>1/25/2019</a:t>
             </a:fld>
-            <a:endParaRPr lang="en-US"/>
+            <a:endParaRPr lang="en-US" dirty="0"/>
           </a:p>
         </p:txBody>
       </p:sp>
@@ -2384,7 +2384,7 @@
           <a:bodyPr/>
           <a:lstStyle/>
           <a:p>
-            <a:endParaRPr lang="en-US"/>
+            <a:endParaRPr lang="en-US" dirty="0"/>
           </a:p>
         </p:txBody>
       </p:sp>
@@ -2413,7 +2413,7 @@
               <a:rPr lang="en-US" smtClean="0"/>
               <a:t>‹#›</a:t>
             </a:fld>
-            <a:endParaRPr lang="en-US"/>
+            <a:endParaRPr lang="en-US" dirty="0"/>
           </a:p>
         </p:txBody>
       </p:sp>
@@ -2500,7 +2500,7 @@
               <a:rPr lang="en-US" smtClean="0"/>
               <a:t>1/25/2019</a:t>
             </a:fld>
-            <a:endParaRPr lang="en-US"/>
+            <a:endParaRPr lang="en-US" dirty="0"/>
           </a:p>
         </p:txBody>
       </p:sp>
@@ -2525,7 +2525,7 @@
           <a:bodyPr/>
           <a:lstStyle/>
           <a:p>
-            <a:endParaRPr lang="en-US"/>
+            <a:endParaRPr lang="en-US" dirty="0"/>
           </a:p>
         </p:txBody>
       </p:sp>
@@ -2554,7 +2554,7 @@
               <a:rPr lang="en-US" smtClean="0"/>
               <a:t>‹#›</a:t>
             </a:fld>
-            <a:endParaRPr lang="en-US"/>
+            <a:endParaRPr lang="en-US" dirty="0"/>
           </a:p>
         </p:txBody>
       </p:sp>
@@ -2613,7 +2613,7 @@
               <a:rPr lang="en-US" smtClean="0"/>
               <a:t>1/25/2019</a:t>
             </a:fld>
-            <a:endParaRPr lang="en-US"/>
+            <a:endParaRPr lang="en-US" dirty="0"/>
           </a:p>
         </p:txBody>
       </p:sp>
@@ -2638,7 +2638,7 @@
           <a:bodyPr/>
           <a:lstStyle/>
           <a:p>
-            <a:endParaRPr lang="en-US"/>
+            <a:endParaRPr lang="en-US" dirty="0"/>
           </a:p>
         </p:txBody>
       </p:sp>
@@ -2667,7 +2667,7 @@
               <a:rPr lang="en-US" smtClean="0"/>
               <a:t>‹#›</a:t>
             </a:fld>
-            <a:endParaRPr lang="en-US"/>
+            <a:endParaRPr lang="en-US" dirty="0"/>
           </a:p>
         </p:txBody>
       </p:sp>
@@ -2924,7 +2924,7 @@
               <a:rPr lang="en-US" smtClean="0"/>
               <a:t>1/25/2019</a:t>
             </a:fld>
-            <a:endParaRPr lang="en-US"/>
+            <a:endParaRPr lang="en-US" dirty="0"/>
           </a:p>
         </p:txBody>
       </p:sp>
@@ -2949,7 +2949,7 @@
           <a:bodyPr/>
           <a:lstStyle/>
           <a:p>
-            <a:endParaRPr lang="en-US"/>
+            <a:endParaRPr lang="en-US" dirty="0"/>
           </a:p>
         </p:txBody>
       </p:sp>
@@ -2978,7 +2978,7 @@
               <a:rPr lang="en-US" smtClean="0"/>
               <a:t>‹#›</a:t>
             </a:fld>
-            <a:endParaRPr lang="en-US"/>
+            <a:endParaRPr lang="en-US" dirty="0"/>
           </a:p>
         </p:txBody>
       </p:sp>
@@ -3112,7 +3112,7 @@
             </a:lvl9pPr>
           </a:lstStyle>
           <a:p>
-            <a:endParaRPr lang="en-US"/>
+            <a:endParaRPr lang="en-US" dirty="0"/>
           </a:p>
         </p:txBody>
       </p:sp>
@@ -3212,7 +3212,7 @@
               <a:rPr lang="en-US" smtClean="0"/>
               <a:t>1/25/2019</a:t>
             </a:fld>
-            <a:endParaRPr lang="en-US"/>
+            <a:endParaRPr lang="en-US" dirty="0"/>
           </a:p>
         </p:txBody>
       </p:sp>
@@ -3237,7 +3237,7 @@
           <a:bodyPr/>
           <a:lstStyle/>
           <a:p>
-            <a:endParaRPr lang="en-US"/>
+            <a:endParaRPr lang="en-US" dirty="0"/>
           </a:p>
         </p:txBody>
       </p:sp>
@@ -3266,7 +3266,7 @@
               <a:rPr lang="en-US" smtClean="0"/>
               <a:t>‹#›</a:t>
             </a:fld>
-            <a:endParaRPr lang="en-US"/>
+            <a:endParaRPr lang="en-US" dirty="0"/>
           </a:p>
         </p:txBody>
       </p:sp>
@@ -3453,7 +3453,7 @@
               <a:rPr lang="en-US" smtClean="0"/>
               <a:t>1/25/2019</a:t>
             </a:fld>
-            <a:endParaRPr lang="en-US"/>
+            <a:endParaRPr lang="en-US" dirty="0"/>
           </a:p>
         </p:txBody>
       </p:sp>
@@ -3496,7 +3496,7 @@
             </a:lvl1pPr>
           </a:lstStyle>
           <a:p>
-            <a:endParaRPr lang="en-US"/>
+            <a:endParaRPr lang="en-US" dirty="0"/>
           </a:p>
         </p:txBody>
       </p:sp>
@@ -3543,7 +3543,7 @@
               <a:rPr lang="en-US" smtClean="0"/>
               <a:t>‹#›</a:t>
             </a:fld>
-            <a:endParaRPr lang="en-US"/>
+            <a:endParaRPr lang="en-US" dirty="0"/>
           </a:p>
         </p:txBody>
       </p:sp>
@@ -3935,7 +3935,7 @@
           <a:lstStyle/>
           <a:p>
             <a:pPr algn="ctr"/>
-            <a:endParaRPr lang="en-US"/>
+            <a:endParaRPr lang="en-US" dirty="0"/>
           </a:p>
         </p:txBody>
       </p:sp>
@@ -4006,7 +4006,7 @@
           <a:lstStyle/>
           <a:p>
             <a:pPr algn="ctr"/>
-            <a:endParaRPr lang="en-US"/>
+            <a:endParaRPr lang="en-US" dirty="0"/>
           </a:p>
         </p:txBody>
       </p:sp>
@@ -4039,7 +4039,7 @@
           <a:lstStyle/>
           <a:p>
             <a:r>
-              <a:rPr lang="en-US" sz="5800"/>
+              <a:rPr lang="en-US" sz="19900" dirty="0"/>
               <a:t>Git</a:t>
             </a:r>
           </a:p>
@@ -4074,12 +4074,22 @@
           <a:lstStyle/>
           <a:p>
             <a:r>
-              <a:rPr lang="en-US">
+              <a:rPr lang="en-US" sz="2000" dirty="0">
                 <a:solidFill>
                   <a:schemeClr val="accent1"/>
                 </a:solidFill>
               </a:rPr>
-              <a:t>The A Team</a:t>
+              <a:t>An A Team Production</a:t>
+            </a:r>
+          </a:p>
+          <a:p>
+            <a:r>
+              <a:rPr lang="en-US" sz="2000" dirty="0">
+                <a:solidFill>
+                  <a:schemeClr val="accent1"/>
+                </a:solidFill>
+              </a:rPr>
+              <a:t>Daniel Albornoz, Andrew Jurik, Kei Ng</a:t>
             </a:r>
           </a:p>
         </p:txBody>
@@ -4235,7 +4245,7 @@
           <a:lstStyle/>
           <a:p>
             <a:pPr algn="ctr"/>
-            <a:endParaRPr lang="en-US"/>
+            <a:endParaRPr lang="en-US" dirty="0"/>
           </a:p>
         </p:txBody>
       </p:sp>
@@ -4343,7 +4353,7 @@
           <a:lstStyle/>
           <a:p>
             <a:pPr algn="ctr"/>
-            <a:endParaRPr lang="en-US"/>
+            <a:endParaRPr lang="en-US" dirty="0"/>
           </a:p>
         </p:txBody>
       </p:sp>
@@ -4453,7 +4463,7 @@
           <a:lstStyle/>
           <a:p>
             <a:pPr algn="ctr"/>
-            <a:endParaRPr lang="en-US"/>
+            <a:endParaRPr lang="en-US" dirty="0"/>
           </a:p>
         </p:txBody>
       </p:sp>
@@ -4486,7 +4496,7 @@
           <a:lstStyle/>
           <a:p>
             <a:r>
-              <a:rPr lang="en-US">
+              <a:rPr lang="en-US" dirty="0">
                 <a:solidFill>
                   <a:srgbClr val="FFFFFF"/>
                 </a:solidFill>
@@ -4544,20 +4554,12 @@
               <a:t>git branch &lt;</a:t>
             </a:r>
             <a:r>
-              <a:rPr lang="en-US" i="1" dirty="0" err="1">
+              <a:rPr lang="en-US" i="1" dirty="0">
                 <a:solidFill>
                   <a:srgbClr val="FFFFFF"/>
                 </a:solidFill>
               </a:rPr>
-              <a:t>branchname</a:t>
-            </a:r>
-            <a:r>
-              <a:rPr lang="en-US" i="1" dirty="0">
-                <a:solidFill>
-                  <a:srgbClr val="FFFFFF"/>
-                </a:solidFill>
-              </a:rPr>
-              <a:t>&gt;</a:t>
+              <a:t>branchname&gt;</a:t>
             </a:r>
             <a:endParaRPr lang="en-US" dirty="0">
               <a:solidFill>
@@ -4596,20 +4598,12 @@
               <a:t>git checkout &lt;</a:t>
             </a:r>
             <a:r>
-              <a:rPr lang="en-US" i="1" dirty="0" err="1">
+              <a:rPr lang="en-US" i="1" dirty="0">
                 <a:solidFill>
                   <a:srgbClr val="FFFFFF"/>
                 </a:solidFill>
               </a:rPr>
-              <a:t>branchname</a:t>
-            </a:r>
-            <a:r>
-              <a:rPr lang="en-US" i="1" dirty="0">
-                <a:solidFill>
-                  <a:srgbClr val="FFFFFF"/>
-                </a:solidFill>
-              </a:rPr>
-              <a:t>&gt;</a:t>
+              <a:t>branchname&gt;</a:t>
             </a:r>
           </a:p>
           <a:p>
@@ -4631,23 +4625,7 @@
                   <a:srgbClr val="FFFFFF"/>
                 </a:solidFill>
               </a:rPr>
-              <a:t>git checkout –b &lt;</a:t>
-            </a:r>
-            <a:r>
-              <a:rPr lang="en-US" dirty="0" err="1">
-                <a:solidFill>
-                  <a:srgbClr val="FFFFFF"/>
-                </a:solidFill>
-              </a:rPr>
-              <a:t>branchname</a:t>
-            </a:r>
-            <a:r>
-              <a:rPr lang="en-US" dirty="0">
-                <a:solidFill>
-                  <a:srgbClr val="FFFFFF"/>
-                </a:solidFill>
-              </a:rPr>
-              <a:t>&gt;</a:t>
+              <a:t>git checkout –b &lt;branchname&gt;</a:t>
             </a:r>
           </a:p>
           <a:p>
@@ -4757,7 +4735,7 @@
           <a:lstStyle/>
           <a:p>
             <a:pPr algn="ctr"/>
-            <a:endParaRPr lang="en-US"/>
+            <a:endParaRPr lang="en-US" dirty="0"/>
           </a:p>
         </p:txBody>
       </p:sp>
@@ -4865,7 +4843,7 @@
           <a:lstStyle/>
           <a:p>
             <a:pPr algn="ctr"/>
-            <a:endParaRPr lang="en-US"/>
+            <a:endParaRPr lang="en-US" dirty="0"/>
           </a:p>
         </p:txBody>
       </p:sp>
@@ -4975,7 +4953,7 @@
           <a:lstStyle/>
           <a:p>
             <a:pPr algn="ctr"/>
-            <a:endParaRPr lang="en-US"/>
+            <a:endParaRPr lang="en-US" dirty="0"/>
           </a:p>
         </p:txBody>
       </p:sp>
@@ -5008,7 +4986,7 @@
           <a:lstStyle/>
           <a:p>
             <a:r>
-              <a:rPr lang="en-US">
+              <a:rPr lang="en-US" dirty="0">
                 <a:solidFill>
                   <a:srgbClr val="FFFFFF"/>
                 </a:solidFill>
@@ -5194,7 +5172,7 @@
           <a:lstStyle/>
           <a:p>
             <a:pPr algn="ctr"/>
-            <a:endParaRPr lang="en-US"/>
+            <a:endParaRPr lang="en-US" dirty="0"/>
           </a:p>
         </p:txBody>
       </p:sp>
@@ -5302,7 +5280,7 @@
           <a:lstStyle/>
           <a:p>
             <a:pPr algn="ctr"/>
-            <a:endParaRPr lang="en-US"/>
+            <a:endParaRPr lang="en-US" dirty="0"/>
           </a:p>
         </p:txBody>
       </p:sp>
@@ -5412,7 +5390,7 @@
           <a:lstStyle/>
           <a:p>
             <a:pPr algn="ctr"/>
-            <a:endParaRPr lang="en-US"/>
+            <a:endParaRPr lang="en-US" dirty="0"/>
           </a:p>
         </p:txBody>
       </p:sp>
@@ -5445,7 +5423,7 @@
           <a:lstStyle/>
           <a:p>
             <a:r>
-              <a:rPr lang="en-US">
+              <a:rPr lang="en-US" dirty="0">
                 <a:solidFill>
                   <a:srgbClr val="FFFFFF"/>
                 </a:solidFill>
@@ -5500,45 +5478,19 @@
                   <a:srgbClr val="FFFFFF"/>
                 </a:solidFill>
               </a:rPr>
-              <a:t>git checkout </a:t>
-            </a:r>
-            <a:r>
-              <a:rPr lang="en-US" dirty="0" err="1">
+              <a:t>git checkout branchA</a:t>
+            </a:r>
+          </a:p>
+          <a:p>
+            <a:pPr lvl="1"/>
+            <a:r>
+              <a:rPr lang="en-US" dirty="0">
                 <a:solidFill>
                   <a:srgbClr val="FFFFFF"/>
                 </a:solidFill>
               </a:rPr>
-              <a:t>branchA</a:t>
-            </a:r>
-            <a:endParaRPr lang="en-US" dirty="0">
-              <a:solidFill>
-                <a:srgbClr val="FFFFFF"/>
-              </a:solidFill>
-            </a:endParaRPr>
-          </a:p>
-          <a:p>
-            <a:pPr lvl="1"/>
-            <a:r>
-              <a:rPr lang="en-US" dirty="0">
-                <a:solidFill>
-                  <a:srgbClr val="FFFFFF"/>
-                </a:solidFill>
-              </a:rPr>
-              <a:t>git merge </a:t>
-            </a:r>
-            <a:r>
-              <a:rPr lang="en-US" dirty="0" err="1">
-                <a:solidFill>
-                  <a:srgbClr val="FFFFFF"/>
-                </a:solidFill>
-              </a:rPr>
-              <a:t>branchB</a:t>
-            </a:r>
-            <a:endParaRPr lang="en-US" dirty="0">
-              <a:solidFill>
-                <a:srgbClr val="FFFFFF"/>
-              </a:solidFill>
-            </a:endParaRPr>
+              <a:t>git merge branchB</a:t>
+            </a:r>
           </a:p>
           <a:p>
             <a:pPr lvl="1"/>
@@ -5668,7 +5620,7 @@
           <a:lstStyle/>
           <a:p>
             <a:pPr algn="ctr"/>
-            <a:endParaRPr lang="en-US"/>
+            <a:endParaRPr lang="en-US" dirty="0"/>
           </a:p>
         </p:txBody>
       </p:sp>
@@ -5776,7 +5728,7 @@
           <a:lstStyle/>
           <a:p>
             <a:pPr algn="ctr"/>
-            <a:endParaRPr lang="en-US"/>
+            <a:endParaRPr lang="en-US" dirty="0"/>
           </a:p>
         </p:txBody>
       </p:sp>
@@ -5886,7 +5838,7 @@
           <a:lstStyle/>
           <a:p>
             <a:pPr algn="ctr"/>
-            <a:endParaRPr lang="en-US"/>
+            <a:endParaRPr lang="en-US" dirty="0"/>
           </a:p>
         </p:txBody>
       </p:sp>
@@ -5919,7 +5871,7 @@
           <a:lstStyle/>
           <a:p>
             <a:r>
-              <a:rPr lang="en-US">
+              <a:rPr lang="en-US" dirty="0">
                 <a:solidFill>
                   <a:srgbClr val="FFFFFF"/>
                 </a:solidFill>
@@ -6014,23 +5966,7 @@
                   <a:srgbClr val="FFFFFF"/>
                 </a:solidFill>
               </a:rPr>
-              <a:t>“git log --</a:t>
-            </a:r>
-            <a:r>
-              <a:rPr lang="en-US" sz="2000" dirty="0" err="1">
-                <a:solidFill>
-                  <a:srgbClr val="FFFFFF"/>
-                </a:solidFill>
-              </a:rPr>
-              <a:t>oneline</a:t>
-            </a:r>
-            <a:r>
-              <a:rPr lang="en-US" sz="2000" dirty="0">
-                <a:solidFill>
-                  <a:srgbClr val="FFFFFF"/>
-                </a:solidFill>
-              </a:rPr>
-              <a:t> --graph” can be used to see the  relationship between the new commit and its parent commits</a:t>
+              <a:t>“git log --oneline --graph” can be used to see the  relationship between the new commit and its parent commits</a:t>
             </a:r>
           </a:p>
           <a:p>
@@ -6140,7 +6076,7 @@
           <a:lstStyle/>
           <a:p>
             <a:pPr algn="ctr"/>
-            <a:endParaRPr lang="en-US"/>
+            <a:endParaRPr lang="en-US" dirty="0"/>
           </a:p>
         </p:txBody>
       </p:sp>
@@ -6248,7 +6184,7 @@
           <a:lstStyle/>
           <a:p>
             <a:pPr algn="ctr"/>
-            <a:endParaRPr lang="en-US"/>
+            <a:endParaRPr lang="en-US" dirty="0"/>
           </a:p>
         </p:txBody>
       </p:sp>
@@ -6358,7 +6294,7 @@
           <a:lstStyle/>
           <a:p>
             <a:pPr algn="ctr"/>
-            <a:endParaRPr lang="en-US"/>
+            <a:endParaRPr lang="en-US" dirty="0"/>
           </a:p>
         </p:txBody>
       </p:sp>
@@ -6391,7 +6327,7 @@
           <a:lstStyle/>
           <a:p>
             <a:r>
-              <a:rPr lang="en-US">
+              <a:rPr lang="en-US" dirty="0">
                 <a:solidFill>
                   <a:srgbClr val="FFFFFF"/>
                 </a:solidFill>
@@ -6457,21 +6393,8 @@
                   <a:srgbClr val="FFFFFF"/>
                 </a:solidFill>
               </a:rPr>
-              <a:t>To delete: git branch –d </a:t>
-            </a:r>
-            <a:r>
-              <a:rPr lang="en-US" dirty="0" err="1">
-                <a:solidFill>
-                  <a:srgbClr val="FFFFFF"/>
-                </a:solidFill>
-              </a:rPr>
-              <a:t>branchB</a:t>
-            </a:r>
-            <a:endParaRPr lang="en-US" dirty="0">
-              <a:solidFill>
-                <a:srgbClr val="FFFFFF"/>
-              </a:solidFill>
-            </a:endParaRPr>
+              <a:t>To delete: git branch –d branchB</a:t>
+            </a:r>
           </a:p>
           <a:p>
             <a:pPr lvl="2"/>
@@ -6492,37 +6415,8 @@
                   <a:srgbClr val="FFFFFF"/>
                 </a:solidFill>
               </a:rPr>
-              <a:t>git checkout </a:t>
-            </a:r>
-            <a:r>
-              <a:rPr lang="en-US" sz="2000" dirty="0" err="1">
-                <a:solidFill>
-                  <a:srgbClr val="FFFFFF"/>
-                </a:solidFill>
-              </a:rPr>
-              <a:t>branchB</a:t>
-            </a:r>
-            <a:r>
-              <a:rPr lang="en-US" sz="2000" dirty="0">
-                <a:solidFill>
-                  <a:srgbClr val="FFFFFF"/>
-                </a:solidFill>
-              </a:rPr>
-              <a:t>; git merge </a:t>
-            </a:r>
-            <a:r>
-              <a:rPr lang="en-US" sz="2000" dirty="0" err="1">
-                <a:solidFill>
-                  <a:srgbClr val="FFFFFF"/>
-                </a:solidFill>
-              </a:rPr>
-              <a:t>branchA</a:t>
-            </a:r>
-            <a:endParaRPr lang="en-US" sz="2000" dirty="0">
-              <a:solidFill>
-                <a:srgbClr val="FFFFFF"/>
-              </a:solidFill>
-            </a:endParaRPr>
+              <a:t>git checkout branchB; git merge branchA</a:t>
+            </a:r>
           </a:p>
           <a:p>
             <a:pPr lvl="3"/>
@@ -6652,7 +6546,7 @@
           <a:lstStyle/>
           <a:p>
             <a:pPr algn="ctr"/>
-            <a:endParaRPr lang="en-US"/>
+            <a:endParaRPr lang="en-US" dirty="0"/>
           </a:p>
         </p:txBody>
       </p:sp>
@@ -6760,7 +6654,7 @@
           <a:lstStyle/>
           <a:p>
             <a:pPr algn="ctr"/>
-            <a:endParaRPr lang="en-US"/>
+            <a:endParaRPr lang="en-US" dirty="0"/>
           </a:p>
         </p:txBody>
       </p:sp>
@@ -6870,7 +6764,7 @@
           <a:lstStyle/>
           <a:p>
             <a:pPr algn="ctr"/>
-            <a:endParaRPr lang="en-US"/>
+            <a:endParaRPr lang="en-US" dirty="0"/>
           </a:p>
         </p:txBody>
       </p:sp>
@@ -6903,7 +6797,7 @@
           <a:lstStyle/>
           <a:p>
             <a:r>
-              <a:rPr lang="en-US">
+              <a:rPr lang="en-US" dirty="0">
                 <a:solidFill>
                   <a:srgbClr val="FFFFFF"/>
                 </a:solidFill>
@@ -6942,74 +6836,34 @@
           <a:lstStyle/>
           <a:p>
             <a:r>
-              <a:rPr lang="en-US" sz="2400" dirty="0" err="1">
+              <a:rPr lang="en-US" sz="2400" dirty="0">
                 <a:solidFill>
                   <a:srgbClr val="FFFFFF"/>
                 </a:solidFill>
               </a:rPr>
-              <a:t>Github</a:t>
-            </a:r>
-            <a:r>
-              <a:rPr lang="en-US" sz="2400" dirty="0">
+              <a:t>Github is a free online git host which is useful for collaborationand backing up local repositories.</a:t>
+            </a:r>
+          </a:p>
+          <a:p>
+            <a:pPr lvl="1"/>
+            <a:r>
+              <a:rPr lang="en-US" dirty="0">
                 <a:solidFill>
                   <a:srgbClr val="FFFFFF"/>
                 </a:solidFill>
               </a:rPr>
-              <a:t> is a free online git host which is useful for </a:t>
-            </a:r>
-            <a:r>
-              <a:rPr lang="en-US" sz="2400" dirty="0" err="1">
+              <a:t>Github offers many tools for managing code among multiple users.</a:t>
+            </a:r>
+          </a:p>
+          <a:p>
+            <a:pPr lvl="1"/>
+            <a:r>
+              <a:rPr lang="en-US" dirty="0">
                 <a:solidFill>
                   <a:srgbClr val="FFFFFF"/>
                 </a:solidFill>
               </a:rPr>
-              <a:t>collaborationand</a:t>
-            </a:r>
-            <a:r>
-              <a:rPr lang="en-US" sz="2400" dirty="0">
-                <a:solidFill>
-                  <a:srgbClr val="FFFFFF"/>
-                </a:solidFill>
-              </a:rPr>
-              <a:t> backing up local repositories.</a:t>
-            </a:r>
-          </a:p>
-          <a:p>
-            <a:pPr lvl="1"/>
-            <a:r>
-              <a:rPr lang="en-US" dirty="0" err="1">
-                <a:solidFill>
-                  <a:srgbClr val="FFFFFF"/>
-                </a:solidFill>
-              </a:rPr>
-              <a:t>Github</a:t>
-            </a:r>
-            <a:r>
-              <a:rPr lang="en-US" dirty="0">
-                <a:solidFill>
-                  <a:srgbClr val="FFFFFF"/>
-                </a:solidFill>
-              </a:rPr>
-              <a:t> offers many tools for managing code among multiple users.</a:t>
-            </a:r>
-          </a:p>
-          <a:p>
-            <a:pPr lvl="1"/>
-            <a:r>
-              <a:rPr lang="en-US" dirty="0" err="1">
-                <a:solidFill>
-                  <a:srgbClr val="FFFFFF"/>
-                </a:solidFill>
-              </a:rPr>
-              <a:t>Github</a:t>
-            </a:r>
-            <a:r>
-              <a:rPr lang="en-US" dirty="0">
-                <a:solidFill>
-                  <a:srgbClr val="FFFFFF"/>
-                </a:solidFill>
-              </a:rPr>
-              <a:t> also has a UI for git functions such as creating a repository, branching, committing, and viewing commits.</a:t>
+              <a:t>Github also has a UI for git functions such as creating a repository, branching, committing, and viewing commits.</a:t>
             </a:r>
           </a:p>
           <a:p>
@@ -7158,7 +7012,7 @@
           <a:lstStyle/>
           <a:p>
             <a:pPr algn="ctr"/>
-            <a:endParaRPr lang="en-US"/>
+            <a:endParaRPr lang="en-US" dirty="0"/>
           </a:p>
         </p:txBody>
       </p:sp>
@@ -7266,7 +7120,7 @@
           <a:lstStyle/>
           <a:p>
             <a:pPr algn="ctr"/>
-            <a:endParaRPr lang="en-US"/>
+            <a:endParaRPr lang="en-US" dirty="0"/>
           </a:p>
         </p:txBody>
       </p:sp>
@@ -7376,7 +7230,7 @@
           <a:lstStyle/>
           <a:p>
             <a:pPr algn="ctr"/>
-            <a:endParaRPr lang="en-US"/>
+            <a:endParaRPr lang="en-US" dirty="0"/>
           </a:p>
         </p:txBody>
       </p:sp>
@@ -7409,7 +7263,7 @@
           <a:lstStyle/>
           <a:p>
             <a:r>
-              <a:rPr lang="en-US">
+              <a:rPr lang="en-US" dirty="0">
                 <a:solidFill>
                   <a:srgbClr val="FFFFFF"/>
                 </a:solidFill>
@@ -7453,23 +7307,7 @@
                   <a:srgbClr val="FFFFFF"/>
                 </a:solidFill>
               </a:rPr>
-              <a:t>A </a:t>
-            </a:r>
-            <a:r>
-              <a:rPr lang="en-US" sz="2400" dirty="0" err="1">
-                <a:solidFill>
-                  <a:srgbClr val="FFFFFF"/>
-                </a:solidFill>
-              </a:rPr>
-              <a:t>Github</a:t>
-            </a:r>
-            <a:r>
-              <a:rPr lang="en-US" sz="2400" dirty="0">
-                <a:solidFill>
-                  <a:srgbClr val="FFFFFF"/>
-                </a:solidFill>
-              </a:rPr>
-              <a:t> fork is a copy of another user’s repository to your own profile, similar to a git clone.</a:t>
+              <a:t>A Github fork is a copy of another user’s repository to your own profile, similar to a git clone.</a:t>
             </a:r>
           </a:p>
           <a:p>
@@ -7486,23 +7324,7 @@
                   <a:srgbClr val="FFFFFF"/>
                 </a:solidFill>
               </a:rPr>
-              <a:t>When visiting your fork, </a:t>
-            </a:r>
-            <a:r>
-              <a:rPr lang="en-US" sz="2400" dirty="0" err="1">
-                <a:solidFill>
-                  <a:srgbClr val="FFFFFF"/>
-                </a:solidFill>
-              </a:rPr>
-              <a:t>Github</a:t>
-            </a:r>
-            <a:r>
-              <a:rPr lang="en-US" sz="2400" dirty="0">
-                <a:solidFill>
-                  <a:srgbClr val="FFFFFF"/>
-                </a:solidFill>
-              </a:rPr>
-              <a:t> will tell you if it is ahead or behind the original code.</a:t>
+              <a:t>When visiting your fork, Github will tell you if it is ahead or behind the original code.</a:t>
             </a:r>
           </a:p>
           <a:p>
@@ -7626,7 +7448,7 @@
           <a:lstStyle/>
           <a:p>
             <a:pPr algn="ctr"/>
-            <a:endParaRPr lang="en-US"/>
+            <a:endParaRPr lang="en-US" dirty="0"/>
           </a:p>
         </p:txBody>
       </p:sp>
@@ -7734,7 +7556,7 @@
           <a:lstStyle/>
           <a:p>
             <a:pPr algn="ctr"/>
-            <a:endParaRPr lang="en-US"/>
+            <a:endParaRPr lang="en-US" dirty="0"/>
           </a:p>
         </p:txBody>
       </p:sp>
@@ -7844,7 +7666,7 @@
           <a:lstStyle/>
           <a:p>
             <a:pPr algn="ctr"/>
-            <a:endParaRPr lang="en-US"/>
+            <a:endParaRPr lang="en-US" dirty="0"/>
           </a:p>
         </p:txBody>
       </p:sp>
@@ -7877,7 +7699,7 @@
           <a:lstStyle/>
           <a:p>
             <a:r>
-              <a:rPr lang="en-US">
+              <a:rPr lang="en-US" dirty="0">
                 <a:solidFill>
                   <a:srgbClr val="FFFFFF"/>
                 </a:solidFill>
@@ -7921,39 +7743,7 @@
                   <a:srgbClr val="FFFFFF"/>
                 </a:solidFill>
               </a:rPr>
-              <a:t>Creating a pull request is how merges are initiated on </a:t>
-            </a:r>
-            <a:r>
-              <a:rPr lang="en-US" sz="2400" dirty="0" err="1">
-                <a:solidFill>
-                  <a:srgbClr val="FFFFFF"/>
-                </a:solidFill>
-              </a:rPr>
-              <a:t>Github</a:t>
-            </a:r>
-            <a:r>
-              <a:rPr lang="en-US" sz="2400" dirty="0">
-                <a:solidFill>
-                  <a:srgbClr val="FFFFFF"/>
-                </a:solidFill>
-              </a:rPr>
-              <a:t>. Pull requests can be created from </a:t>
-            </a:r>
-            <a:r>
-              <a:rPr lang="en-US" sz="2400" dirty="0" err="1">
-                <a:solidFill>
-                  <a:srgbClr val="FFFFFF"/>
-                </a:solidFill>
-              </a:rPr>
-              <a:t>Github</a:t>
-            </a:r>
-            <a:r>
-              <a:rPr lang="en-US" sz="2400" dirty="0">
-                <a:solidFill>
-                  <a:srgbClr val="FFFFFF"/>
-                </a:solidFill>
-              </a:rPr>
-              <a:t> repository branch or a fork of the repository.</a:t>
+              <a:t>Creating a pull request is how merges are initiated on Github. Pull requests can be created from Github repository branch or a fork of the repository.</a:t>
             </a:r>
           </a:p>
           <a:p>
@@ -8086,7 +7876,7 @@
           <a:lstStyle/>
           <a:p>
             <a:pPr algn="ctr"/>
-            <a:endParaRPr lang="en-US"/>
+            <a:endParaRPr lang="en-US" dirty="0"/>
           </a:p>
         </p:txBody>
       </p:sp>
@@ -8194,7 +7984,7 @@
           <a:lstStyle/>
           <a:p>
             <a:pPr algn="ctr"/>
-            <a:endParaRPr lang="en-US"/>
+            <a:endParaRPr lang="en-US" dirty="0"/>
           </a:p>
         </p:txBody>
       </p:sp>
@@ -8304,7 +8094,7 @@
           <a:lstStyle/>
           <a:p>
             <a:pPr algn="ctr"/>
-            <a:endParaRPr lang="en-US"/>
+            <a:endParaRPr lang="en-US" dirty="0"/>
           </a:p>
         </p:txBody>
       </p:sp>
@@ -8337,7 +8127,7 @@
           <a:lstStyle/>
           <a:p>
             <a:r>
-              <a:rPr lang="en-US">
+              <a:rPr lang="en-US" dirty="0">
                 <a:solidFill>
                   <a:srgbClr val="FFFFFF"/>
                 </a:solidFill>
@@ -8381,50 +8171,18 @@
                   <a:srgbClr val="FFFFFF"/>
                 </a:solidFill>
               </a:rPr>
-              <a:t>Working with </a:t>
-            </a:r>
-            <a:r>
-              <a:rPr lang="en-US" sz="2400" dirty="0" err="1">
+              <a:t>Working with Github from your local repository requires working with remote repositories.</a:t>
+            </a:r>
+          </a:p>
+          <a:p>
+            <a:pPr lvl="1"/>
+            <a:r>
+              <a:rPr lang="en-US" dirty="0">
                 <a:solidFill>
                   <a:srgbClr val="FFFFFF"/>
                 </a:solidFill>
               </a:rPr>
-              <a:t>Github</a:t>
-            </a:r>
-            <a:r>
-              <a:rPr lang="en-US" sz="2400" dirty="0">
-                <a:solidFill>
-                  <a:srgbClr val="FFFFFF"/>
-                </a:solidFill>
-              </a:rPr>
-              <a:t> from your local repository requires working with remote repositories.</a:t>
-            </a:r>
-          </a:p>
-          <a:p>
-            <a:pPr lvl="1"/>
-            <a:r>
-              <a:rPr lang="en-US" dirty="0">
-                <a:solidFill>
-                  <a:srgbClr val="FFFFFF"/>
-                </a:solidFill>
-              </a:rPr>
-              <a:t>When you clone from an external source such as </a:t>
-            </a:r>
-            <a:r>
-              <a:rPr lang="en-US" dirty="0" err="1">
-                <a:solidFill>
-                  <a:srgbClr val="FFFFFF"/>
-                </a:solidFill>
-              </a:rPr>
-              <a:t>Github</a:t>
-            </a:r>
-            <a:r>
-              <a:rPr lang="en-US" dirty="0">
-                <a:solidFill>
-                  <a:srgbClr val="FFFFFF"/>
-                </a:solidFill>
-              </a:rPr>
-              <a:t>, a remote repository is automatically created in your local repository called “origin”</a:t>
+              <a:t>When you clone from an external source such as Github, a remote repository is automatically created in your local repository called “origin”</a:t>
             </a:r>
           </a:p>
           <a:p>
@@ -8453,23 +8211,7 @@
                   <a:srgbClr val="FFFFFF"/>
                 </a:solidFill>
               </a:rPr>
-              <a:t>git remote add &lt;name&gt; &lt;</a:t>
-            </a:r>
-            <a:r>
-              <a:rPr lang="en-US" dirty="0" err="1">
-                <a:solidFill>
-                  <a:srgbClr val="FFFFFF"/>
-                </a:solidFill>
-              </a:rPr>
-              <a:t>url</a:t>
-            </a:r>
-            <a:r>
-              <a:rPr lang="en-US" dirty="0">
-                <a:solidFill>
-                  <a:srgbClr val="FFFFFF"/>
-                </a:solidFill>
-              </a:rPr>
-              <a:t>&gt;</a:t>
+              <a:t>git remote add &lt;name&gt; &lt;url&gt;</a:t>
             </a:r>
           </a:p>
         </p:txBody>
@@ -8571,7 +8313,7 @@
           <a:lstStyle/>
           <a:p>
             <a:pPr algn="ctr"/>
-            <a:endParaRPr lang="en-US"/>
+            <a:endParaRPr lang="en-US" dirty="0"/>
           </a:p>
         </p:txBody>
       </p:sp>
@@ -8679,7 +8421,7 @@
           <a:lstStyle/>
           <a:p>
             <a:pPr algn="ctr"/>
-            <a:endParaRPr lang="en-US"/>
+            <a:endParaRPr lang="en-US" dirty="0"/>
           </a:p>
         </p:txBody>
       </p:sp>
@@ -8789,7 +8531,7 @@
           <a:lstStyle/>
           <a:p>
             <a:pPr algn="ctr"/>
-            <a:endParaRPr lang="en-US"/>
+            <a:endParaRPr lang="en-US" dirty="0"/>
           </a:p>
         </p:txBody>
       </p:sp>
@@ -8822,7 +8564,7 @@
           <a:lstStyle/>
           <a:p>
             <a:r>
-              <a:rPr lang="en-US">
+              <a:rPr lang="en-US" dirty="0">
                 <a:solidFill>
                   <a:srgbClr val="FFFFFF"/>
                 </a:solidFill>
@@ -8880,20 +8622,12 @@
               <a:t>git fetch &lt;</a:t>
             </a:r>
             <a:r>
-              <a:rPr lang="en-US" sz="2800" i="1" dirty="0" err="1">
+              <a:rPr lang="en-US" sz="2800" i="1" dirty="0">
                 <a:solidFill>
                   <a:srgbClr val="FFFFFF"/>
                 </a:solidFill>
               </a:rPr>
-              <a:t>remote_name</a:t>
-            </a:r>
-            <a:r>
-              <a:rPr lang="en-US" sz="2800" i="1" dirty="0">
-                <a:solidFill>
-                  <a:srgbClr val="FFFFFF"/>
-                </a:solidFill>
-              </a:rPr>
-              <a:t>&gt;</a:t>
+              <a:t>remote_name&gt;</a:t>
             </a:r>
             <a:r>
               <a:rPr lang="en-US" sz="2800" dirty="0">
@@ -8930,39 +8664,7 @@
                   <a:srgbClr val="FFFFFF"/>
                 </a:solidFill>
               </a:rPr>
-              <a:t>git remote add –f &lt;</a:t>
-            </a:r>
-            <a:r>
-              <a:rPr lang="en-US" sz="2800" dirty="0" err="1">
-                <a:solidFill>
-                  <a:srgbClr val="FFFFFF"/>
-                </a:solidFill>
-              </a:rPr>
-              <a:t>remote_name</a:t>
-            </a:r>
-            <a:r>
-              <a:rPr lang="en-US" sz="2800" dirty="0">
-                <a:solidFill>
-                  <a:srgbClr val="FFFFFF"/>
-                </a:solidFill>
-              </a:rPr>
-              <a:t>&gt; &lt;</a:t>
-            </a:r>
-            <a:r>
-              <a:rPr lang="en-US" sz="2800" dirty="0" err="1">
-                <a:solidFill>
-                  <a:srgbClr val="FFFFFF"/>
-                </a:solidFill>
-              </a:rPr>
-              <a:t>url</a:t>
-            </a:r>
-            <a:r>
-              <a:rPr lang="en-US" sz="2800" dirty="0">
-                <a:solidFill>
-                  <a:srgbClr val="FFFFFF"/>
-                </a:solidFill>
-              </a:rPr>
-              <a:t>&gt;</a:t>
+              <a:t>git remote add –f &lt;remote_name&gt; &lt;url&gt;</a:t>
             </a:r>
           </a:p>
         </p:txBody>
@@ -9069,7 +8771,7 @@
           <a:lstStyle/>
           <a:p>
             <a:pPr algn="ctr"/>
-            <a:endParaRPr lang="en-US"/>
+            <a:endParaRPr lang="en-US" dirty="0"/>
           </a:p>
         </p:txBody>
       </p:sp>
@@ -9177,7 +8879,7 @@
           <a:lstStyle/>
           <a:p>
             <a:pPr algn="ctr"/>
-            <a:endParaRPr lang="en-US"/>
+            <a:endParaRPr lang="en-US" dirty="0"/>
           </a:p>
         </p:txBody>
       </p:sp>
@@ -9287,7 +8989,7 @@
           <a:lstStyle/>
           <a:p>
             <a:pPr algn="ctr"/>
-            <a:endParaRPr lang="en-US"/>
+            <a:endParaRPr lang="en-US" dirty="0"/>
           </a:p>
         </p:txBody>
       </p:sp>
@@ -9315,21 +9017,8 @@
           <a:p>
             <a:r>
               <a:rPr lang="en-US" dirty="0"/>
-              <a:t>What are </a:t>
-            </a:r>
-            <a:r>
-              <a:rPr lang="en-US" dirty="0" err="1"/>
-              <a:t>Git</a:t>
-            </a:r>
-            <a:r>
-              <a:rPr lang="en-US" dirty="0"/>
-              <a:t> &amp; </a:t>
-            </a:r>
-            <a:r>
-              <a:rPr lang="en-US" dirty="0" err="1"/>
-              <a:t>GitHub</a:t>
-            </a:r>
-            <a:endParaRPr lang="en-US" dirty="0"/>
+              <a:t>What are Git &amp; GitHub</a:t>
+            </a:r>
           </a:p>
         </p:txBody>
       </p:sp>
@@ -9544,7 +9233,7 @@
           <a:lstStyle/>
           <a:p>
             <a:pPr algn="ctr"/>
-            <a:endParaRPr lang="en-US"/>
+            <a:endParaRPr lang="en-US" dirty="0"/>
           </a:p>
         </p:txBody>
       </p:sp>
@@ -9652,7 +9341,7 @@
           <a:lstStyle/>
           <a:p>
             <a:pPr algn="ctr"/>
-            <a:endParaRPr lang="en-US"/>
+            <a:endParaRPr lang="en-US" dirty="0"/>
           </a:p>
         </p:txBody>
       </p:sp>
@@ -9762,7 +9451,7 @@
           <a:lstStyle/>
           <a:p>
             <a:pPr algn="ctr"/>
-            <a:endParaRPr lang="en-US"/>
+            <a:endParaRPr lang="en-US" dirty="0"/>
           </a:p>
         </p:txBody>
       </p:sp>
@@ -9795,7 +9484,7 @@
           <a:lstStyle/>
           <a:p>
             <a:r>
-              <a:rPr lang="en-US">
+              <a:rPr lang="en-US" dirty="0">
                 <a:solidFill>
                   <a:srgbClr val="FFFFFF"/>
                 </a:solidFill>
@@ -9878,23 +9567,7 @@
                   <a:srgbClr val="FFFFFF"/>
                 </a:solidFill>
               </a:rPr>
-              <a:t>git branch –u &lt;remote&gt;/&lt;</a:t>
-            </a:r>
-            <a:r>
-              <a:rPr lang="en-US" dirty="0" err="1">
-                <a:solidFill>
-                  <a:srgbClr val="FFFFFF"/>
-                </a:solidFill>
-              </a:rPr>
-              <a:t>remote_branch</a:t>
-            </a:r>
-            <a:r>
-              <a:rPr lang="en-US" dirty="0">
-                <a:solidFill>
-                  <a:srgbClr val="FFFFFF"/>
-                </a:solidFill>
-              </a:rPr>
-              <a:t>&gt;</a:t>
+              <a:t>git branch –u &lt;remote&gt;/&lt;remote_branch&gt;</a:t>
             </a:r>
           </a:p>
         </p:txBody>
@@ -9996,7 +9669,7 @@
           <a:lstStyle/>
           <a:p>
             <a:pPr algn="ctr"/>
-            <a:endParaRPr lang="en-US"/>
+            <a:endParaRPr lang="en-US" dirty="0"/>
           </a:p>
         </p:txBody>
       </p:sp>
@@ -10104,7 +9777,7 @@
           <a:lstStyle/>
           <a:p>
             <a:pPr algn="ctr"/>
-            <a:endParaRPr lang="en-US"/>
+            <a:endParaRPr lang="en-US" dirty="0"/>
           </a:p>
         </p:txBody>
       </p:sp>
@@ -10214,7 +9887,7 @@
           <a:lstStyle/>
           <a:p>
             <a:pPr algn="ctr"/>
-            <a:endParaRPr lang="en-US"/>
+            <a:endParaRPr lang="en-US" dirty="0"/>
           </a:p>
         </p:txBody>
       </p:sp>
@@ -10247,7 +9920,7 @@
           <a:lstStyle/>
           <a:p>
             <a:r>
-              <a:rPr lang="en-US">
+              <a:rPr lang="en-US" dirty="0">
                 <a:solidFill>
                   <a:srgbClr val="FFFFFF"/>
                 </a:solidFill>
@@ -10302,82 +9975,18 @@
                   <a:srgbClr val="FFFFFF"/>
                 </a:solidFill>
               </a:rPr>
-              <a:t>git push &lt;</a:t>
-            </a:r>
-            <a:r>
-              <a:rPr lang="en-US" dirty="0" err="1">
+              <a:t>git push &lt;remote_name&gt; &lt;local_branch&gt;:&lt;remote_branch&gt;</a:t>
+            </a:r>
+          </a:p>
+          <a:p>
+            <a:pPr lvl="1"/>
+            <a:r>
+              <a:rPr lang="en-US" dirty="0">
                 <a:solidFill>
                   <a:srgbClr val="FFFFFF"/>
                 </a:solidFill>
               </a:rPr>
-              <a:t>remote_name</a:t>
-            </a:r>
-            <a:r>
-              <a:rPr lang="en-US" dirty="0">
-                <a:solidFill>
-                  <a:srgbClr val="FFFFFF"/>
-                </a:solidFill>
-              </a:rPr>
-              <a:t>&gt; &lt;</a:t>
-            </a:r>
-            <a:r>
-              <a:rPr lang="en-US" dirty="0" err="1">
-                <a:solidFill>
-                  <a:srgbClr val="FFFFFF"/>
-                </a:solidFill>
-              </a:rPr>
-              <a:t>local_branch</a:t>
-            </a:r>
-            <a:r>
-              <a:rPr lang="en-US" dirty="0">
-                <a:solidFill>
-                  <a:srgbClr val="FFFFFF"/>
-                </a:solidFill>
-              </a:rPr>
-              <a:t>&gt;:&lt;</a:t>
-            </a:r>
-            <a:r>
-              <a:rPr lang="en-US" dirty="0" err="1">
-                <a:solidFill>
-                  <a:srgbClr val="FFFFFF"/>
-                </a:solidFill>
-              </a:rPr>
-              <a:t>remote_branch</a:t>
-            </a:r>
-            <a:r>
-              <a:rPr lang="en-US" dirty="0">
-                <a:solidFill>
-                  <a:srgbClr val="FFFFFF"/>
-                </a:solidFill>
-              </a:rPr>
-              <a:t>&gt;</a:t>
-            </a:r>
-          </a:p>
-          <a:p>
-            <a:pPr lvl="1"/>
-            <a:r>
-              <a:rPr lang="en-US" dirty="0">
-                <a:solidFill>
-                  <a:srgbClr val="FFFFFF"/>
-                </a:solidFill>
-              </a:rPr>
-              <a:t>If branch names are the same, :&lt;</a:t>
-            </a:r>
-            <a:r>
-              <a:rPr lang="en-US" dirty="0" err="1">
-                <a:solidFill>
-                  <a:srgbClr val="FFFFFF"/>
-                </a:solidFill>
-              </a:rPr>
-              <a:t>remote_branch</a:t>
-            </a:r>
-            <a:r>
-              <a:rPr lang="en-US" dirty="0">
-                <a:solidFill>
-                  <a:srgbClr val="FFFFFF"/>
-                </a:solidFill>
-              </a:rPr>
-              <a:t>&gt; is not needed</a:t>
+              <a:t>If branch names are the same, :&lt;remote_branch&gt; is not needed</a:t>
             </a:r>
           </a:p>
           <a:p>
@@ -10406,39 +10015,7 @@
                   <a:srgbClr val="FFFFFF"/>
                 </a:solidFill>
               </a:rPr>
-              <a:t>git push -u &lt;</a:t>
-            </a:r>
-            <a:r>
-              <a:rPr lang="en-US" dirty="0" err="1">
-                <a:solidFill>
-                  <a:srgbClr val="FFFFFF"/>
-                </a:solidFill>
-              </a:rPr>
-              <a:t>remote_name</a:t>
-            </a:r>
-            <a:r>
-              <a:rPr lang="en-US" dirty="0">
-                <a:solidFill>
-                  <a:srgbClr val="FFFFFF"/>
-                </a:solidFill>
-              </a:rPr>
-              <a:t>&gt; &lt;</a:t>
-            </a:r>
-            <a:r>
-              <a:rPr lang="en-US" dirty="0" err="1">
-                <a:solidFill>
-                  <a:srgbClr val="FFFFFF"/>
-                </a:solidFill>
-              </a:rPr>
-              <a:t>local_branch</a:t>
-            </a:r>
-            <a:r>
-              <a:rPr lang="en-US" dirty="0">
-                <a:solidFill>
-                  <a:srgbClr val="FFFFFF"/>
-                </a:solidFill>
-              </a:rPr>
-              <a:t>&gt;</a:t>
+              <a:t>git push -u &lt;remote_name&gt; &lt;local_branch&gt;</a:t>
             </a:r>
           </a:p>
           <a:p>
@@ -10577,7 +10154,7 @@
           <a:lstStyle/>
           <a:p>
             <a:pPr algn="ctr"/>
-            <a:endParaRPr lang="en-US"/>
+            <a:endParaRPr lang="en-US" dirty="0"/>
           </a:p>
         </p:txBody>
       </p:sp>
@@ -10685,7 +10262,7 @@
           <a:lstStyle/>
           <a:p>
             <a:pPr algn="ctr"/>
-            <a:endParaRPr lang="en-US"/>
+            <a:endParaRPr lang="en-US" dirty="0"/>
           </a:p>
         </p:txBody>
       </p:sp>
@@ -10795,7 +10372,7 @@
           <a:lstStyle/>
           <a:p>
             <a:pPr algn="ctr"/>
-            <a:endParaRPr lang="en-US"/>
+            <a:endParaRPr lang="en-US" dirty="0"/>
           </a:p>
         </p:txBody>
       </p:sp>
@@ -10828,7 +10405,7 @@
           <a:lstStyle/>
           <a:p>
             <a:r>
-              <a:rPr lang="en-US">
+              <a:rPr lang="en-US" dirty="0">
                 <a:solidFill>
                   <a:srgbClr val="FFFFFF"/>
                 </a:solidFill>
@@ -10867,7 +10444,7 @@
           <a:lstStyle/>
           <a:p>
             <a:r>
-              <a:rPr lang="en-US" sz="2000">
+              <a:rPr lang="en-US" sz="2000" dirty="0">
                 <a:solidFill>
                   <a:srgbClr val="FFFFFF"/>
                 </a:solidFill>
@@ -10878,7 +10455,7 @@
           <a:p>
             <a:pPr lvl="1"/>
             <a:r>
-              <a:rPr lang="en-US" sz="2000">
+              <a:rPr lang="en-US" sz="2000" dirty="0">
                 <a:solidFill>
                   <a:srgbClr val="FFFFFF"/>
                 </a:solidFill>
@@ -10887,7 +10464,7 @@
             </a:r>
           </a:p>
           <a:p>
-            <a:endParaRPr lang="en-US" sz="2000">
+            <a:endParaRPr lang="en-US" sz="2000" dirty="0">
               <a:solidFill>
                 <a:srgbClr val="FFFFFF"/>
               </a:solidFill>
@@ -10895,7 +10472,7 @@
           </a:p>
           <a:p>
             <a:r>
-              <a:rPr lang="en-US" sz="2000">
+              <a:rPr lang="en-US" sz="2000" dirty="0">
                 <a:solidFill>
                   <a:srgbClr val="FFFFFF"/>
                 </a:solidFill>
@@ -10906,7 +10483,7 @@
           <a:p>
             <a:pPr lvl="1"/>
             <a:r>
-              <a:rPr lang="en-US" sz="2000">
+              <a:rPr lang="en-US" sz="2000" dirty="0">
                 <a:solidFill>
                   <a:srgbClr val="FFFFFF"/>
                 </a:solidFill>
@@ -10915,7 +10492,7 @@
             </a:r>
           </a:p>
           <a:p>
-            <a:endParaRPr lang="en-US" sz="2000">
+            <a:endParaRPr lang="en-US" sz="2000" dirty="0">
               <a:solidFill>
                 <a:srgbClr val="FFFFFF"/>
               </a:solidFill>
@@ -11020,7 +10597,7 @@
           <a:lstStyle/>
           <a:p>
             <a:pPr algn="ctr"/>
-            <a:endParaRPr lang="en-US"/>
+            <a:endParaRPr lang="en-US" dirty="0"/>
           </a:p>
         </p:txBody>
       </p:sp>
@@ -11128,7 +10705,7 @@
           <a:lstStyle/>
           <a:p>
             <a:pPr algn="ctr"/>
-            <a:endParaRPr lang="en-US"/>
+            <a:endParaRPr lang="en-US" dirty="0"/>
           </a:p>
         </p:txBody>
       </p:sp>
@@ -11238,7 +10815,7 @@
           <a:lstStyle/>
           <a:p>
             <a:pPr algn="ctr"/>
-            <a:endParaRPr lang="en-US"/>
+            <a:endParaRPr lang="en-US" dirty="0"/>
           </a:p>
         </p:txBody>
       </p:sp>
@@ -11271,7 +10848,7 @@
           <a:lstStyle/>
           <a:p>
             <a:r>
-              <a:rPr lang="en-US">
+              <a:rPr lang="en-US" dirty="0">
                 <a:solidFill>
                   <a:srgbClr val="FFFFFF"/>
                 </a:solidFill>
@@ -11310,7 +10887,7 @@
           <a:lstStyle/>
           <a:p>
             <a:r>
-              <a:rPr lang="en-US" sz="2000">
+              <a:rPr lang="en-US" sz="2000" dirty="0">
                 <a:solidFill>
                   <a:srgbClr val="FFFFFF"/>
                 </a:solidFill>
@@ -11321,7 +10898,7 @@
           <a:p>
             <a:pPr lvl="1"/>
             <a:r>
-              <a:rPr lang="en-US" sz="2000">
+              <a:rPr lang="en-US" sz="2000" dirty="0">
                 <a:solidFill>
                   <a:srgbClr val="FFFFFF"/>
                 </a:solidFill>
@@ -11332,7 +10909,7 @@
           <a:p>
             <a:pPr lvl="2"/>
             <a:r>
-              <a:rPr lang="en-US">
+              <a:rPr lang="en-US" dirty="0">
                 <a:solidFill>
                   <a:srgbClr val="FFFFFF"/>
                 </a:solidFill>
@@ -11343,7 +10920,7 @@
           <a:p>
             <a:pPr lvl="2"/>
             <a:r>
-              <a:rPr lang="en-US">
+              <a:rPr lang="en-US" dirty="0">
                 <a:solidFill>
                   <a:srgbClr val="FFFFFF"/>
                 </a:solidFill>
@@ -11355,7 +10932,7 @@
             <a:pPr marL="914400" lvl="2" indent="0">
               <a:buNone/>
             </a:pPr>
-            <a:endParaRPr lang="en-US">
+            <a:endParaRPr lang="en-US" dirty="0">
               <a:solidFill>
                 <a:srgbClr val="FFFFFF"/>
               </a:solidFill>
@@ -11363,7 +10940,7 @@
           </a:p>
           <a:p>
             <a:r>
-              <a:rPr lang="en-US" sz="2000">
+              <a:rPr lang="en-US" sz="2000" dirty="0">
                 <a:solidFill>
                   <a:srgbClr val="FFFFFF"/>
                 </a:solidFill>
@@ -11374,7 +10951,7 @@
           <a:p>
             <a:pPr lvl="1"/>
             <a:r>
-              <a:rPr lang="en-US" sz="2000">
+              <a:rPr lang="en-US" sz="2000" dirty="0">
                 <a:solidFill>
                   <a:srgbClr val="FFFFFF"/>
                 </a:solidFill>
@@ -11386,14 +10963,14 @@
             <a:pPr marL="0" indent="0">
               <a:buNone/>
             </a:pPr>
-            <a:endParaRPr lang="en-US" sz="2000">
+            <a:endParaRPr lang="en-US" sz="2000" dirty="0">
               <a:solidFill>
                 <a:srgbClr val="FFFFFF"/>
               </a:solidFill>
             </a:endParaRPr>
           </a:p>
           <a:p>
-            <a:endParaRPr lang="en-US" sz="2000">
+            <a:endParaRPr lang="en-US" sz="2000" dirty="0">
               <a:solidFill>
                 <a:srgbClr val="FFFFFF"/>
               </a:solidFill>
@@ -11498,7 +11075,7 @@
           <a:lstStyle/>
           <a:p>
             <a:pPr algn="ctr"/>
-            <a:endParaRPr lang="en-US"/>
+            <a:endParaRPr lang="en-US" dirty="0"/>
           </a:p>
         </p:txBody>
       </p:sp>
@@ -11606,7 +11183,7 @@
           <a:lstStyle/>
           <a:p>
             <a:pPr algn="ctr"/>
-            <a:endParaRPr lang="en-US"/>
+            <a:endParaRPr lang="en-US" dirty="0"/>
           </a:p>
         </p:txBody>
       </p:sp>
@@ -11716,7 +11293,7 @@
           <a:lstStyle/>
           <a:p>
             <a:pPr algn="ctr"/>
-            <a:endParaRPr lang="en-US"/>
+            <a:endParaRPr lang="en-US" dirty="0"/>
           </a:p>
         </p:txBody>
       </p:sp>
@@ -11749,7 +11326,7 @@
           <a:lstStyle/>
           <a:p>
             <a:r>
-              <a:rPr lang="en-US">
+              <a:rPr lang="en-US" dirty="0">
                 <a:solidFill>
                   <a:srgbClr val="FFFFFF"/>
                 </a:solidFill>
@@ -11850,23 +11427,7 @@
                   <a:srgbClr val="FFFFFF"/>
                 </a:solidFill>
               </a:rPr>
-              <a:t>git config --global </a:t>
-            </a:r>
-            <a:r>
-              <a:rPr lang="en-US" dirty="0" err="1">
-                <a:solidFill>
-                  <a:srgbClr val="FFFFFF"/>
-                </a:solidFill>
-              </a:rPr>
-              <a:t>user.email</a:t>
-            </a:r>
-            <a:r>
-              <a:rPr lang="en-US" dirty="0">
-                <a:solidFill>
-                  <a:srgbClr val="FFFFFF"/>
-                </a:solidFill>
-              </a:rPr>
-              <a:t> </a:t>
+              <a:t>git config --global user.email </a:t>
             </a:r>
             <a:r>
               <a:rPr lang="en-US" dirty="0">
@@ -11992,7 +11553,7 @@
           <a:lstStyle/>
           <a:p>
             <a:pPr algn="ctr"/>
-            <a:endParaRPr lang="en-US"/>
+            <a:endParaRPr lang="en-US" dirty="0"/>
           </a:p>
         </p:txBody>
       </p:sp>
@@ -12100,7 +11661,7 @@
           <a:lstStyle/>
           <a:p>
             <a:pPr algn="ctr"/>
-            <a:endParaRPr lang="en-US"/>
+            <a:endParaRPr lang="en-US" dirty="0"/>
           </a:p>
         </p:txBody>
       </p:sp>
@@ -12210,7 +11771,7 @@
           <a:lstStyle/>
           <a:p>
             <a:pPr algn="ctr"/>
-            <a:endParaRPr lang="en-US"/>
+            <a:endParaRPr lang="en-US" dirty="0"/>
           </a:p>
         </p:txBody>
       </p:sp>
@@ -12243,7 +11804,7 @@
           <a:lstStyle/>
           <a:p>
             <a:r>
-              <a:rPr lang="en-US">
+              <a:rPr lang="en-US" dirty="0">
                 <a:solidFill>
                   <a:srgbClr val="FFFFFF"/>
                 </a:solidFill>
@@ -12298,21 +11859,8 @@
                   <a:srgbClr val="FFFFFF"/>
                 </a:solidFill>
               </a:rPr>
-              <a:t>git </a:t>
-            </a:r>
-            <a:r>
-              <a:rPr lang="en-US" dirty="0" err="1">
-                <a:solidFill>
-                  <a:srgbClr val="FFFFFF"/>
-                </a:solidFill>
-              </a:rPr>
-              <a:t>init</a:t>
-            </a:r>
-            <a:endParaRPr lang="en-US" dirty="0">
-              <a:solidFill>
-                <a:srgbClr val="FFFFFF"/>
-              </a:solidFill>
-            </a:endParaRPr>
+              <a:t>git init</a:t>
+            </a:r>
           </a:p>
           <a:p>
             <a:pPr lvl="1"/>
@@ -12486,7 +12034,7 @@
           <a:lstStyle/>
           <a:p>
             <a:pPr algn="ctr"/>
-            <a:endParaRPr lang="en-US"/>
+            <a:endParaRPr lang="en-US" dirty="0"/>
           </a:p>
         </p:txBody>
       </p:sp>
@@ -12594,7 +12142,7 @@
           <a:lstStyle/>
           <a:p>
             <a:pPr algn="ctr"/>
-            <a:endParaRPr lang="en-US"/>
+            <a:endParaRPr lang="en-US" dirty="0"/>
           </a:p>
         </p:txBody>
       </p:sp>
@@ -12704,7 +12252,7 @@
           <a:lstStyle/>
           <a:p>
             <a:pPr algn="ctr"/>
-            <a:endParaRPr lang="en-US"/>
+            <a:endParaRPr lang="en-US" dirty="0"/>
           </a:p>
         </p:txBody>
       </p:sp>
@@ -12737,7 +12285,7 @@
           <a:lstStyle/>
           <a:p>
             <a:r>
-              <a:rPr lang="en-US">
+              <a:rPr lang="en-US" dirty="0">
                 <a:solidFill>
                   <a:srgbClr val="FFFFFF"/>
                 </a:solidFill>
@@ -12953,7 +12501,7 @@
           <a:lstStyle/>
           <a:p>
             <a:pPr algn="ctr"/>
-            <a:endParaRPr lang="en-US"/>
+            <a:endParaRPr lang="en-US" dirty="0"/>
           </a:p>
         </p:txBody>
       </p:sp>
@@ -13061,7 +12609,7 @@
           <a:lstStyle/>
           <a:p>
             <a:pPr algn="ctr"/>
-            <a:endParaRPr lang="en-US"/>
+            <a:endParaRPr lang="en-US" dirty="0"/>
           </a:p>
         </p:txBody>
       </p:sp>
@@ -13171,7 +12719,7 @@
           <a:lstStyle/>
           <a:p>
             <a:pPr algn="ctr"/>
-            <a:endParaRPr lang="en-US"/>
+            <a:endParaRPr lang="en-US" dirty="0"/>
           </a:p>
         </p:txBody>
       </p:sp>
@@ -13204,7 +12752,7 @@
           <a:lstStyle/>
           <a:p>
             <a:r>
-              <a:rPr lang="en-US">
+              <a:rPr lang="en-US" dirty="0">
                 <a:solidFill>
                   <a:srgbClr val="FFFFFF"/>
                 </a:solidFill>
@@ -13412,7 +12960,7 @@
           <a:lstStyle/>
           <a:p>
             <a:pPr algn="ctr"/>
-            <a:endParaRPr lang="en-US"/>
+            <a:endParaRPr lang="en-US" dirty="0"/>
           </a:p>
         </p:txBody>
       </p:sp>
@@ -13520,7 +13068,7 @@
           <a:lstStyle/>
           <a:p>
             <a:pPr algn="ctr"/>
-            <a:endParaRPr lang="en-US"/>
+            <a:endParaRPr lang="en-US" dirty="0"/>
           </a:p>
         </p:txBody>
       </p:sp>
@@ -13630,7 +13178,7 @@
           <a:lstStyle/>
           <a:p>
             <a:pPr algn="ctr"/>
-            <a:endParaRPr lang="en-US"/>
+            <a:endParaRPr lang="en-US" dirty="0"/>
           </a:p>
         </p:txBody>
       </p:sp>
@@ -13871,7 +13419,7 @@
           <a:lstStyle/>
           <a:p>
             <a:pPr algn="ctr"/>
-            <a:endParaRPr lang="en-US"/>
+            <a:endParaRPr lang="en-US" dirty="0"/>
           </a:p>
         </p:txBody>
       </p:sp>
@@ -13979,7 +13527,7 @@
           <a:lstStyle/>
           <a:p>
             <a:pPr algn="ctr"/>
-            <a:endParaRPr lang="en-US"/>
+            <a:endParaRPr lang="en-US" dirty="0"/>
           </a:p>
         </p:txBody>
       </p:sp>
@@ -14089,7 +13637,7 @@
           <a:lstStyle/>
           <a:p>
             <a:pPr algn="ctr"/>
-            <a:endParaRPr lang="en-US"/>
+            <a:endParaRPr lang="en-US" dirty="0"/>
           </a:p>
         </p:txBody>
       </p:sp>
@@ -14122,7 +13670,7 @@
           <a:lstStyle/>
           <a:p>
             <a:r>
-              <a:rPr lang="en-US">
+              <a:rPr lang="en-US" dirty="0">
                 <a:solidFill>
                   <a:srgbClr val="FFFFFF"/>
                 </a:solidFill>
@@ -14177,48 +13725,19 @@
                   <a:srgbClr val="FFFFFF"/>
                 </a:solidFill>
               </a:rPr>
-              <a:t>Add --</a:t>
-            </a:r>
-            <a:r>
-              <a:rPr lang="en-US" dirty="0" err="1">
+              <a:t>Add --oneline option to view history less information per commit</a:t>
+            </a:r>
+          </a:p>
+          <a:p>
+            <a:pPr lvl="1"/>
+            <a:r>
+              <a:rPr lang="en-US" dirty="0">
                 <a:solidFill>
                   <a:srgbClr val="FFFFFF"/>
                 </a:solidFill>
               </a:rPr>
-              <a:t>oneline</a:t>
-            </a:r>
-            <a:r>
-              <a:rPr lang="en-US" dirty="0">
-                <a:solidFill>
-                  <a:srgbClr val="FFFFFF"/>
-                </a:solidFill>
-              </a:rPr>
-              <a:t> option to view history less information per commit</a:t>
-            </a:r>
-          </a:p>
-          <a:p>
-            <a:pPr lvl="1"/>
-            <a:r>
-              <a:rPr lang="en-US" dirty="0">
-                <a:solidFill>
-                  <a:srgbClr val="FFFFFF"/>
-                </a:solidFill>
-              </a:rPr>
-              <a:t>git log --</a:t>
-            </a:r>
-            <a:r>
-              <a:rPr lang="en-US" dirty="0" err="1">
-                <a:solidFill>
-                  <a:srgbClr val="FFFFFF"/>
-                </a:solidFill>
-              </a:rPr>
-              <a:t>oneline</a:t>
-            </a:r>
-            <a:endParaRPr lang="en-US" dirty="0">
-              <a:solidFill>
-                <a:srgbClr val="FFFFFF"/>
-              </a:solidFill>
-            </a:endParaRPr>
+              <a:t>git log --oneline</a:t>
+            </a:r>
           </a:p>
           <a:p>
             <a:pPr lvl="1"/>
@@ -14355,7 +13874,7 @@
           <a:lstStyle/>
           <a:p>
             <a:pPr algn="ctr"/>
-            <a:endParaRPr lang="en-US"/>
+            <a:endParaRPr lang="en-US" dirty="0"/>
           </a:p>
         </p:txBody>
       </p:sp>
@@ -14463,7 +13982,7 @@
           <a:lstStyle/>
           <a:p>
             <a:pPr algn="ctr"/>
-            <a:endParaRPr lang="en-US"/>
+            <a:endParaRPr lang="en-US" dirty="0"/>
           </a:p>
         </p:txBody>
       </p:sp>
@@ -14573,7 +14092,7 @@
           <a:lstStyle/>
           <a:p>
             <a:pPr algn="ctr"/>
-            <a:endParaRPr lang="en-US"/>
+            <a:endParaRPr lang="en-US" dirty="0"/>
           </a:p>
         </p:txBody>
       </p:sp>
@@ -14606,7 +14125,7 @@
           <a:lstStyle/>
           <a:p>
             <a:r>
-              <a:rPr lang="en-US">
+              <a:rPr lang="en-US" dirty="0">
                 <a:solidFill>
                   <a:srgbClr val="FFFFFF"/>
                 </a:solidFill>

--- a/Git.pptx
+++ b/Git.pptx
@@ -11874,26 +11874,6 @@
             </a:r>
           </a:p>
           <a:p>
-            <a:pPr marL="457200" lvl="1" indent="0">
-              <a:buNone/>
-            </a:pPr>
-            <a:endParaRPr lang="en-US" dirty="0">
-              <a:solidFill>
-                <a:srgbClr val="FFFFFF"/>
-              </a:solidFill>
-            </a:endParaRPr>
-          </a:p>
-          <a:p>
-            <a:r>
-              <a:rPr lang="en-US" sz="2400" dirty="0">
-                <a:solidFill>
-                  <a:srgbClr val="FFFFFF"/>
-                </a:solidFill>
-              </a:rPr>
-              <a:t>Git tracks changes made to files in the directory automatically, but files must be added to the repository manually to save their history.</a:t>
-            </a:r>
-          </a:p>
-          <a:p>
             <a:pPr lvl="1"/>
             <a:endParaRPr lang="en-US" dirty="0">
               <a:solidFill>
@@ -11908,32 +11888,67 @@
                   <a:srgbClr val="FFFFFF"/>
                 </a:solidFill>
               </a:rPr>
-              <a:t>Clone creates a local copy of an existing git project, including the entire git history of the project</a:t>
-            </a:r>
-          </a:p>
-          <a:p>
-            <a:pPr lvl="1"/>
-            <a:r>
-              <a:rPr lang="en-US" dirty="0">
-                <a:solidFill>
-                  <a:srgbClr val="FFFFFF"/>
-                </a:solidFill>
-              </a:rPr>
-              <a:t>git clone &lt;</a:t>
-            </a:r>
-            <a:r>
-              <a:rPr lang="en-US" i="1" dirty="0">
-                <a:solidFill>
-                  <a:srgbClr val="FFFFFF"/>
-                </a:solidFill>
-              </a:rPr>
-              <a:t>path&gt;</a:t>
+              <a:t>Git tracks changes made to files in the directory automatically, but files must be added to the repository manually to save their history.</a:t>
             </a:r>
             <a:endParaRPr lang="en-US" dirty="0">
               <a:solidFill>
                 <a:srgbClr val="FFFFFF"/>
               </a:solidFill>
             </a:endParaRPr>
+          </a:p>
+          <a:p>
+            <a:r>
+              <a:rPr lang="en-US" sz="2400" dirty="0">
+                <a:solidFill>
+                  <a:srgbClr val="FFFFFF"/>
+                </a:solidFill>
+              </a:rPr>
+              <a:t>Clone creates a local copy of an existing git project: git clone &lt;</a:t>
+            </a:r>
+            <a:r>
+              <a:rPr lang="en-US" sz="2400" dirty="0" err="1">
+                <a:solidFill>
+                  <a:srgbClr val="FFFFFF"/>
+                </a:solidFill>
+              </a:rPr>
+              <a:t>url</a:t>
+            </a:r>
+            <a:r>
+              <a:rPr lang="en-US" sz="2400" dirty="0">
+                <a:solidFill>
+                  <a:srgbClr val="FFFFFF"/>
+                </a:solidFill>
+              </a:rPr>
+              <a:t>&gt;</a:t>
+            </a:r>
+          </a:p>
+          <a:p>
+            <a:pPr lvl="1"/>
+            <a:r>
+              <a:rPr lang="en-US" dirty="0">
+                <a:solidFill>
+                  <a:srgbClr val="FFFFFF"/>
+                </a:solidFill>
+              </a:rPr>
+              <a:t>git clone </a:t>
+            </a:r>
+            <a:r>
+              <a:rPr lang="en-US" dirty="0">
+                <a:solidFill>
+                  <a:srgbClr val="FFFFFF"/>
+                </a:solidFill>
+                <a:hlinkClick r:id="rId2"/>
+              </a:rPr>
+              <a:t>https://github.com/phxateam/git.git</a:t>
+            </a:r>
+            <a:r>
+              <a:rPr lang="en-US" dirty="0">
+                <a:solidFill>
+                  <a:srgbClr val="FFFFFF"/>
+                </a:solidFill>
+              </a:rPr>
+              <a:t> to import our presentation</a:t>
+            </a:r>
           </a:p>
         </p:txBody>
       </p:sp>

--- a/Git.pptx
+++ b/Git.pptx
@@ -4074,13 +4074,20 @@
           <a:lstStyle/>
           <a:p>
             <a:r>
-              <a:rPr lang="en-US" sz="2000" dirty="0">
+              <a:rPr lang="en-US" sz="3200" dirty="0">
                 <a:solidFill>
                   <a:schemeClr val="accent1"/>
                 </a:solidFill>
               </a:rPr>
               <a:t>An A Team Production</a:t>
             </a:r>
+          </a:p>
+          <a:p>
+            <a:endParaRPr lang="en-US" sz="400" dirty="0">
+              <a:solidFill>
+                <a:schemeClr val="accent1"/>
+              </a:solidFill>
+            </a:endParaRPr>
           </a:p>
           <a:p>
             <a:r>
